--- a/UserGuide/BacnetAPIServerUserGuide.pptx
+++ b/UserGuide/BacnetAPIServerUserGuide.pptx
@@ -3,36 +3,37 @@
 <p:presentation xmlns:a="http://schemas.openxmlformats.org/drawingml/2006/main" xmlns:p="http://schemas.openxmlformats.org/presentationml/2006/main" xmlns:r="http://schemas.openxmlformats.org/officeDocument/2006/relationships" xmlns:p14="http://schemas.microsoft.com/office/powerpoint/2010/main" xmlns:p15="http://schemas.microsoft.com/office/powerpoint/2012/main" xmlns:mc="http://schemas.openxmlformats.org/markup-compatibility/2006">
   <p:sldMasterIdLst>
     <p:sldMasterId id="2147483648" r:id="rId2"/>
+    <p:sldMasterId id="2147483661" r:id="rId3"/>
   </p:sldMasterIdLst>
   <p:sldIdLst>
-    <p:sldId id="256" r:id="rId3"/>
-    <p:sldId id="257" r:id="rId4"/>
-    <p:sldId id="258" r:id="rId5"/>
-    <p:sldId id="259" r:id="rId6"/>
-    <p:sldId id="260" r:id="rId7"/>
-    <p:sldId id="261" r:id="rId8"/>
-    <p:sldId id="262" r:id="rId9"/>
-    <p:sldId id="263" r:id="rId10"/>
-    <p:sldId id="264" r:id="rId11"/>
-    <p:sldId id="265" r:id="rId12"/>
-    <p:sldId id="266" r:id="rId13"/>
-    <p:sldId id="267" r:id="rId14"/>
-    <p:sldId id="268" r:id="rId15"/>
-    <p:sldId id="269" r:id="rId16"/>
-    <p:sldId id="270" r:id="rId17"/>
-    <p:sldId id="271" r:id="rId18"/>
-    <p:sldId id="272" r:id="rId19"/>
-    <p:sldId id="273" r:id="rId20"/>
-    <p:sldId id="274" r:id="rId21"/>
-    <p:sldId id="275" r:id="rId22"/>
-    <p:sldId id="276" r:id="rId23"/>
-    <p:sldId id="277" r:id="rId24"/>
-    <p:sldId id="278" r:id="rId25"/>
-    <p:sldId id="279" r:id="rId26"/>
-    <p:sldId id="280" r:id="rId27"/>
-    <p:sldId id="281" r:id="rId28"/>
-    <p:sldId id="282" r:id="rId29"/>
-    <p:sldId id="283" r:id="rId30"/>
+    <p:sldId id="256" r:id="rId4"/>
+    <p:sldId id="257" r:id="rId5"/>
+    <p:sldId id="258" r:id="rId6"/>
+    <p:sldId id="259" r:id="rId7"/>
+    <p:sldId id="260" r:id="rId8"/>
+    <p:sldId id="261" r:id="rId9"/>
+    <p:sldId id="262" r:id="rId10"/>
+    <p:sldId id="263" r:id="rId11"/>
+    <p:sldId id="264" r:id="rId12"/>
+    <p:sldId id="265" r:id="rId13"/>
+    <p:sldId id="266" r:id="rId14"/>
+    <p:sldId id="267" r:id="rId15"/>
+    <p:sldId id="268" r:id="rId16"/>
+    <p:sldId id="269" r:id="rId17"/>
+    <p:sldId id="270" r:id="rId18"/>
+    <p:sldId id="271" r:id="rId19"/>
+    <p:sldId id="272" r:id="rId20"/>
+    <p:sldId id="273" r:id="rId21"/>
+    <p:sldId id="274" r:id="rId22"/>
+    <p:sldId id="275" r:id="rId23"/>
+    <p:sldId id="276" r:id="rId24"/>
+    <p:sldId id="277" r:id="rId25"/>
+    <p:sldId id="278" r:id="rId26"/>
+    <p:sldId id="279" r:id="rId27"/>
+    <p:sldId id="280" r:id="rId28"/>
+    <p:sldId id="281" r:id="rId29"/>
+    <p:sldId id="282" r:id="rId30"/>
+    <p:sldId id="283" r:id="rId31"/>
   </p:sldIdLst>
   <p:sldSz cx="10080625" cy="5670550"/>
   <p:notesSz cx="7559675" cy="10691813"/>
@@ -63,7 +64,7 @@
             <a:spLocks noGrp="1"/>
           </p:cNvSpPr>
           <p:nvPr>
-            <p:ph type="ftr" idx="2"/>
+            <p:ph type="ftr" idx="1"/>
           </p:nvPr>
         </p:nvSpPr>
         <p:spPr/>
@@ -83,14 +84,14 @@
             <a:spLocks noGrp="1"/>
           </p:cNvSpPr>
           <p:nvPr>
-            <p:ph type="sldNum" idx="3"/>
+            <p:ph type="sldNum" idx="2"/>
           </p:nvPr>
         </p:nvSpPr>
         <p:spPr/>
         <p:txBody>
           <a:bodyPr/>
           <a:p>
-            <a:fld id="{6A2F2DCB-B2E9-4257-9E6B-F5D7C40473CB}" type="slidenum">
+            <a:fld id="{CA3F63C1-20FC-4301-8388-FE2390C5739B}" type="slidenum">
               <a:t>&lt;#&gt;</a:t>
             </a:fld>
           </a:p>
@@ -103,7 +104,7 @@
             <a:spLocks noGrp="1"/>
           </p:cNvSpPr>
           <p:nvPr>
-            <p:ph type="dt" idx="1"/>
+            <p:ph type="dt" idx="3"/>
           </p:nvPr>
         </p:nvSpPr>
         <p:spPr/>
@@ -152,7 +153,7 @@
         <p:spPr>
           <a:xfrm>
             <a:off x="504000" y="226080"/>
-            <a:ext cx="9071640" cy="946440"/>
+            <a:ext cx="9071280" cy="946080"/>
           </a:xfrm>
           <a:prstGeom prst="rect">
             <a:avLst/>
@@ -189,7 +190,7 @@
         <p:spPr>
           <a:xfrm>
             <a:off x="504000" y="1326600"/>
-            <a:ext cx="9071640" cy="1568160"/>
+            <a:ext cx="9071280" cy="1568160"/>
           </a:xfrm>
           <a:prstGeom prst="rect">
             <a:avLst/>
@@ -223,7 +224,7 @@
         <p:spPr>
           <a:xfrm>
             <a:off x="504000" y="3044160"/>
-            <a:ext cx="9071640" cy="1568160"/>
+            <a:ext cx="9071280" cy="1568160"/>
           </a:xfrm>
           <a:prstGeom prst="rect">
             <a:avLst/>
@@ -251,7 +252,7 @@
             <a:spLocks noGrp="1"/>
           </p:cNvSpPr>
           <p:nvPr>
-            <p:ph type="ftr" idx="2"/>
+            <p:ph type="ftr" idx="1"/>
           </p:nvPr>
         </p:nvSpPr>
         <p:spPr/>
@@ -271,14 +272,14 @@
             <a:spLocks noGrp="1"/>
           </p:cNvSpPr>
           <p:nvPr>
-            <p:ph type="sldNum" idx="3"/>
+            <p:ph type="sldNum" idx="2"/>
           </p:nvPr>
         </p:nvSpPr>
         <p:spPr/>
         <p:txBody>
           <a:bodyPr/>
           <a:p>
-            <a:fld id="{B70E11F3-8A87-409F-92F0-3FB80CC75897}" type="slidenum">
+            <a:fld id="{B7EA747F-B836-4283-BC81-04F31C2CDC60}" type="slidenum">
               <a:t>&lt;#&gt;</a:t>
             </a:fld>
           </a:p>
@@ -291,7 +292,7 @@
             <a:spLocks noGrp="1"/>
           </p:cNvSpPr>
           <p:nvPr>
-            <p:ph type="dt" idx="1"/>
+            <p:ph type="dt" idx="3"/>
           </p:nvPr>
         </p:nvSpPr>
         <p:spPr/>
@@ -340,7 +341,7 @@
         <p:spPr>
           <a:xfrm>
             <a:off x="504000" y="226080"/>
-            <a:ext cx="9071640" cy="946440"/>
+            <a:ext cx="9071280" cy="946080"/>
           </a:xfrm>
           <a:prstGeom prst="rect">
             <a:avLst/>
@@ -377,7 +378,7 @@
         <p:spPr>
           <a:xfrm>
             <a:off x="504000" y="1326600"/>
-            <a:ext cx="4426920" cy="1568160"/>
+            <a:ext cx="4426560" cy="1568160"/>
           </a:xfrm>
           <a:prstGeom prst="rect">
             <a:avLst/>
@@ -410,8 +411,8 @@
         </p:nvSpPr>
         <p:spPr>
           <a:xfrm>
-            <a:off x="5152680" y="1326600"/>
-            <a:ext cx="4426920" cy="1568160"/>
+            <a:off x="5152320" y="1326600"/>
+            <a:ext cx="4426560" cy="1568160"/>
           </a:xfrm>
           <a:prstGeom prst="rect">
             <a:avLst/>
@@ -445,7 +446,7 @@
         <p:spPr>
           <a:xfrm>
             <a:off x="504000" y="3044160"/>
-            <a:ext cx="4426920" cy="1568160"/>
+            <a:ext cx="4426560" cy="1568160"/>
           </a:xfrm>
           <a:prstGeom prst="rect">
             <a:avLst/>
@@ -478,8 +479,8 @@
         </p:nvSpPr>
         <p:spPr>
           <a:xfrm>
-            <a:off x="5152680" y="3044160"/>
-            <a:ext cx="4426920" cy="1568160"/>
+            <a:off x="5152320" y="3044160"/>
+            <a:ext cx="4426560" cy="1568160"/>
           </a:xfrm>
           <a:prstGeom prst="rect">
             <a:avLst/>
@@ -507,7 +508,7 @@
             <a:spLocks noGrp="1"/>
           </p:cNvSpPr>
           <p:nvPr>
-            <p:ph type="ftr" idx="2"/>
+            <p:ph type="ftr" idx="1"/>
           </p:nvPr>
         </p:nvSpPr>
         <p:spPr/>
@@ -527,14 +528,14 @@
             <a:spLocks noGrp="1"/>
           </p:cNvSpPr>
           <p:nvPr>
-            <p:ph type="sldNum" idx="3"/>
+            <p:ph type="sldNum" idx="2"/>
           </p:nvPr>
         </p:nvSpPr>
         <p:spPr/>
         <p:txBody>
           <a:bodyPr/>
           <a:p>
-            <a:fld id="{A0FF8902-73D5-4D65-A0A4-1CB0904A99FF}" type="slidenum">
+            <a:fld id="{649B3C40-5758-40FF-BA26-F1AC9CE6B582}" type="slidenum">
               <a:t>&lt;#&gt;</a:t>
             </a:fld>
           </a:p>
@@ -547,7 +548,7 @@
             <a:spLocks noGrp="1"/>
           </p:cNvSpPr>
           <p:nvPr>
-            <p:ph type="dt" idx="1"/>
+            <p:ph type="dt" idx="3"/>
           </p:nvPr>
         </p:nvSpPr>
         <p:spPr/>
@@ -596,7 +597,7 @@
         <p:spPr>
           <a:xfrm>
             <a:off x="504000" y="226080"/>
-            <a:ext cx="9071640" cy="946440"/>
+            <a:ext cx="9071280" cy="946080"/>
           </a:xfrm>
           <a:prstGeom prst="rect">
             <a:avLst/>
@@ -831,7 +832,7 @@
             <a:spLocks noGrp="1"/>
           </p:cNvSpPr>
           <p:nvPr>
-            <p:ph type="ftr" idx="2"/>
+            <p:ph type="ftr" idx="1"/>
           </p:nvPr>
         </p:nvSpPr>
         <p:spPr/>
@@ -851,14 +852,14 @@
             <a:spLocks noGrp="1"/>
           </p:cNvSpPr>
           <p:nvPr>
-            <p:ph type="sldNum" idx="3"/>
+            <p:ph type="sldNum" idx="2"/>
           </p:nvPr>
         </p:nvSpPr>
         <p:spPr/>
         <p:txBody>
           <a:bodyPr/>
           <a:p>
-            <a:fld id="{BF47E020-536A-4665-83FF-537B2D6EE4BB}" type="slidenum">
+            <a:fld id="{B525959D-2258-4592-AA4E-31F88804EE60}" type="slidenum">
               <a:t>&lt;#&gt;</a:t>
             </a:fld>
           </a:p>
@@ -871,7 +872,1051 @@
             <a:spLocks noGrp="1"/>
           </p:cNvSpPr>
           <p:nvPr>
-            <p:ph type="dt" idx="1"/>
+            <p:ph type="dt" idx="3"/>
+          </p:nvPr>
+        </p:nvSpPr>
+        <p:spPr/>
+        <p:txBody>
+          <a:bodyPr/>
+          <a:p>
+            <a:r>
+              <a:rPr lang="en-US"/>
+              <a:t/>
+            </a:r>
+          </a:p>
+        </p:txBody>
+      </p:sp>
+    </p:spTree>
+  </p:cSld>
+</p:sldLayout>
+</file>
+
+<file path=ppt/slideLayouts/slideLayout13.xml><?xml version="1.0" encoding="utf-8"?>
+<p:sldLayout xmlns:a="http://schemas.openxmlformats.org/drawingml/2006/main" xmlns:p="http://schemas.openxmlformats.org/presentationml/2006/main" xmlns:r="http://schemas.openxmlformats.org/officeDocument/2006/relationships" xmlns:p14="http://schemas.microsoft.com/office/powerpoint/2010/main" xmlns:p15="http://schemas.microsoft.com/office/powerpoint/2012/main" xmlns:mc="http://schemas.openxmlformats.org/markup-compatibility/2006" type="blank" preserve="1">
+  <p:cSld name="Blank Slide">
+    <p:spTree>
+      <p:nvGrpSpPr>
+        <p:cNvPr id="1" name=""/>
+        <p:cNvGrpSpPr/>
+        <p:nvPr/>
+      </p:nvGrpSpPr>
+      <p:grpSpPr>
+        <a:xfrm>
+          <a:off x="0" y="0"/>
+          <a:ext cx="0" cy="0"/>
+          <a:chOff x="0" y="0"/>
+          <a:chExt cx="0" cy="0"/>
+        </a:xfrm>
+      </p:grpSpPr>
+      <p:sp>
+        <p:nvSpPr>
+          <p:cNvPr id="2" name="PlaceHolder 1"/>
+          <p:cNvSpPr>
+            <a:spLocks noGrp="1"/>
+          </p:cNvSpPr>
+          <p:nvPr>
+            <p:ph type="ftr" idx="4"/>
+          </p:nvPr>
+        </p:nvSpPr>
+        <p:spPr/>
+        <p:txBody>
+          <a:bodyPr/>
+          <a:p>
+            <a:r>
+              <a:t>Footer</a:t>
+            </a:r>
+          </a:p>
+        </p:txBody>
+      </p:sp>
+      <p:sp>
+        <p:nvSpPr>
+          <p:cNvPr id="3" name="PlaceHolder 2"/>
+          <p:cNvSpPr>
+            <a:spLocks noGrp="1"/>
+          </p:cNvSpPr>
+          <p:nvPr>
+            <p:ph type="sldNum" idx="5"/>
+          </p:nvPr>
+        </p:nvSpPr>
+        <p:spPr/>
+        <p:txBody>
+          <a:bodyPr/>
+          <a:p>
+            <a:fld id="{C36429E7-8FA1-42B5-9B25-01C39A428388}" type="slidenum">
+              <a:t>&lt;#&gt;</a:t>
+            </a:fld>
+          </a:p>
+        </p:txBody>
+      </p:sp>
+      <p:sp>
+        <p:nvSpPr>
+          <p:cNvPr id="4" name="PlaceHolder 3"/>
+          <p:cNvSpPr>
+            <a:spLocks noGrp="1"/>
+          </p:cNvSpPr>
+          <p:nvPr>
+            <p:ph type="dt" idx="6"/>
+          </p:nvPr>
+        </p:nvSpPr>
+        <p:spPr/>
+        <p:txBody>
+          <a:bodyPr/>
+          <a:p>
+            <a:r>
+              <a:rPr lang="en-US"/>
+              <a:t/>
+            </a:r>
+          </a:p>
+        </p:txBody>
+      </p:sp>
+    </p:spTree>
+  </p:cSld>
+</p:sldLayout>
+</file>
+
+<file path=ppt/slideLayouts/slideLayout14.xml><?xml version="1.0" encoding="utf-8"?>
+<p:sldLayout xmlns:a="http://schemas.openxmlformats.org/drawingml/2006/main" xmlns:p="http://schemas.openxmlformats.org/presentationml/2006/main" xmlns:r="http://schemas.openxmlformats.org/officeDocument/2006/relationships" xmlns:p14="http://schemas.microsoft.com/office/powerpoint/2010/main" xmlns:p15="http://schemas.microsoft.com/office/powerpoint/2012/main" xmlns:mc="http://schemas.openxmlformats.org/markup-compatibility/2006" type="tx" preserve="1">
+  <p:cSld name="Title Slide">
+    <p:spTree>
+      <p:nvGrpSpPr>
+        <p:cNvPr id="1" name=""/>
+        <p:cNvGrpSpPr/>
+        <p:nvPr/>
+      </p:nvGrpSpPr>
+      <p:grpSpPr>
+        <a:xfrm>
+          <a:off x="0" y="0"/>
+          <a:ext cx="0" cy="0"/>
+          <a:chOff x="0" y="0"/>
+          <a:chExt cx="0" cy="0"/>
+        </a:xfrm>
+      </p:grpSpPr>
+      <p:sp>
+        <p:nvSpPr>
+          <p:cNvPr id="46" name="PlaceHolder 1"/>
+          <p:cNvSpPr>
+            <a:spLocks noGrp="1"/>
+          </p:cNvSpPr>
+          <p:nvPr>
+            <p:ph type="title"/>
+          </p:nvPr>
+        </p:nvSpPr>
+        <p:spPr>
+          <a:xfrm>
+            <a:off x="504000" y="226080"/>
+            <a:ext cx="9071280" cy="946080"/>
+          </a:xfrm>
+          <a:prstGeom prst="rect">
+            <a:avLst/>
+          </a:prstGeom>
+          <a:noFill/>
+          <a:ln w="0">
+            <a:noFill/>
+          </a:ln>
+        </p:spPr>
+        <p:txBody>
+          <a:bodyPr lIns="0" rIns="0" tIns="0" bIns="0" anchor="ctr">
+            <a:noAutofit/>
+          </a:bodyPr>
+          <a:p>
+            <a:pPr algn="ctr">
+              <a:buNone/>
+            </a:pPr>
+            <a:endParaRPr b="0" lang="en-US" sz="4400" spc="-1" strike="noStrike">
+              <a:latin typeface="Arial"/>
+            </a:endParaRPr>
+          </a:p>
+        </p:txBody>
+      </p:sp>
+      <p:sp>
+        <p:nvSpPr>
+          <p:cNvPr id="47" name="PlaceHolder 2"/>
+          <p:cNvSpPr>
+            <a:spLocks noGrp="1"/>
+          </p:cNvSpPr>
+          <p:nvPr>
+            <p:ph type="subTitle"/>
+          </p:nvPr>
+        </p:nvSpPr>
+        <p:spPr>
+          <a:xfrm>
+            <a:off x="504000" y="1326600"/>
+            <a:ext cx="9071280" cy="3287880"/>
+          </a:xfrm>
+          <a:prstGeom prst="rect">
+            <a:avLst/>
+          </a:prstGeom>
+          <a:noFill/>
+          <a:ln w="0">
+            <a:noFill/>
+          </a:ln>
+        </p:spPr>
+        <p:txBody>
+          <a:bodyPr lIns="0" rIns="0" tIns="0" bIns="0" anchor="ctr">
+            <a:noAutofit/>
+          </a:bodyPr>
+          <a:p>
+            <a:pPr algn="ctr">
+              <a:buNone/>
+            </a:pPr>
+            <a:endParaRPr b="0" lang="en-US" sz="3200" spc="-1" strike="noStrike">
+              <a:latin typeface="Arial"/>
+            </a:endParaRPr>
+          </a:p>
+        </p:txBody>
+      </p:sp>
+      <p:sp>
+        <p:nvSpPr>
+          <p:cNvPr id="4" name="PlaceHolder 3"/>
+          <p:cNvSpPr>
+            <a:spLocks noGrp="1"/>
+          </p:cNvSpPr>
+          <p:nvPr>
+            <p:ph type="ftr" idx="4"/>
+          </p:nvPr>
+        </p:nvSpPr>
+        <p:spPr/>
+        <p:txBody>
+          <a:bodyPr/>
+          <a:p>
+            <a:r>
+              <a:t>Footer</a:t>
+            </a:r>
+          </a:p>
+        </p:txBody>
+      </p:sp>
+      <p:sp>
+        <p:nvSpPr>
+          <p:cNvPr id="5" name="PlaceHolder 4"/>
+          <p:cNvSpPr>
+            <a:spLocks noGrp="1"/>
+          </p:cNvSpPr>
+          <p:nvPr>
+            <p:ph type="sldNum" idx="5"/>
+          </p:nvPr>
+        </p:nvSpPr>
+        <p:spPr/>
+        <p:txBody>
+          <a:bodyPr/>
+          <a:p>
+            <a:fld id="{ACDE3481-4D5A-4821-A3DC-EDCFA24230D5}" type="slidenum">
+              <a:t>&lt;#&gt;</a:t>
+            </a:fld>
+          </a:p>
+        </p:txBody>
+      </p:sp>
+      <p:sp>
+        <p:nvSpPr>
+          <p:cNvPr id="6" name="PlaceHolder 5"/>
+          <p:cNvSpPr>
+            <a:spLocks noGrp="1"/>
+          </p:cNvSpPr>
+          <p:nvPr>
+            <p:ph type="dt" idx="6"/>
+          </p:nvPr>
+        </p:nvSpPr>
+        <p:spPr/>
+        <p:txBody>
+          <a:bodyPr/>
+          <a:p>
+            <a:r>
+              <a:rPr lang="en-US"/>
+              <a:t/>
+            </a:r>
+          </a:p>
+        </p:txBody>
+      </p:sp>
+    </p:spTree>
+  </p:cSld>
+</p:sldLayout>
+</file>
+
+<file path=ppt/slideLayouts/slideLayout15.xml><?xml version="1.0" encoding="utf-8"?>
+<p:sldLayout xmlns:a="http://schemas.openxmlformats.org/drawingml/2006/main" xmlns:p="http://schemas.openxmlformats.org/presentationml/2006/main" xmlns:r="http://schemas.openxmlformats.org/officeDocument/2006/relationships" xmlns:p14="http://schemas.microsoft.com/office/powerpoint/2010/main" xmlns:p15="http://schemas.microsoft.com/office/powerpoint/2012/main" xmlns:mc="http://schemas.openxmlformats.org/markup-compatibility/2006" type="obj" preserve="1">
+  <p:cSld name="Title, Content">
+    <p:spTree>
+      <p:nvGrpSpPr>
+        <p:cNvPr id="1" name=""/>
+        <p:cNvGrpSpPr/>
+        <p:nvPr/>
+      </p:nvGrpSpPr>
+      <p:grpSpPr>
+        <a:xfrm>
+          <a:off x="0" y="0"/>
+          <a:ext cx="0" cy="0"/>
+          <a:chOff x="0" y="0"/>
+          <a:chExt cx="0" cy="0"/>
+        </a:xfrm>
+      </p:grpSpPr>
+      <p:sp>
+        <p:nvSpPr>
+          <p:cNvPr id="48" name="PlaceHolder 1"/>
+          <p:cNvSpPr>
+            <a:spLocks noGrp="1"/>
+          </p:cNvSpPr>
+          <p:nvPr>
+            <p:ph type="title"/>
+          </p:nvPr>
+        </p:nvSpPr>
+        <p:spPr>
+          <a:xfrm>
+            <a:off x="504000" y="226080"/>
+            <a:ext cx="9071280" cy="946080"/>
+          </a:xfrm>
+          <a:prstGeom prst="rect">
+            <a:avLst/>
+          </a:prstGeom>
+          <a:noFill/>
+          <a:ln w="0">
+            <a:noFill/>
+          </a:ln>
+        </p:spPr>
+        <p:txBody>
+          <a:bodyPr lIns="0" rIns="0" tIns="0" bIns="0" anchor="ctr">
+            <a:noAutofit/>
+          </a:bodyPr>
+          <a:p>
+            <a:pPr algn="ctr">
+              <a:buNone/>
+            </a:pPr>
+            <a:endParaRPr b="0" lang="en-US" sz="4400" spc="-1" strike="noStrike">
+              <a:latin typeface="Arial"/>
+            </a:endParaRPr>
+          </a:p>
+        </p:txBody>
+      </p:sp>
+      <p:sp>
+        <p:nvSpPr>
+          <p:cNvPr id="49" name="PlaceHolder 2"/>
+          <p:cNvSpPr>
+            <a:spLocks noGrp="1"/>
+          </p:cNvSpPr>
+          <p:nvPr>
+            <p:ph/>
+          </p:nvPr>
+        </p:nvSpPr>
+        <p:spPr>
+          <a:xfrm>
+            <a:off x="504000" y="1326600"/>
+            <a:ext cx="9071280" cy="3287880"/>
+          </a:xfrm>
+          <a:prstGeom prst="rect">
+            <a:avLst/>
+          </a:prstGeom>
+          <a:noFill/>
+          <a:ln w="0">
+            <a:noFill/>
+          </a:ln>
+        </p:spPr>
+        <p:txBody>
+          <a:bodyPr lIns="0" rIns="0" tIns="0" bIns="0" anchor="t">
+            <a:normAutofit/>
+          </a:bodyPr>
+          <a:p>
+            <a:endParaRPr b="0" lang="en-US" sz="3200" spc="-1" strike="noStrike">
+              <a:latin typeface="Arial"/>
+            </a:endParaRPr>
+          </a:p>
+        </p:txBody>
+      </p:sp>
+      <p:sp>
+        <p:nvSpPr>
+          <p:cNvPr id="4" name="PlaceHolder 3"/>
+          <p:cNvSpPr>
+            <a:spLocks noGrp="1"/>
+          </p:cNvSpPr>
+          <p:nvPr>
+            <p:ph type="ftr" idx="4"/>
+          </p:nvPr>
+        </p:nvSpPr>
+        <p:spPr/>
+        <p:txBody>
+          <a:bodyPr/>
+          <a:p>
+            <a:r>
+              <a:t>Footer</a:t>
+            </a:r>
+          </a:p>
+        </p:txBody>
+      </p:sp>
+      <p:sp>
+        <p:nvSpPr>
+          <p:cNvPr id="5" name="PlaceHolder 4"/>
+          <p:cNvSpPr>
+            <a:spLocks noGrp="1"/>
+          </p:cNvSpPr>
+          <p:nvPr>
+            <p:ph type="sldNum" idx="5"/>
+          </p:nvPr>
+        </p:nvSpPr>
+        <p:spPr/>
+        <p:txBody>
+          <a:bodyPr/>
+          <a:p>
+            <a:fld id="{751C2865-E40B-4977-AB06-AE367135D41F}" type="slidenum">
+              <a:t>&lt;#&gt;</a:t>
+            </a:fld>
+          </a:p>
+        </p:txBody>
+      </p:sp>
+      <p:sp>
+        <p:nvSpPr>
+          <p:cNvPr id="6" name="PlaceHolder 5"/>
+          <p:cNvSpPr>
+            <a:spLocks noGrp="1"/>
+          </p:cNvSpPr>
+          <p:nvPr>
+            <p:ph type="dt" idx="6"/>
+          </p:nvPr>
+        </p:nvSpPr>
+        <p:spPr/>
+        <p:txBody>
+          <a:bodyPr/>
+          <a:p>
+            <a:r>
+              <a:rPr lang="en-US"/>
+              <a:t/>
+            </a:r>
+          </a:p>
+        </p:txBody>
+      </p:sp>
+    </p:spTree>
+  </p:cSld>
+</p:sldLayout>
+</file>
+
+<file path=ppt/slideLayouts/slideLayout16.xml><?xml version="1.0" encoding="utf-8"?>
+<p:sldLayout xmlns:a="http://schemas.openxmlformats.org/drawingml/2006/main" xmlns:p="http://schemas.openxmlformats.org/presentationml/2006/main" xmlns:r="http://schemas.openxmlformats.org/officeDocument/2006/relationships" xmlns:p14="http://schemas.microsoft.com/office/powerpoint/2010/main" xmlns:p15="http://schemas.microsoft.com/office/powerpoint/2012/main" xmlns:mc="http://schemas.openxmlformats.org/markup-compatibility/2006" type="twoObj" preserve="1">
+  <p:cSld name="Title, 2 Content">
+    <p:spTree>
+      <p:nvGrpSpPr>
+        <p:cNvPr id="1" name=""/>
+        <p:cNvGrpSpPr/>
+        <p:nvPr/>
+      </p:nvGrpSpPr>
+      <p:grpSpPr>
+        <a:xfrm>
+          <a:off x="0" y="0"/>
+          <a:ext cx="0" cy="0"/>
+          <a:chOff x="0" y="0"/>
+          <a:chExt cx="0" cy="0"/>
+        </a:xfrm>
+      </p:grpSpPr>
+      <p:sp>
+        <p:nvSpPr>
+          <p:cNvPr id="50" name="PlaceHolder 1"/>
+          <p:cNvSpPr>
+            <a:spLocks noGrp="1"/>
+          </p:cNvSpPr>
+          <p:nvPr>
+            <p:ph type="title"/>
+          </p:nvPr>
+        </p:nvSpPr>
+        <p:spPr>
+          <a:xfrm>
+            <a:off x="504000" y="226080"/>
+            <a:ext cx="9071280" cy="946080"/>
+          </a:xfrm>
+          <a:prstGeom prst="rect">
+            <a:avLst/>
+          </a:prstGeom>
+          <a:noFill/>
+          <a:ln w="0">
+            <a:noFill/>
+          </a:ln>
+        </p:spPr>
+        <p:txBody>
+          <a:bodyPr lIns="0" rIns="0" tIns="0" bIns="0" anchor="ctr">
+            <a:noAutofit/>
+          </a:bodyPr>
+          <a:p>
+            <a:pPr algn="ctr">
+              <a:buNone/>
+            </a:pPr>
+            <a:endParaRPr b="0" lang="en-US" sz="4400" spc="-1" strike="noStrike">
+              <a:latin typeface="Arial"/>
+            </a:endParaRPr>
+          </a:p>
+        </p:txBody>
+      </p:sp>
+      <p:sp>
+        <p:nvSpPr>
+          <p:cNvPr id="51" name="PlaceHolder 2"/>
+          <p:cNvSpPr>
+            <a:spLocks noGrp="1"/>
+          </p:cNvSpPr>
+          <p:nvPr>
+            <p:ph/>
+          </p:nvPr>
+        </p:nvSpPr>
+        <p:spPr>
+          <a:xfrm>
+            <a:off x="504000" y="1326600"/>
+            <a:ext cx="4426560" cy="3287880"/>
+          </a:xfrm>
+          <a:prstGeom prst="rect">
+            <a:avLst/>
+          </a:prstGeom>
+          <a:noFill/>
+          <a:ln w="0">
+            <a:noFill/>
+          </a:ln>
+        </p:spPr>
+        <p:txBody>
+          <a:bodyPr lIns="0" rIns="0" tIns="0" bIns="0" anchor="t">
+            <a:normAutofit/>
+          </a:bodyPr>
+          <a:p>
+            <a:endParaRPr b="0" lang="en-US" sz="3200" spc="-1" strike="noStrike">
+              <a:latin typeface="Arial"/>
+            </a:endParaRPr>
+          </a:p>
+        </p:txBody>
+      </p:sp>
+      <p:sp>
+        <p:nvSpPr>
+          <p:cNvPr id="52" name="PlaceHolder 3"/>
+          <p:cNvSpPr>
+            <a:spLocks noGrp="1"/>
+          </p:cNvSpPr>
+          <p:nvPr>
+            <p:ph/>
+          </p:nvPr>
+        </p:nvSpPr>
+        <p:spPr>
+          <a:xfrm>
+            <a:off x="5152320" y="1326600"/>
+            <a:ext cx="4426560" cy="3287880"/>
+          </a:xfrm>
+          <a:prstGeom prst="rect">
+            <a:avLst/>
+          </a:prstGeom>
+          <a:noFill/>
+          <a:ln w="0">
+            <a:noFill/>
+          </a:ln>
+        </p:spPr>
+        <p:txBody>
+          <a:bodyPr lIns="0" rIns="0" tIns="0" bIns="0" anchor="t">
+            <a:normAutofit/>
+          </a:bodyPr>
+          <a:p>
+            <a:endParaRPr b="0" lang="en-US" sz="3200" spc="-1" strike="noStrike">
+              <a:latin typeface="Arial"/>
+            </a:endParaRPr>
+          </a:p>
+        </p:txBody>
+      </p:sp>
+      <p:sp>
+        <p:nvSpPr>
+          <p:cNvPr id="5" name="PlaceHolder 4"/>
+          <p:cNvSpPr>
+            <a:spLocks noGrp="1"/>
+          </p:cNvSpPr>
+          <p:nvPr>
+            <p:ph type="ftr" idx="4"/>
+          </p:nvPr>
+        </p:nvSpPr>
+        <p:spPr/>
+        <p:txBody>
+          <a:bodyPr/>
+          <a:p>
+            <a:r>
+              <a:t>Footer</a:t>
+            </a:r>
+          </a:p>
+        </p:txBody>
+      </p:sp>
+      <p:sp>
+        <p:nvSpPr>
+          <p:cNvPr id="6" name="PlaceHolder 5"/>
+          <p:cNvSpPr>
+            <a:spLocks noGrp="1"/>
+          </p:cNvSpPr>
+          <p:nvPr>
+            <p:ph type="sldNum" idx="5"/>
+          </p:nvPr>
+        </p:nvSpPr>
+        <p:spPr/>
+        <p:txBody>
+          <a:bodyPr/>
+          <a:p>
+            <a:fld id="{814A0A15-F80E-47DF-81BD-59D2BD39B74A}" type="slidenum">
+              <a:t>&lt;#&gt;</a:t>
+            </a:fld>
+          </a:p>
+        </p:txBody>
+      </p:sp>
+      <p:sp>
+        <p:nvSpPr>
+          <p:cNvPr id="7" name="PlaceHolder 6"/>
+          <p:cNvSpPr>
+            <a:spLocks noGrp="1"/>
+          </p:cNvSpPr>
+          <p:nvPr>
+            <p:ph type="dt" idx="6"/>
+          </p:nvPr>
+        </p:nvSpPr>
+        <p:spPr/>
+        <p:txBody>
+          <a:bodyPr/>
+          <a:p>
+            <a:r>
+              <a:rPr lang="en-US"/>
+              <a:t/>
+            </a:r>
+          </a:p>
+        </p:txBody>
+      </p:sp>
+    </p:spTree>
+  </p:cSld>
+</p:sldLayout>
+</file>
+
+<file path=ppt/slideLayouts/slideLayout17.xml><?xml version="1.0" encoding="utf-8"?>
+<p:sldLayout xmlns:a="http://schemas.openxmlformats.org/drawingml/2006/main" xmlns:p="http://schemas.openxmlformats.org/presentationml/2006/main" xmlns:r="http://schemas.openxmlformats.org/officeDocument/2006/relationships" xmlns:p14="http://schemas.microsoft.com/office/powerpoint/2010/main" xmlns:p15="http://schemas.microsoft.com/office/powerpoint/2012/main" xmlns:mc="http://schemas.openxmlformats.org/markup-compatibility/2006" type="titleOnly" preserve="1">
+  <p:cSld name="Title Only">
+    <p:spTree>
+      <p:nvGrpSpPr>
+        <p:cNvPr id="1" name=""/>
+        <p:cNvGrpSpPr/>
+        <p:nvPr/>
+      </p:nvGrpSpPr>
+      <p:grpSpPr>
+        <a:xfrm>
+          <a:off x="0" y="0"/>
+          <a:ext cx="0" cy="0"/>
+          <a:chOff x="0" y="0"/>
+          <a:chExt cx="0" cy="0"/>
+        </a:xfrm>
+      </p:grpSpPr>
+      <p:sp>
+        <p:nvSpPr>
+          <p:cNvPr id="53" name="PlaceHolder 1"/>
+          <p:cNvSpPr>
+            <a:spLocks noGrp="1"/>
+          </p:cNvSpPr>
+          <p:nvPr>
+            <p:ph type="title"/>
+          </p:nvPr>
+        </p:nvSpPr>
+        <p:spPr>
+          <a:xfrm>
+            <a:off x="504000" y="226080"/>
+            <a:ext cx="9071280" cy="946080"/>
+          </a:xfrm>
+          <a:prstGeom prst="rect">
+            <a:avLst/>
+          </a:prstGeom>
+          <a:noFill/>
+          <a:ln w="0">
+            <a:noFill/>
+          </a:ln>
+        </p:spPr>
+        <p:txBody>
+          <a:bodyPr lIns="0" rIns="0" tIns="0" bIns="0" anchor="ctr">
+            <a:noAutofit/>
+          </a:bodyPr>
+          <a:p>
+            <a:pPr algn="ctr">
+              <a:buNone/>
+            </a:pPr>
+            <a:endParaRPr b="0" lang="en-US" sz="4400" spc="-1" strike="noStrike">
+              <a:latin typeface="Arial"/>
+            </a:endParaRPr>
+          </a:p>
+        </p:txBody>
+      </p:sp>
+      <p:sp>
+        <p:nvSpPr>
+          <p:cNvPr id="3" name="PlaceHolder 2"/>
+          <p:cNvSpPr>
+            <a:spLocks noGrp="1"/>
+          </p:cNvSpPr>
+          <p:nvPr>
+            <p:ph type="ftr" idx="4"/>
+          </p:nvPr>
+        </p:nvSpPr>
+        <p:spPr/>
+        <p:txBody>
+          <a:bodyPr/>
+          <a:p>
+            <a:r>
+              <a:t>Footer</a:t>
+            </a:r>
+          </a:p>
+        </p:txBody>
+      </p:sp>
+      <p:sp>
+        <p:nvSpPr>
+          <p:cNvPr id="4" name="PlaceHolder 3"/>
+          <p:cNvSpPr>
+            <a:spLocks noGrp="1"/>
+          </p:cNvSpPr>
+          <p:nvPr>
+            <p:ph type="sldNum" idx="5"/>
+          </p:nvPr>
+        </p:nvSpPr>
+        <p:spPr/>
+        <p:txBody>
+          <a:bodyPr/>
+          <a:p>
+            <a:fld id="{8063D03D-FD34-48F1-871C-F048FFB629E1}" type="slidenum">
+              <a:t>&lt;#&gt;</a:t>
+            </a:fld>
+          </a:p>
+        </p:txBody>
+      </p:sp>
+      <p:sp>
+        <p:nvSpPr>
+          <p:cNvPr id="5" name="PlaceHolder 4"/>
+          <p:cNvSpPr>
+            <a:spLocks noGrp="1"/>
+          </p:cNvSpPr>
+          <p:nvPr>
+            <p:ph type="dt" idx="6"/>
+          </p:nvPr>
+        </p:nvSpPr>
+        <p:spPr/>
+        <p:txBody>
+          <a:bodyPr/>
+          <a:p>
+            <a:r>
+              <a:rPr lang="en-US"/>
+              <a:t/>
+            </a:r>
+          </a:p>
+        </p:txBody>
+      </p:sp>
+    </p:spTree>
+  </p:cSld>
+</p:sldLayout>
+</file>
+
+<file path=ppt/slideLayouts/slideLayout18.xml><?xml version="1.0" encoding="utf-8"?>
+<p:sldLayout xmlns:a="http://schemas.openxmlformats.org/drawingml/2006/main" xmlns:p="http://schemas.openxmlformats.org/presentationml/2006/main" xmlns:r="http://schemas.openxmlformats.org/officeDocument/2006/relationships" xmlns:p14="http://schemas.microsoft.com/office/powerpoint/2010/main" xmlns:p15="http://schemas.microsoft.com/office/powerpoint/2012/main" xmlns:mc="http://schemas.openxmlformats.org/markup-compatibility/2006" type="objOnly" preserve="1">
+  <p:cSld name="Centered Text">
+    <p:spTree>
+      <p:nvGrpSpPr>
+        <p:cNvPr id="1" name=""/>
+        <p:cNvGrpSpPr/>
+        <p:nvPr/>
+      </p:nvGrpSpPr>
+      <p:grpSpPr>
+        <a:xfrm>
+          <a:off x="0" y="0"/>
+          <a:ext cx="0" cy="0"/>
+          <a:chOff x="0" y="0"/>
+          <a:chExt cx="0" cy="0"/>
+        </a:xfrm>
+      </p:grpSpPr>
+      <p:sp>
+        <p:nvSpPr>
+          <p:cNvPr id="54" name="PlaceHolder 1"/>
+          <p:cNvSpPr>
+            <a:spLocks noGrp="1"/>
+          </p:cNvSpPr>
+          <p:nvPr>
+            <p:ph type="subTitle"/>
+          </p:nvPr>
+        </p:nvSpPr>
+        <p:spPr>
+          <a:xfrm>
+            <a:off x="504000" y="226080"/>
+            <a:ext cx="9071280" cy="4386600"/>
+          </a:xfrm>
+          <a:prstGeom prst="rect">
+            <a:avLst/>
+          </a:prstGeom>
+          <a:noFill/>
+          <a:ln w="0">
+            <a:noFill/>
+          </a:ln>
+        </p:spPr>
+        <p:txBody>
+          <a:bodyPr lIns="0" rIns="0" tIns="0" bIns="0" anchor="ctr">
+            <a:noAutofit/>
+          </a:bodyPr>
+          <a:p>
+            <a:pPr algn="ctr">
+              <a:buNone/>
+            </a:pPr>
+            <a:endParaRPr b="0" lang="en-US" sz="3200" spc="-1" strike="noStrike">
+              <a:latin typeface="Arial"/>
+            </a:endParaRPr>
+          </a:p>
+        </p:txBody>
+      </p:sp>
+      <p:sp>
+        <p:nvSpPr>
+          <p:cNvPr id="3" name="PlaceHolder 2"/>
+          <p:cNvSpPr>
+            <a:spLocks noGrp="1"/>
+          </p:cNvSpPr>
+          <p:nvPr>
+            <p:ph type="ftr" idx="4"/>
+          </p:nvPr>
+        </p:nvSpPr>
+        <p:spPr/>
+        <p:txBody>
+          <a:bodyPr/>
+          <a:p>
+            <a:r>
+              <a:t>Footer</a:t>
+            </a:r>
+          </a:p>
+        </p:txBody>
+      </p:sp>
+      <p:sp>
+        <p:nvSpPr>
+          <p:cNvPr id="4" name="PlaceHolder 3"/>
+          <p:cNvSpPr>
+            <a:spLocks noGrp="1"/>
+          </p:cNvSpPr>
+          <p:nvPr>
+            <p:ph type="sldNum" idx="5"/>
+          </p:nvPr>
+        </p:nvSpPr>
+        <p:spPr/>
+        <p:txBody>
+          <a:bodyPr/>
+          <a:p>
+            <a:fld id="{E5738C41-30DB-4C19-B340-161D8761D133}" type="slidenum">
+              <a:t>&lt;#&gt;</a:t>
+            </a:fld>
+          </a:p>
+        </p:txBody>
+      </p:sp>
+      <p:sp>
+        <p:nvSpPr>
+          <p:cNvPr id="5" name="PlaceHolder 4"/>
+          <p:cNvSpPr>
+            <a:spLocks noGrp="1"/>
+          </p:cNvSpPr>
+          <p:nvPr>
+            <p:ph type="dt" idx="6"/>
+          </p:nvPr>
+        </p:nvSpPr>
+        <p:spPr/>
+        <p:txBody>
+          <a:bodyPr/>
+          <a:p>
+            <a:r>
+              <a:rPr lang="en-US"/>
+              <a:t/>
+            </a:r>
+          </a:p>
+        </p:txBody>
+      </p:sp>
+    </p:spTree>
+  </p:cSld>
+</p:sldLayout>
+</file>
+
+<file path=ppt/slideLayouts/slideLayout19.xml><?xml version="1.0" encoding="utf-8"?>
+<p:sldLayout xmlns:a="http://schemas.openxmlformats.org/drawingml/2006/main" xmlns:p="http://schemas.openxmlformats.org/presentationml/2006/main" xmlns:r="http://schemas.openxmlformats.org/officeDocument/2006/relationships" xmlns:p14="http://schemas.microsoft.com/office/powerpoint/2010/main" xmlns:p15="http://schemas.microsoft.com/office/powerpoint/2012/main" xmlns:mc="http://schemas.openxmlformats.org/markup-compatibility/2006" type="twoObjAndObj" preserve="1">
+  <p:cSld name="Title, 2 Content and Content">
+    <p:spTree>
+      <p:nvGrpSpPr>
+        <p:cNvPr id="1" name=""/>
+        <p:cNvGrpSpPr/>
+        <p:nvPr/>
+      </p:nvGrpSpPr>
+      <p:grpSpPr>
+        <a:xfrm>
+          <a:off x="0" y="0"/>
+          <a:ext cx="0" cy="0"/>
+          <a:chOff x="0" y="0"/>
+          <a:chExt cx="0" cy="0"/>
+        </a:xfrm>
+      </p:grpSpPr>
+      <p:sp>
+        <p:nvSpPr>
+          <p:cNvPr id="55" name="PlaceHolder 1"/>
+          <p:cNvSpPr>
+            <a:spLocks noGrp="1"/>
+          </p:cNvSpPr>
+          <p:nvPr>
+            <p:ph type="title"/>
+          </p:nvPr>
+        </p:nvSpPr>
+        <p:spPr>
+          <a:xfrm>
+            <a:off x="504000" y="226080"/>
+            <a:ext cx="9071280" cy="946080"/>
+          </a:xfrm>
+          <a:prstGeom prst="rect">
+            <a:avLst/>
+          </a:prstGeom>
+          <a:noFill/>
+          <a:ln w="0">
+            <a:noFill/>
+          </a:ln>
+        </p:spPr>
+        <p:txBody>
+          <a:bodyPr lIns="0" rIns="0" tIns="0" bIns="0" anchor="ctr">
+            <a:noAutofit/>
+          </a:bodyPr>
+          <a:p>
+            <a:pPr algn="ctr">
+              <a:buNone/>
+            </a:pPr>
+            <a:endParaRPr b="0" lang="en-US" sz="4400" spc="-1" strike="noStrike">
+              <a:latin typeface="Arial"/>
+            </a:endParaRPr>
+          </a:p>
+        </p:txBody>
+      </p:sp>
+      <p:sp>
+        <p:nvSpPr>
+          <p:cNvPr id="56" name="PlaceHolder 2"/>
+          <p:cNvSpPr>
+            <a:spLocks noGrp="1"/>
+          </p:cNvSpPr>
+          <p:nvPr>
+            <p:ph/>
+          </p:nvPr>
+        </p:nvSpPr>
+        <p:spPr>
+          <a:xfrm>
+            <a:off x="504000" y="1326600"/>
+            <a:ext cx="4426560" cy="1568160"/>
+          </a:xfrm>
+          <a:prstGeom prst="rect">
+            <a:avLst/>
+          </a:prstGeom>
+          <a:noFill/>
+          <a:ln w="0">
+            <a:noFill/>
+          </a:ln>
+        </p:spPr>
+        <p:txBody>
+          <a:bodyPr lIns="0" rIns="0" tIns="0" bIns="0" anchor="t">
+            <a:normAutofit/>
+          </a:bodyPr>
+          <a:p>
+            <a:endParaRPr b="0" lang="en-US" sz="3200" spc="-1" strike="noStrike">
+              <a:latin typeface="Arial"/>
+            </a:endParaRPr>
+          </a:p>
+        </p:txBody>
+      </p:sp>
+      <p:sp>
+        <p:nvSpPr>
+          <p:cNvPr id="57" name="PlaceHolder 3"/>
+          <p:cNvSpPr>
+            <a:spLocks noGrp="1"/>
+          </p:cNvSpPr>
+          <p:nvPr>
+            <p:ph/>
+          </p:nvPr>
+        </p:nvSpPr>
+        <p:spPr>
+          <a:xfrm>
+            <a:off x="5152320" y="1326600"/>
+            <a:ext cx="4426560" cy="3287880"/>
+          </a:xfrm>
+          <a:prstGeom prst="rect">
+            <a:avLst/>
+          </a:prstGeom>
+          <a:noFill/>
+          <a:ln w="0">
+            <a:noFill/>
+          </a:ln>
+        </p:spPr>
+        <p:txBody>
+          <a:bodyPr lIns="0" rIns="0" tIns="0" bIns="0" anchor="t">
+            <a:normAutofit/>
+          </a:bodyPr>
+          <a:p>
+            <a:endParaRPr b="0" lang="en-US" sz="3200" spc="-1" strike="noStrike">
+              <a:latin typeface="Arial"/>
+            </a:endParaRPr>
+          </a:p>
+        </p:txBody>
+      </p:sp>
+      <p:sp>
+        <p:nvSpPr>
+          <p:cNvPr id="58" name="PlaceHolder 4"/>
+          <p:cNvSpPr>
+            <a:spLocks noGrp="1"/>
+          </p:cNvSpPr>
+          <p:nvPr>
+            <p:ph/>
+          </p:nvPr>
+        </p:nvSpPr>
+        <p:spPr>
+          <a:xfrm>
+            <a:off x="504000" y="3044160"/>
+            <a:ext cx="4426560" cy="1568160"/>
+          </a:xfrm>
+          <a:prstGeom prst="rect">
+            <a:avLst/>
+          </a:prstGeom>
+          <a:noFill/>
+          <a:ln w="0">
+            <a:noFill/>
+          </a:ln>
+        </p:spPr>
+        <p:txBody>
+          <a:bodyPr lIns="0" rIns="0" tIns="0" bIns="0" anchor="t">
+            <a:normAutofit/>
+          </a:bodyPr>
+          <a:p>
+            <a:endParaRPr b="0" lang="en-US" sz="3200" spc="-1" strike="noStrike">
+              <a:latin typeface="Arial"/>
+            </a:endParaRPr>
+          </a:p>
+        </p:txBody>
+      </p:sp>
+      <p:sp>
+        <p:nvSpPr>
+          <p:cNvPr id="6" name="PlaceHolder 5"/>
+          <p:cNvSpPr>
+            <a:spLocks noGrp="1"/>
+          </p:cNvSpPr>
+          <p:nvPr>
+            <p:ph type="ftr" idx="4"/>
+          </p:nvPr>
+        </p:nvSpPr>
+        <p:spPr/>
+        <p:txBody>
+          <a:bodyPr/>
+          <a:p>
+            <a:r>
+              <a:t>Footer</a:t>
+            </a:r>
+          </a:p>
+        </p:txBody>
+      </p:sp>
+      <p:sp>
+        <p:nvSpPr>
+          <p:cNvPr id="7" name="PlaceHolder 6"/>
+          <p:cNvSpPr>
+            <a:spLocks noGrp="1"/>
+          </p:cNvSpPr>
+          <p:nvPr>
+            <p:ph type="sldNum" idx="5"/>
+          </p:nvPr>
+        </p:nvSpPr>
+        <p:spPr/>
+        <p:txBody>
+          <a:bodyPr/>
+          <a:p>
+            <a:fld id="{E2DDADC5-AFE0-47F7-9450-BD610A515448}" type="slidenum">
+              <a:t>&lt;#&gt;</a:t>
+            </a:fld>
+          </a:p>
+        </p:txBody>
+      </p:sp>
+      <p:sp>
+        <p:nvSpPr>
+          <p:cNvPr id="8" name="PlaceHolder 7"/>
+          <p:cNvSpPr>
+            <a:spLocks noGrp="1"/>
+          </p:cNvSpPr>
+          <p:nvPr>
+            <p:ph type="dt" idx="6"/>
           </p:nvPr>
         </p:nvSpPr>
         <p:spPr/>
@@ -920,7 +1965,7 @@
         <p:spPr>
           <a:xfrm>
             <a:off x="504000" y="226080"/>
-            <a:ext cx="9071640" cy="946440"/>
+            <a:ext cx="9071280" cy="946080"/>
           </a:xfrm>
           <a:prstGeom prst="rect">
             <a:avLst/>
@@ -957,7 +2002,7 @@
         <p:spPr>
           <a:xfrm>
             <a:off x="504000" y="1326600"/>
-            <a:ext cx="9071640" cy="3288240"/>
+            <a:ext cx="9071280" cy="3287880"/>
           </a:xfrm>
           <a:prstGeom prst="rect">
             <a:avLst/>
@@ -988,7 +2033,7 @@
             <a:spLocks noGrp="1"/>
           </p:cNvSpPr>
           <p:nvPr>
-            <p:ph type="ftr" idx="2"/>
+            <p:ph type="ftr" idx="1"/>
           </p:nvPr>
         </p:nvSpPr>
         <p:spPr/>
@@ -1008,14 +2053,14 @@
             <a:spLocks noGrp="1"/>
           </p:cNvSpPr>
           <p:nvPr>
-            <p:ph type="sldNum" idx="3"/>
+            <p:ph type="sldNum" idx="2"/>
           </p:nvPr>
         </p:nvSpPr>
         <p:spPr/>
         <p:txBody>
           <a:bodyPr/>
           <a:p>
-            <a:fld id="{DE552556-3982-4182-918C-8F5354AC3668}" type="slidenum">
+            <a:fld id="{C37EAD12-BC8F-4889-85BA-2ED3E39491E4}" type="slidenum">
               <a:t>&lt;#&gt;</a:t>
             </a:fld>
           </a:p>
@@ -1028,7 +2073,1219 @@
             <a:spLocks noGrp="1"/>
           </p:cNvSpPr>
           <p:nvPr>
-            <p:ph type="dt" idx="1"/>
+            <p:ph type="dt" idx="3"/>
+          </p:nvPr>
+        </p:nvSpPr>
+        <p:spPr/>
+        <p:txBody>
+          <a:bodyPr/>
+          <a:p>
+            <a:r>
+              <a:rPr lang="en-US"/>
+              <a:t/>
+            </a:r>
+          </a:p>
+        </p:txBody>
+      </p:sp>
+    </p:spTree>
+  </p:cSld>
+</p:sldLayout>
+</file>
+
+<file path=ppt/slideLayouts/slideLayout20.xml><?xml version="1.0" encoding="utf-8"?>
+<p:sldLayout xmlns:a="http://schemas.openxmlformats.org/drawingml/2006/main" xmlns:p="http://schemas.openxmlformats.org/presentationml/2006/main" xmlns:r="http://schemas.openxmlformats.org/officeDocument/2006/relationships" xmlns:p14="http://schemas.microsoft.com/office/powerpoint/2010/main" xmlns:p15="http://schemas.microsoft.com/office/powerpoint/2012/main" xmlns:mc="http://schemas.openxmlformats.org/markup-compatibility/2006" type="objAndTwoObj" preserve="1">
+  <p:cSld name="Title Content and 2 Content">
+    <p:spTree>
+      <p:nvGrpSpPr>
+        <p:cNvPr id="1" name=""/>
+        <p:cNvGrpSpPr/>
+        <p:nvPr/>
+      </p:nvGrpSpPr>
+      <p:grpSpPr>
+        <a:xfrm>
+          <a:off x="0" y="0"/>
+          <a:ext cx="0" cy="0"/>
+          <a:chOff x="0" y="0"/>
+          <a:chExt cx="0" cy="0"/>
+        </a:xfrm>
+      </p:grpSpPr>
+      <p:sp>
+        <p:nvSpPr>
+          <p:cNvPr id="59" name="PlaceHolder 1"/>
+          <p:cNvSpPr>
+            <a:spLocks noGrp="1"/>
+          </p:cNvSpPr>
+          <p:nvPr>
+            <p:ph type="title"/>
+          </p:nvPr>
+        </p:nvSpPr>
+        <p:spPr>
+          <a:xfrm>
+            <a:off x="504000" y="226080"/>
+            <a:ext cx="9071280" cy="946080"/>
+          </a:xfrm>
+          <a:prstGeom prst="rect">
+            <a:avLst/>
+          </a:prstGeom>
+          <a:noFill/>
+          <a:ln w="0">
+            <a:noFill/>
+          </a:ln>
+        </p:spPr>
+        <p:txBody>
+          <a:bodyPr lIns="0" rIns="0" tIns="0" bIns="0" anchor="ctr">
+            <a:noAutofit/>
+          </a:bodyPr>
+          <a:p>
+            <a:pPr algn="ctr">
+              <a:buNone/>
+            </a:pPr>
+            <a:endParaRPr b="0" lang="en-US" sz="4400" spc="-1" strike="noStrike">
+              <a:latin typeface="Arial"/>
+            </a:endParaRPr>
+          </a:p>
+        </p:txBody>
+      </p:sp>
+      <p:sp>
+        <p:nvSpPr>
+          <p:cNvPr id="60" name="PlaceHolder 2"/>
+          <p:cNvSpPr>
+            <a:spLocks noGrp="1"/>
+          </p:cNvSpPr>
+          <p:nvPr>
+            <p:ph/>
+          </p:nvPr>
+        </p:nvSpPr>
+        <p:spPr>
+          <a:xfrm>
+            <a:off x="504000" y="1326600"/>
+            <a:ext cx="4426560" cy="3287880"/>
+          </a:xfrm>
+          <a:prstGeom prst="rect">
+            <a:avLst/>
+          </a:prstGeom>
+          <a:noFill/>
+          <a:ln w="0">
+            <a:noFill/>
+          </a:ln>
+        </p:spPr>
+        <p:txBody>
+          <a:bodyPr lIns="0" rIns="0" tIns="0" bIns="0" anchor="t">
+            <a:normAutofit/>
+          </a:bodyPr>
+          <a:p>
+            <a:endParaRPr b="0" lang="en-US" sz="3200" spc="-1" strike="noStrike">
+              <a:latin typeface="Arial"/>
+            </a:endParaRPr>
+          </a:p>
+        </p:txBody>
+      </p:sp>
+      <p:sp>
+        <p:nvSpPr>
+          <p:cNvPr id="61" name="PlaceHolder 3"/>
+          <p:cNvSpPr>
+            <a:spLocks noGrp="1"/>
+          </p:cNvSpPr>
+          <p:nvPr>
+            <p:ph/>
+          </p:nvPr>
+        </p:nvSpPr>
+        <p:spPr>
+          <a:xfrm>
+            <a:off x="5152320" y="1326600"/>
+            <a:ext cx="4426560" cy="1568160"/>
+          </a:xfrm>
+          <a:prstGeom prst="rect">
+            <a:avLst/>
+          </a:prstGeom>
+          <a:noFill/>
+          <a:ln w="0">
+            <a:noFill/>
+          </a:ln>
+        </p:spPr>
+        <p:txBody>
+          <a:bodyPr lIns="0" rIns="0" tIns="0" bIns="0" anchor="t">
+            <a:normAutofit/>
+          </a:bodyPr>
+          <a:p>
+            <a:endParaRPr b="0" lang="en-US" sz="3200" spc="-1" strike="noStrike">
+              <a:latin typeface="Arial"/>
+            </a:endParaRPr>
+          </a:p>
+        </p:txBody>
+      </p:sp>
+      <p:sp>
+        <p:nvSpPr>
+          <p:cNvPr id="62" name="PlaceHolder 4"/>
+          <p:cNvSpPr>
+            <a:spLocks noGrp="1"/>
+          </p:cNvSpPr>
+          <p:nvPr>
+            <p:ph/>
+          </p:nvPr>
+        </p:nvSpPr>
+        <p:spPr>
+          <a:xfrm>
+            <a:off x="5152320" y="3044160"/>
+            <a:ext cx="4426560" cy="1568160"/>
+          </a:xfrm>
+          <a:prstGeom prst="rect">
+            <a:avLst/>
+          </a:prstGeom>
+          <a:noFill/>
+          <a:ln w="0">
+            <a:noFill/>
+          </a:ln>
+        </p:spPr>
+        <p:txBody>
+          <a:bodyPr lIns="0" rIns="0" tIns="0" bIns="0" anchor="t">
+            <a:normAutofit/>
+          </a:bodyPr>
+          <a:p>
+            <a:endParaRPr b="0" lang="en-US" sz="3200" spc="-1" strike="noStrike">
+              <a:latin typeface="Arial"/>
+            </a:endParaRPr>
+          </a:p>
+        </p:txBody>
+      </p:sp>
+      <p:sp>
+        <p:nvSpPr>
+          <p:cNvPr id="6" name="PlaceHolder 5"/>
+          <p:cNvSpPr>
+            <a:spLocks noGrp="1"/>
+          </p:cNvSpPr>
+          <p:nvPr>
+            <p:ph type="ftr" idx="4"/>
+          </p:nvPr>
+        </p:nvSpPr>
+        <p:spPr/>
+        <p:txBody>
+          <a:bodyPr/>
+          <a:p>
+            <a:r>
+              <a:t>Footer</a:t>
+            </a:r>
+          </a:p>
+        </p:txBody>
+      </p:sp>
+      <p:sp>
+        <p:nvSpPr>
+          <p:cNvPr id="7" name="PlaceHolder 6"/>
+          <p:cNvSpPr>
+            <a:spLocks noGrp="1"/>
+          </p:cNvSpPr>
+          <p:nvPr>
+            <p:ph type="sldNum" idx="5"/>
+          </p:nvPr>
+        </p:nvSpPr>
+        <p:spPr/>
+        <p:txBody>
+          <a:bodyPr/>
+          <a:p>
+            <a:fld id="{611BACF5-2612-4F05-8850-498AA583356E}" type="slidenum">
+              <a:t>&lt;#&gt;</a:t>
+            </a:fld>
+          </a:p>
+        </p:txBody>
+      </p:sp>
+      <p:sp>
+        <p:nvSpPr>
+          <p:cNvPr id="8" name="PlaceHolder 7"/>
+          <p:cNvSpPr>
+            <a:spLocks noGrp="1"/>
+          </p:cNvSpPr>
+          <p:nvPr>
+            <p:ph type="dt" idx="6"/>
+          </p:nvPr>
+        </p:nvSpPr>
+        <p:spPr/>
+        <p:txBody>
+          <a:bodyPr/>
+          <a:p>
+            <a:r>
+              <a:rPr lang="en-US"/>
+              <a:t/>
+            </a:r>
+          </a:p>
+        </p:txBody>
+      </p:sp>
+    </p:spTree>
+  </p:cSld>
+</p:sldLayout>
+</file>
+
+<file path=ppt/slideLayouts/slideLayout21.xml><?xml version="1.0" encoding="utf-8"?>
+<p:sldLayout xmlns:a="http://schemas.openxmlformats.org/drawingml/2006/main" xmlns:p="http://schemas.openxmlformats.org/presentationml/2006/main" xmlns:r="http://schemas.openxmlformats.org/officeDocument/2006/relationships" xmlns:p14="http://schemas.microsoft.com/office/powerpoint/2010/main" xmlns:p15="http://schemas.microsoft.com/office/powerpoint/2012/main" xmlns:mc="http://schemas.openxmlformats.org/markup-compatibility/2006" type="twoObjOverTx" preserve="1">
+  <p:cSld name="Title, 2 Content over Content">
+    <p:spTree>
+      <p:nvGrpSpPr>
+        <p:cNvPr id="1" name=""/>
+        <p:cNvGrpSpPr/>
+        <p:nvPr/>
+      </p:nvGrpSpPr>
+      <p:grpSpPr>
+        <a:xfrm>
+          <a:off x="0" y="0"/>
+          <a:ext cx="0" cy="0"/>
+          <a:chOff x="0" y="0"/>
+          <a:chExt cx="0" cy="0"/>
+        </a:xfrm>
+      </p:grpSpPr>
+      <p:sp>
+        <p:nvSpPr>
+          <p:cNvPr id="63" name="PlaceHolder 1"/>
+          <p:cNvSpPr>
+            <a:spLocks noGrp="1"/>
+          </p:cNvSpPr>
+          <p:nvPr>
+            <p:ph type="title"/>
+          </p:nvPr>
+        </p:nvSpPr>
+        <p:spPr>
+          <a:xfrm>
+            <a:off x="504000" y="226080"/>
+            <a:ext cx="9071280" cy="946080"/>
+          </a:xfrm>
+          <a:prstGeom prst="rect">
+            <a:avLst/>
+          </a:prstGeom>
+          <a:noFill/>
+          <a:ln w="0">
+            <a:noFill/>
+          </a:ln>
+        </p:spPr>
+        <p:txBody>
+          <a:bodyPr lIns="0" rIns="0" tIns="0" bIns="0" anchor="ctr">
+            <a:noAutofit/>
+          </a:bodyPr>
+          <a:p>
+            <a:pPr algn="ctr">
+              <a:buNone/>
+            </a:pPr>
+            <a:endParaRPr b="0" lang="en-US" sz="4400" spc="-1" strike="noStrike">
+              <a:latin typeface="Arial"/>
+            </a:endParaRPr>
+          </a:p>
+        </p:txBody>
+      </p:sp>
+      <p:sp>
+        <p:nvSpPr>
+          <p:cNvPr id="64" name="PlaceHolder 2"/>
+          <p:cNvSpPr>
+            <a:spLocks noGrp="1"/>
+          </p:cNvSpPr>
+          <p:nvPr>
+            <p:ph/>
+          </p:nvPr>
+        </p:nvSpPr>
+        <p:spPr>
+          <a:xfrm>
+            <a:off x="504000" y="1326600"/>
+            <a:ext cx="4426560" cy="1568160"/>
+          </a:xfrm>
+          <a:prstGeom prst="rect">
+            <a:avLst/>
+          </a:prstGeom>
+          <a:noFill/>
+          <a:ln w="0">
+            <a:noFill/>
+          </a:ln>
+        </p:spPr>
+        <p:txBody>
+          <a:bodyPr lIns="0" rIns="0" tIns="0" bIns="0" anchor="t">
+            <a:normAutofit/>
+          </a:bodyPr>
+          <a:p>
+            <a:endParaRPr b="0" lang="en-US" sz="3200" spc="-1" strike="noStrike">
+              <a:latin typeface="Arial"/>
+            </a:endParaRPr>
+          </a:p>
+        </p:txBody>
+      </p:sp>
+      <p:sp>
+        <p:nvSpPr>
+          <p:cNvPr id="65" name="PlaceHolder 3"/>
+          <p:cNvSpPr>
+            <a:spLocks noGrp="1"/>
+          </p:cNvSpPr>
+          <p:nvPr>
+            <p:ph/>
+          </p:nvPr>
+        </p:nvSpPr>
+        <p:spPr>
+          <a:xfrm>
+            <a:off x="5152320" y="1326600"/>
+            <a:ext cx="4426560" cy="1568160"/>
+          </a:xfrm>
+          <a:prstGeom prst="rect">
+            <a:avLst/>
+          </a:prstGeom>
+          <a:noFill/>
+          <a:ln w="0">
+            <a:noFill/>
+          </a:ln>
+        </p:spPr>
+        <p:txBody>
+          <a:bodyPr lIns="0" rIns="0" tIns="0" bIns="0" anchor="t">
+            <a:normAutofit/>
+          </a:bodyPr>
+          <a:p>
+            <a:endParaRPr b="0" lang="en-US" sz="3200" spc="-1" strike="noStrike">
+              <a:latin typeface="Arial"/>
+            </a:endParaRPr>
+          </a:p>
+        </p:txBody>
+      </p:sp>
+      <p:sp>
+        <p:nvSpPr>
+          <p:cNvPr id="66" name="PlaceHolder 4"/>
+          <p:cNvSpPr>
+            <a:spLocks noGrp="1"/>
+          </p:cNvSpPr>
+          <p:nvPr>
+            <p:ph/>
+          </p:nvPr>
+        </p:nvSpPr>
+        <p:spPr>
+          <a:xfrm>
+            <a:off x="504000" y="3044160"/>
+            <a:ext cx="9071280" cy="1568160"/>
+          </a:xfrm>
+          <a:prstGeom prst="rect">
+            <a:avLst/>
+          </a:prstGeom>
+          <a:noFill/>
+          <a:ln w="0">
+            <a:noFill/>
+          </a:ln>
+        </p:spPr>
+        <p:txBody>
+          <a:bodyPr lIns="0" rIns="0" tIns="0" bIns="0" anchor="t">
+            <a:normAutofit/>
+          </a:bodyPr>
+          <a:p>
+            <a:endParaRPr b="0" lang="en-US" sz="3200" spc="-1" strike="noStrike">
+              <a:latin typeface="Arial"/>
+            </a:endParaRPr>
+          </a:p>
+        </p:txBody>
+      </p:sp>
+      <p:sp>
+        <p:nvSpPr>
+          <p:cNvPr id="6" name="PlaceHolder 5"/>
+          <p:cNvSpPr>
+            <a:spLocks noGrp="1"/>
+          </p:cNvSpPr>
+          <p:nvPr>
+            <p:ph type="ftr" idx="4"/>
+          </p:nvPr>
+        </p:nvSpPr>
+        <p:spPr/>
+        <p:txBody>
+          <a:bodyPr/>
+          <a:p>
+            <a:r>
+              <a:t>Footer</a:t>
+            </a:r>
+          </a:p>
+        </p:txBody>
+      </p:sp>
+      <p:sp>
+        <p:nvSpPr>
+          <p:cNvPr id="7" name="PlaceHolder 6"/>
+          <p:cNvSpPr>
+            <a:spLocks noGrp="1"/>
+          </p:cNvSpPr>
+          <p:nvPr>
+            <p:ph type="sldNum" idx="5"/>
+          </p:nvPr>
+        </p:nvSpPr>
+        <p:spPr/>
+        <p:txBody>
+          <a:bodyPr/>
+          <a:p>
+            <a:fld id="{71F4888B-669E-4F95-97BD-E2A31DD7991F}" type="slidenum">
+              <a:t>&lt;#&gt;</a:t>
+            </a:fld>
+          </a:p>
+        </p:txBody>
+      </p:sp>
+      <p:sp>
+        <p:nvSpPr>
+          <p:cNvPr id="8" name="PlaceHolder 7"/>
+          <p:cNvSpPr>
+            <a:spLocks noGrp="1"/>
+          </p:cNvSpPr>
+          <p:nvPr>
+            <p:ph type="dt" idx="6"/>
+          </p:nvPr>
+        </p:nvSpPr>
+        <p:spPr/>
+        <p:txBody>
+          <a:bodyPr/>
+          <a:p>
+            <a:r>
+              <a:rPr lang="en-US"/>
+              <a:t/>
+            </a:r>
+          </a:p>
+        </p:txBody>
+      </p:sp>
+    </p:spTree>
+  </p:cSld>
+</p:sldLayout>
+</file>
+
+<file path=ppt/slideLayouts/slideLayout22.xml><?xml version="1.0" encoding="utf-8"?>
+<p:sldLayout xmlns:a="http://schemas.openxmlformats.org/drawingml/2006/main" xmlns:p="http://schemas.openxmlformats.org/presentationml/2006/main" xmlns:r="http://schemas.openxmlformats.org/officeDocument/2006/relationships" xmlns:p14="http://schemas.microsoft.com/office/powerpoint/2010/main" xmlns:p15="http://schemas.microsoft.com/office/powerpoint/2012/main" xmlns:mc="http://schemas.openxmlformats.org/markup-compatibility/2006" type="objOverTx" preserve="1">
+  <p:cSld name="Title, Content over Content">
+    <p:spTree>
+      <p:nvGrpSpPr>
+        <p:cNvPr id="1" name=""/>
+        <p:cNvGrpSpPr/>
+        <p:nvPr/>
+      </p:nvGrpSpPr>
+      <p:grpSpPr>
+        <a:xfrm>
+          <a:off x="0" y="0"/>
+          <a:ext cx="0" cy="0"/>
+          <a:chOff x="0" y="0"/>
+          <a:chExt cx="0" cy="0"/>
+        </a:xfrm>
+      </p:grpSpPr>
+      <p:sp>
+        <p:nvSpPr>
+          <p:cNvPr id="67" name="PlaceHolder 1"/>
+          <p:cNvSpPr>
+            <a:spLocks noGrp="1"/>
+          </p:cNvSpPr>
+          <p:nvPr>
+            <p:ph type="title"/>
+          </p:nvPr>
+        </p:nvSpPr>
+        <p:spPr>
+          <a:xfrm>
+            <a:off x="504000" y="226080"/>
+            <a:ext cx="9071280" cy="946080"/>
+          </a:xfrm>
+          <a:prstGeom prst="rect">
+            <a:avLst/>
+          </a:prstGeom>
+          <a:noFill/>
+          <a:ln w="0">
+            <a:noFill/>
+          </a:ln>
+        </p:spPr>
+        <p:txBody>
+          <a:bodyPr lIns="0" rIns="0" tIns="0" bIns="0" anchor="ctr">
+            <a:noAutofit/>
+          </a:bodyPr>
+          <a:p>
+            <a:pPr algn="ctr">
+              <a:buNone/>
+            </a:pPr>
+            <a:endParaRPr b="0" lang="en-US" sz="4400" spc="-1" strike="noStrike">
+              <a:latin typeface="Arial"/>
+            </a:endParaRPr>
+          </a:p>
+        </p:txBody>
+      </p:sp>
+      <p:sp>
+        <p:nvSpPr>
+          <p:cNvPr id="68" name="PlaceHolder 2"/>
+          <p:cNvSpPr>
+            <a:spLocks noGrp="1"/>
+          </p:cNvSpPr>
+          <p:nvPr>
+            <p:ph/>
+          </p:nvPr>
+        </p:nvSpPr>
+        <p:spPr>
+          <a:xfrm>
+            <a:off x="504000" y="1326600"/>
+            <a:ext cx="9071280" cy="1568160"/>
+          </a:xfrm>
+          <a:prstGeom prst="rect">
+            <a:avLst/>
+          </a:prstGeom>
+          <a:noFill/>
+          <a:ln w="0">
+            <a:noFill/>
+          </a:ln>
+        </p:spPr>
+        <p:txBody>
+          <a:bodyPr lIns="0" rIns="0" tIns="0" bIns="0" anchor="t">
+            <a:normAutofit/>
+          </a:bodyPr>
+          <a:p>
+            <a:endParaRPr b="0" lang="en-US" sz="3200" spc="-1" strike="noStrike">
+              <a:latin typeface="Arial"/>
+            </a:endParaRPr>
+          </a:p>
+        </p:txBody>
+      </p:sp>
+      <p:sp>
+        <p:nvSpPr>
+          <p:cNvPr id="69" name="PlaceHolder 3"/>
+          <p:cNvSpPr>
+            <a:spLocks noGrp="1"/>
+          </p:cNvSpPr>
+          <p:nvPr>
+            <p:ph/>
+          </p:nvPr>
+        </p:nvSpPr>
+        <p:spPr>
+          <a:xfrm>
+            <a:off x="504000" y="3044160"/>
+            <a:ext cx="9071280" cy="1568160"/>
+          </a:xfrm>
+          <a:prstGeom prst="rect">
+            <a:avLst/>
+          </a:prstGeom>
+          <a:noFill/>
+          <a:ln w="0">
+            <a:noFill/>
+          </a:ln>
+        </p:spPr>
+        <p:txBody>
+          <a:bodyPr lIns="0" rIns="0" tIns="0" bIns="0" anchor="t">
+            <a:normAutofit/>
+          </a:bodyPr>
+          <a:p>
+            <a:endParaRPr b="0" lang="en-US" sz="3200" spc="-1" strike="noStrike">
+              <a:latin typeface="Arial"/>
+            </a:endParaRPr>
+          </a:p>
+        </p:txBody>
+      </p:sp>
+      <p:sp>
+        <p:nvSpPr>
+          <p:cNvPr id="5" name="PlaceHolder 4"/>
+          <p:cNvSpPr>
+            <a:spLocks noGrp="1"/>
+          </p:cNvSpPr>
+          <p:nvPr>
+            <p:ph type="ftr" idx="4"/>
+          </p:nvPr>
+        </p:nvSpPr>
+        <p:spPr/>
+        <p:txBody>
+          <a:bodyPr/>
+          <a:p>
+            <a:r>
+              <a:t>Footer</a:t>
+            </a:r>
+          </a:p>
+        </p:txBody>
+      </p:sp>
+      <p:sp>
+        <p:nvSpPr>
+          <p:cNvPr id="6" name="PlaceHolder 5"/>
+          <p:cNvSpPr>
+            <a:spLocks noGrp="1"/>
+          </p:cNvSpPr>
+          <p:nvPr>
+            <p:ph type="sldNum" idx="5"/>
+          </p:nvPr>
+        </p:nvSpPr>
+        <p:spPr/>
+        <p:txBody>
+          <a:bodyPr/>
+          <a:p>
+            <a:fld id="{3AFCA5F9-4091-4890-93C6-F8DDA88FDC2D}" type="slidenum">
+              <a:t>&lt;#&gt;</a:t>
+            </a:fld>
+          </a:p>
+        </p:txBody>
+      </p:sp>
+      <p:sp>
+        <p:nvSpPr>
+          <p:cNvPr id="7" name="PlaceHolder 6"/>
+          <p:cNvSpPr>
+            <a:spLocks noGrp="1"/>
+          </p:cNvSpPr>
+          <p:nvPr>
+            <p:ph type="dt" idx="6"/>
+          </p:nvPr>
+        </p:nvSpPr>
+        <p:spPr/>
+        <p:txBody>
+          <a:bodyPr/>
+          <a:p>
+            <a:r>
+              <a:rPr lang="en-US"/>
+              <a:t/>
+            </a:r>
+          </a:p>
+        </p:txBody>
+      </p:sp>
+    </p:spTree>
+  </p:cSld>
+</p:sldLayout>
+</file>
+
+<file path=ppt/slideLayouts/slideLayout23.xml><?xml version="1.0" encoding="utf-8"?>
+<p:sldLayout xmlns:a="http://schemas.openxmlformats.org/drawingml/2006/main" xmlns:p="http://schemas.openxmlformats.org/presentationml/2006/main" xmlns:r="http://schemas.openxmlformats.org/officeDocument/2006/relationships" xmlns:p14="http://schemas.microsoft.com/office/powerpoint/2010/main" xmlns:p15="http://schemas.microsoft.com/office/powerpoint/2012/main" xmlns:mc="http://schemas.openxmlformats.org/markup-compatibility/2006" type="fourObj" preserve="1">
+  <p:cSld name="Title, 4 Content">
+    <p:spTree>
+      <p:nvGrpSpPr>
+        <p:cNvPr id="1" name=""/>
+        <p:cNvGrpSpPr/>
+        <p:nvPr/>
+      </p:nvGrpSpPr>
+      <p:grpSpPr>
+        <a:xfrm>
+          <a:off x="0" y="0"/>
+          <a:ext cx="0" cy="0"/>
+          <a:chOff x="0" y="0"/>
+          <a:chExt cx="0" cy="0"/>
+        </a:xfrm>
+      </p:grpSpPr>
+      <p:sp>
+        <p:nvSpPr>
+          <p:cNvPr id="70" name="PlaceHolder 1"/>
+          <p:cNvSpPr>
+            <a:spLocks noGrp="1"/>
+          </p:cNvSpPr>
+          <p:nvPr>
+            <p:ph type="title"/>
+          </p:nvPr>
+        </p:nvSpPr>
+        <p:spPr>
+          <a:xfrm>
+            <a:off x="504000" y="226080"/>
+            <a:ext cx="9071280" cy="946080"/>
+          </a:xfrm>
+          <a:prstGeom prst="rect">
+            <a:avLst/>
+          </a:prstGeom>
+          <a:noFill/>
+          <a:ln w="0">
+            <a:noFill/>
+          </a:ln>
+        </p:spPr>
+        <p:txBody>
+          <a:bodyPr lIns="0" rIns="0" tIns="0" bIns="0" anchor="ctr">
+            <a:noAutofit/>
+          </a:bodyPr>
+          <a:p>
+            <a:pPr algn="ctr">
+              <a:buNone/>
+            </a:pPr>
+            <a:endParaRPr b="0" lang="en-US" sz="4400" spc="-1" strike="noStrike">
+              <a:latin typeface="Arial"/>
+            </a:endParaRPr>
+          </a:p>
+        </p:txBody>
+      </p:sp>
+      <p:sp>
+        <p:nvSpPr>
+          <p:cNvPr id="71" name="PlaceHolder 2"/>
+          <p:cNvSpPr>
+            <a:spLocks noGrp="1"/>
+          </p:cNvSpPr>
+          <p:nvPr>
+            <p:ph/>
+          </p:nvPr>
+        </p:nvSpPr>
+        <p:spPr>
+          <a:xfrm>
+            <a:off x="504000" y="1326600"/>
+            <a:ext cx="4426560" cy="1568160"/>
+          </a:xfrm>
+          <a:prstGeom prst="rect">
+            <a:avLst/>
+          </a:prstGeom>
+          <a:noFill/>
+          <a:ln w="0">
+            <a:noFill/>
+          </a:ln>
+        </p:spPr>
+        <p:txBody>
+          <a:bodyPr lIns="0" rIns="0" tIns="0" bIns="0" anchor="t">
+            <a:normAutofit/>
+          </a:bodyPr>
+          <a:p>
+            <a:endParaRPr b="0" lang="en-US" sz="3200" spc="-1" strike="noStrike">
+              <a:latin typeface="Arial"/>
+            </a:endParaRPr>
+          </a:p>
+        </p:txBody>
+      </p:sp>
+      <p:sp>
+        <p:nvSpPr>
+          <p:cNvPr id="72" name="PlaceHolder 3"/>
+          <p:cNvSpPr>
+            <a:spLocks noGrp="1"/>
+          </p:cNvSpPr>
+          <p:nvPr>
+            <p:ph/>
+          </p:nvPr>
+        </p:nvSpPr>
+        <p:spPr>
+          <a:xfrm>
+            <a:off x="5152320" y="1326600"/>
+            <a:ext cx="4426560" cy="1568160"/>
+          </a:xfrm>
+          <a:prstGeom prst="rect">
+            <a:avLst/>
+          </a:prstGeom>
+          <a:noFill/>
+          <a:ln w="0">
+            <a:noFill/>
+          </a:ln>
+        </p:spPr>
+        <p:txBody>
+          <a:bodyPr lIns="0" rIns="0" tIns="0" bIns="0" anchor="t">
+            <a:normAutofit/>
+          </a:bodyPr>
+          <a:p>
+            <a:endParaRPr b="0" lang="en-US" sz="3200" spc="-1" strike="noStrike">
+              <a:latin typeface="Arial"/>
+            </a:endParaRPr>
+          </a:p>
+        </p:txBody>
+      </p:sp>
+      <p:sp>
+        <p:nvSpPr>
+          <p:cNvPr id="73" name="PlaceHolder 4"/>
+          <p:cNvSpPr>
+            <a:spLocks noGrp="1"/>
+          </p:cNvSpPr>
+          <p:nvPr>
+            <p:ph/>
+          </p:nvPr>
+        </p:nvSpPr>
+        <p:spPr>
+          <a:xfrm>
+            <a:off x="504000" y="3044160"/>
+            <a:ext cx="4426560" cy="1568160"/>
+          </a:xfrm>
+          <a:prstGeom prst="rect">
+            <a:avLst/>
+          </a:prstGeom>
+          <a:noFill/>
+          <a:ln w="0">
+            <a:noFill/>
+          </a:ln>
+        </p:spPr>
+        <p:txBody>
+          <a:bodyPr lIns="0" rIns="0" tIns="0" bIns="0" anchor="t">
+            <a:normAutofit/>
+          </a:bodyPr>
+          <a:p>
+            <a:endParaRPr b="0" lang="en-US" sz="3200" spc="-1" strike="noStrike">
+              <a:latin typeface="Arial"/>
+            </a:endParaRPr>
+          </a:p>
+        </p:txBody>
+      </p:sp>
+      <p:sp>
+        <p:nvSpPr>
+          <p:cNvPr id="74" name="PlaceHolder 5"/>
+          <p:cNvSpPr>
+            <a:spLocks noGrp="1"/>
+          </p:cNvSpPr>
+          <p:nvPr>
+            <p:ph/>
+          </p:nvPr>
+        </p:nvSpPr>
+        <p:spPr>
+          <a:xfrm>
+            <a:off x="5152320" y="3044160"/>
+            <a:ext cx="4426560" cy="1568160"/>
+          </a:xfrm>
+          <a:prstGeom prst="rect">
+            <a:avLst/>
+          </a:prstGeom>
+          <a:noFill/>
+          <a:ln w="0">
+            <a:noFill/>
+          </a:ln>
+        </p:spPr>
+        <p:txBody>
+          <a:bodyPr lIns="0" rIns="0" tIns="0" bIns="0" anchor="t">
+            <a:normAutofit/>
+          </a:bodyPr>
+          <a:p>
+            <a:endParaRPr b="0" lang="en-US" sz="3200" spc="-1" strike="noStrike">
+              <a:latin typeface="Arial"/>
+            </a:endParaRPr>
+          </a:p>
+        </p:txBody>
+      </p:sp>
+      <p:sp>
+        <p:nvSpPr>
+          <p:cNvPr id="7" name="PlaceHolder 6"/>
+          <p:cNvSpPr>
+            <a:spLocks noGrp="1"/>
+          </p:cNvSpPr>
+          <p:nvPr>
+            <p:ph type="ftr" idx="4"/>
+          </p:nvPr>
+        </p:nvSpPr>
+        <p:spPr/>
+        <p:txBody>
+          <a:bodyPr/>
+          <a:p>
+            <a:r>
+              <a:t>Footer</a:t>
+            </a:r>
+          </a:p>
+        </p:txBody>
+      </p:sp>
+      <p:sp>
+        <p:nvSpPr>
+          <p:cNvPr id="8" name="PlaceHolder 7"/>
+          <p:cNvSpPr>
+            <a:spLocks noGrp="1"/>
+          </p:cNvSpPr>
+          <p:nvPr>
+            <p:ph type="sldNum" idx="5"/>
+          </p:nvPr>
+        </p:nvSpPr>
+        <p:spPr/>
+        <p:txBody>
+          <a:bodyPr/>
+          <a:p>
+            <a:fld id="{CF0DF41A-8ACC-49C7-A5AC-5597DB44211C}" type="slidenum">
+              <a:t>&lt;#&gt;</a:t>
+            </a:fld>
+          </a:p>
+        </p:txBody>
+      </p:sp>
+      <p:sp>
+        <p:nvSpPr>
+          <p:cNvPr id="9" name="PlaceHolder 8"/>
+          <p:cNvSpPr>
+            <a:spLocks noGrp="1"/>
+          </p:cNvSpPr>
+          <p:nvPr>
+            <p:ph type="dt" idx="6"/>
+          </p:nvPr>
+        </p:nvSpPr>
+        <p:spPr/>
+        <p:txBody>
+          <a:bodyPr/>
+          <a:p>
+            <a:r>
+              <a:rPr lang="en-US"/>
+              <a:t/>
+            </a:r>
+          </a:p>
+        </p:txBody>
+      </p:sp>
+    </p:spTree>
+  </p:cSld>
+</p:sldLayout>
+</file>
+
+<file path=ppt/slideLayouts/slideLayout24.xml><?xml version="1.0" encoding="utf-8"?>
+<p:sldLayout xmlns:a="http://schemas.openxmlformats.org/drawingml/2006/main" xmlns:p="http://schemas.openxmlformats.org/presentationml/2006/main" xmlns:r="http://schemas.openxmlformats.org/officeDocument/2006/relationships" xmlns:p14="http://schemas.microsoft.com/office/powerpoint/2010/main" xmlns:p15="http://schemas.microsoft.com/office/powerpoint/2012/main" xmlns:mc="http://schemas.openxmlformats.org/markup-compatibility/2006" type="blank" preserve="1">
+  <p:cSld name="Title, 6 Content">
+    <p:spTree>
+      <p:nvGrpSpPr>
+        <p:cNvPr id="1" name=""/>
+        <p:cNvGrpSpPr/>
+        <p:nvPr/>
+      </p:nvGrpSpPr>
+      <p:grpSpPr>
+        <a:xfrm>
+          <a:off x="0" y="0"/>
+          <a:ext cx="0" cy="0"/>
+          <a:chOff x="0" y="0"/>
+          <a:chExt cx="0" cy="0"/>
+        </a:xfrm>
+      </p:grpSpPr>
+      <p:sp>
+        <p:nvSpPr>
+          <p:cNvPr id="75" name="PlaceHolder 1"/>
+          <p:cNvSpPr>
+            <a:spLocks noGrp="1"/>
+          </p:cNvSpPr>
+          <p:nvPr>
+            <p:ph type="title"/>
+          </p:nvPr>
+        </p:nvSpPr>
+        <p:spPr>
+          <a:xfrm>
+            <a:off x="504000" y="226080"/>
+            <a:ext cx="9071280" cy="946080"/>
+          </a:xfrm>
+          <a:prstGeom prst="rect">
+            <a:avLst/>
+          </a:prstGeom>
+          <a:noFill/>
+          <a:ln w="0">
+            <a:noFill/>
+          </a:ln>
+        </p:spPr>
+        <p:txBody>
+          <a:bodyPr lIns="0" rIns="0" tIns="0" bIns="0" anchor="ctr">
+            <a:noAutofit/>
+          </a:bodyPr>
+          <a:p>
+            <a:pPr algn="ctr">
+              <a:buNone/>
+            </a:pPr>
+            <a:endParaRPr b="0" lang="en-US" sz="4400" spc="-1" strike="noStrike">
+              <a:latin typeface="Arial"/>
+            </a:endParaRPr>
+          </a:p>
+        </p:txBody>
+      </p:sp>
+      <p:sp>
+        <p:nvSpPr>
+          <p:cNvPr id="76" name="PlaceHolder 2"/>
+          <p:cNvSpPr>
+            <a:spLocks noGrp="1"/>
+          </p:cNvSpPr>
+          <p:nvPr>
+            <p:ph/>
+          </p:nvPr>
+        </p:nvSpPr>
+        <p:spPr>
+          <a:xfrm>
+            <a:off x="504000" y="1326600"/>
+            <a:ext cx="2920680" cy="1568160"/>
+          </a:xfrm>
+          <a:prstGeom prst="rect">
+            <a:avLst/>
+          </a:prstGeom>
+          <a:noFill/>
+          <a:ln w="0">
+            <a:noFill/>
+          </a:ln>
+        </p:spPr>
+        <p:txBody>
+          <a:bodyPr lIns="0" rIns="0" tIns="0" bIns="0" anchor="t">
+            <a:normAutofit/>
+          </a:bodyPr>
+          <a:p>
+            <a:endParaRPr b="0" lang="en-US" sz="3200" spc="-1" strike="noStrike">
+              <a:latin typeface="Arial"/>
+            </a:endParaRPr>
+          </a:p>
+        </p:txBody>
+      </p:sp>
+      <p:sp>
+        <p:nvSpPr>
+          <p:cNvPr id="77" name="PlaceHolder 3"/>
+          <p:cNvSpPr>
+            <a:spLocks noGrp="1"/>
+          </p:cNvSpPr>
+          <p:nvPr>
+            <p:ph/>
+          </p:nvPr>
+        </p:nvSpPr>
+        <p:spPr>
+          <a:xfrm>
+            <a:off x="3571200" y="1326600"/>
+            <a:ext cx="2920680" cy="1568160"/>
+          </a:xfrm>
+          <a:prstGeom prst="rect">
+            <a:avLst/>
+          </a:prstGeom>
+          <a:noFill/>
+          <a:ln w="0">
+            <a:noFill/>
+          </a:ln>
+        </p:spPr>
+        <p:txBody>
+          <a:bodyPr lIns="0" rIns="0" tIns="0" bIns="0" anchor="t">
+            <a:normAutofit/>
+          </a:bodyPr>
+          <a:p>
+            <a:endParaRPr b="0" lang="en-US" sz="3200" spc="-1" strike="noStrike">
+              <a:latin typeface="Arial"/>
+            </a:endParaRPr>
+          </a:p>
+        </p:txBody>
+      </p:sp>
+      <p:sp>
+        <p:nvSpPr>
+          <p:cNvPr id="78" name="PlaceHolder 4"/>
+          <p:cNvSpPr>
+            <a:spLocks noGrp="1"/>
+          </p:cNvSpPr>
+          <p:nvPr>
+            <p:ph/>
+          </p:nvPr>
+        </p:nvSpPr>
+        <p:spPr>
+          <a:xfrm>
+            <a:off x="6638040" y="1326600"/>
+            <a:ext cx="2920680" cy="1568160"/>
+          </a:xfrm>
+          <a:prstGeom prst="rect">
+            <a:avLst/>
+          </a:prstGeom>
+          <a:noFill/>
+          <a:ln w="0">
+            <a:noFill/>
+          </a:ln>
+        </p:spPr>
+        <p:txBody>
+          <a:bodyPr lIns="0" rIns="0" tIns="0" bIns="0" anchor="t">
+            <a:normAutofit/>
+          </a:bodyPr>
+          <a:p>
+            <a:endParaRPr b="0" lang="en-US" sz="3200" spc="-1" strike="noStrike">
+              <a:latin typeface="Arial"/>
+            </a:endParaRPr>
+          </a:p>
+        </p:txBody>
+      </p:sp>
+      <p:sp>
+        <p:nvSpPr>
+          <p:cNvPr id="79" name="PlaceHolder 5"/>
+          <p:cNvSpPr>
+            <a:spLocks noGrp="1"/>
+          </p:cNvSpPr>
+          <p:nvPr>
+            <p:ph/>
+          </p:nvPr>
+        </p:nvSpPr>
+        <p:spPr>
+          <a:xfrm>
+            <a:off x="504000" y="3044160"/>
+            <a:ext cx="2920680" cy="1568160"/>
+          </a:xfrm>
+          <a:prstGeom prst="rect">
+            <a:avLst/>
+          </a:prstGeom>
+          <a:noFill/>
+          <a:ln w="0">
+            <a:noFill/>
+          </a:ln>
+        </p:spPr>
+        <p:txBody>
+          <a:bodyPr lIns="0" rIns="0" tIns="0" bIns="0" anchor="t">
+            <a:normAutofit/>
+          </a:bodyPr>
+          <a:p>
+            <a:endParaRPr b="0" lang="en-US" sz="3200" spc="-1" strike="noStrike">
+              <a:latin typeface="Arial"/>
+            </a:endParaRPr>
+          </a:p>
+        </p:txBody>
+      </p:sp>
+      <p:sp>
+        <p:nvSpPr>
+          <p:cNvPr id="80" name="PlaceHolder 6"/>
+          <p:cNvSpPr>
+            <a:spLocks noGrp="1"/>
+          </p:cNvSpPr>
+          <p:nvPr>
+            <p:ph/>
+          </p:nvPr>
+        </p:nvSpPr>
+        <p:spPr>
+          <a:xfrm>
+            <a:off x="3571200" y="3044160"/>
+            <a:ext cx="2920680" cy="1568160"/>
+          </a:xfrm>
+          <a:prstGeom prst="rect">
+            <a:avLst/>
+          </a:prstGeom>
+          <a:noFill/>
+          <a:ln w="0">
+            <a:noFill/>
+          </a:ln>
+        </p:spPr>
+        <p:txBody>
+          <a:bodyPr lIns="0" rIns="0" tIns="0" bIns="0" anchor="t">
+            <a:normAutofit/>
+          </a:bodyPr>
+          <a:p>
+            <a:endParaRPr b="0" lang="en-US" sz="3200" spc="-1" strike="noStrike">
+              <a:latin typeface="Arial"/>
+            </a:endParaRPr>
+          </a:p>
+        </p:txBody>
+      </p:sp>
+      <p:sp>
+        <p:nvSpPr>
+          <p:cNvPr id="81" name="PlaceHolder 7"/>
+          <p:cNvSpPr>
+            <a:spLocks noGrp="1"/>
+          </p:cNvSpPr>
+          <p:nvPr>
+            <p:ph/>
+          </p:nvPr>
+        </p:nvSpPr>
+        <p:spPr>
+          <a:xfrm>
+            <a:off x="6638040" y="3044160"/>
+            <a:ext cx="2920680" cy="1568160"/>
+          </a:xfrm>
+          <a:prstGeom prst="rect">
+            <a:avLst/>
+          </a:prstGeom>
+          <a:noFill/>
+          <a:ln w="0">
+            <a:noFill/>
+          </a:ln>
+        </p:spPr>
+        <p:txBody>
+          <a:bodyPr lIns="0" rIns="0" tIns="0" bIns="0" anchor="t">
+            <a:normAutofit/>
+          </a:bodyPr>
+          <a:p>
+            <a:endParaRPr b="0" lang="en-US" sz="3200" spc="-1" strike="noStrike">
+              <a:latin typeface="Arial"/>
+            </a:endParaRPr>
+          </a:p>
+        </p:txBody>
+      </p:sp>
+      <p:sp>
+        <p:nvSpPr>
+          <p:cNvPr id="9" name="PlaceHolder 8"/>
+          <p:cNvSpPr>
+            <a:spLocks noGrp="1"/>
+          </p:cNvSpPr>
+          <p:nvPr>
+            <p:ph type="ftr" idx="4"/>
+          </p:nvPr>
+        </p:nvSpPr>
+        <p:spPr/>
+        <p:txBody>
+          <a:bodyPr/>
+          <a:p>
+            <a:r>
+              <a:t>Footer</a:t>
+            </a:r>
+          </a:p>
+        </p:txBody>
+      </p:sp>
+      <p:sp>
+        <p:nvSpPr>
+          <p:cNvPr id="10" name="PlaceHolder 9"/>
+          <p:cNvSpPr>
+            <a:spLocks noGrp="1"/>
+          </p:cNvSpPr>
+          <p:nvPr>
+            <p:ph type="sldNum" idx="5"/>
+          </p:nvPr>
+        </p:nvSpPr>
+        <p:spPr/>
+        <p:txBody>
+          <a:bodyPr/>
+          <a:p>
+            <a:fld id="{00F524CE-6B9F-46F4-80A4-BB7887B8DC45}" type="slidenum">
+              <a:t>&lt;#&gt;</a:t>
+            </a:fld>
+          </a:p>
+        </p:txBody>
+      </p:sp>
+      <p:sp>
+        <p:nvSpPr>
+          <p:cNvPr id="11" name="PlaceHolder 10"/>
+          <p:cNvSpPr>
+            <a:spLocks noGrp="1"/>
+          </p:cNvSpPr>
+          <p:nvPr>
+            <p:ph type="dt" idx="6"/>
           </p:nvPr>
         </p:nvSpPr>
         <p:spPr/>
@@ -1077,7 +3334,7 @@
         <p:spPr>
           <a:xfrm>
             <a:off x="504000" y="226080"/>
-            <a:ext cx="9071640" cy="946440"/>
+            <a:ext cx="9071280" cy="946080"/>
           </a:xfrm>
           <a:prstGeom prst="rect">
             <a:avLst/>
@@ -1114,7 +3371,7 @@
         <p:spPr>
           <a:xfrm>
             <a:off x="504000" y="1326600"/>
-            <a:ext cx="9071640" cy="3288240"/>
+            <a:ext cx="9071280" cy="3287880"/>
           </a:xfrm>
           <a:prstGeom prst="rect">
             <a:avLst/>
@@ -1142,7 +3399,7 @@
             <a:spLocks noGrp="1"/>
           </p:cNvSpPr>
           <p:nvPr>
-            <p:ph type="ftr" idx="2"/>
+            <p:ph type="ftr" idx="1"/>
           </p:nvPr>
         </p:nvSpPr>
         <p:spPr/>
@@ -1162,14 +3419,14 @@
             <a:spLocks noGrp="1"/>
           </p:cNvSpPr>
           <p:nvPr>
-            <p:ph type="sldNum" idx="3"/>
+            <p:ph type="sldNum" idx="2"/>
           </p:nvPr>
         </p:nvSpPr>
         <p:spPr/>
         <p:txBody>
           <a:bodyPr/>
           <a:p>
-            <a:fld id="{A59F09C3-A212-45EB-BB30-33C4D7770A5E}" type="slidenum">
+            <a:fld id="{F8294860-E155-4AE6-A346-68B8A9F36D43}" type="slidenum">
               <a:t>&lt;#&gt;</a:t>
             </a:fld>
           </a:p>
@@ -1182,7 +3439,7 @@
             <a:spLocks noGrp="1"/>
           </p:cNvSpPr>
           <p:nvPr>
-            <p:ph type="dt" idx="1"/>
+            <p:ph type="dt" idx="3"/>
           </p:nvPr>
         </p:nvSpPr>
         <p:spPr/>
@@ -1231,7 +3488,7 @@
         <p:spPr>
           <a:xfrm>
             <a:off x="504000" y="226080"/>
-            <a:ext cx="9071640" cy="946440"/>
+            <a:ext cx="9071280" cy="946080"/>
           </a:xfrm>
           <a:prstGeom prst="rect">
             <a:avLst/>
@@ -1268,7 +3525,7 @@
         <p:spPr>
           <a:xfrm>
             <a:off x="504000" y="1326600"/>
-            <a:ext cx="4426920" cy="3288240"/>
+            <a:ext cx="4426560" cy="3287880"/>
           </a:xfrm>
           <a:prstGeom prst="rect">
             <a:avLst/>
@@ -1301,8 +3558,8 @@
         </p:nvSpPr>
         <p:spPr>
           <a:xfrm>
-            <a:off x="5152680" y="1326600"/>
-            <a:ext cx="4426920" cy="3288240"/>
+            <a:off x="5152320" y="1326600"/>
+            <a:ext cx="4426560" cy="3287880"/>
           </a:xfrm>
           <a:prstGeom prst="rect">
             <a:avLst/>
@@ -1330,7 +3587,7 @@
             <a:spLocks noGrp="1"/>
           </p:cNvSpPr>
           <p:nvPr>
-            <p:ph type="ftr" idx="2"/>
+            <p:ph type="ftr" idx="1"/>
           </p:nvPr>
         </p:nvSpPr>
         <p:spPr/>
@@ -1350,14 +3607,14 @@
             <a:spLocks noGrp="1"/>
           </p:cNvSpPr>
           <p:nvPr>
-            <p:ph type="sldNum" idx="3"/>
+            <p:ph type="sldNum" idx="2"/>
           </p:nvPr>
         </p:nvSpPr>
         <p:spPr/>
         <p:txBody>
           <a:bodyPr/>
           <a:p>
-            <a:fld id="{3526368A-6B92-4A85-B5EE-7E8C0DD3AAA2}" type="slidenum">
+            <a:fld id="{52E424DC-2C1E-4A8E-B0D6-5BDA5FA07B4E}" type="slidenum">
               <a:t>&lt;#&gt;</a:t>
             </a:fld>
           </a:p>
@@ -1370,7 +3627,7 @@
             <a:spLocks noGrp="1"/>
           </p:cNvSpPr>
           <p:nvPr>
-            <p:ph type="dt" idx="1"/>
+            <p:ph type="dt" idx="3"/>
           </p:nvPr>
         </p:nvSpPr>
         <p:spPr/>
@@ -1419,7 +3676,7 @@
         <p:spPr>
           <a:xfrm>
             <a:off x="504000" y="226080"/>
-            <a:ext cx="9071640" cy="946440"/>
+            <a:ext cx="9071280" cy="946080"/>
           </a:xfrm>
           <a:prstGeom prst="rect">
             <a:avLst/>
@@ -1450,7 +3707,7 @@
             <a:spLocks noGrp="1"/>
           </p:cNvSpPr>
           <p:nvPr>
-            <p:ph type="ftr" idx="2"/>
+            <p:ph type="ftr" idx="1"/>
           </p:nvPr>
         </p:nvSpPr>
         <p:spPr/>
@@ -1470,14 +3727,14 @@
             <a:spLocks noGrp="1"/>
           </p:cNvSpPr>
           <p:nvPr>
-            <p:ph type="sldNum" idx="3"/>
+            <p:ph type="sldNum" idx="2"/>
           </p:nvPr>
         </p:nvSpPr>
         <p:spPr/>
         <p:txBody>
           <a:bodyPr/>
           <a:p>
-            <a:fld id="{AB96671A-5BFD-482D-8B67-4F6E2BD5C2A9}" type="slidenum">
+            <a:fld id="{5BB4612A-8339-4F70-9160-C341EA3882A5}" type="slidenum">
               <a:t>&lt;#&gt;</a:t>
             </a:fld>
           </a:p>
@@ -1490,7 +3747,7 @@
             <a:spLocks noGrp="1"/>
           </p:cNvSpPr>
           <p:nvPr>
-            <p:ph type="dt" idx="1"/>
+            <p:ph type="dt" idx="3"/>
           </p:nvPr>
         </p:nvSpPr>
         <p:spPr/>
@@ -1539,7 +3796,7 @@
         <p:spPr>
           <a:xfrm>
             <a:off x="504000" y="226080"/>
-            <a:ext cx="9071640" cy="4388400"/>
+            <a:ext cx="9071280" cy="4386600"/>
           </a:xfrm>
           <a:prstGeom prst="rect">
             <a:avLst/>
@@ -1570,7 +3827,7 @@
             <a:spLocks noGrp="1"/>
           </p:cNvSpPr>
           <p:nvPr>
-            <p:ph type="ftr" idx="2"/>
+            <p:ph type="ftr" idx="1"/>
           </p:nvPr>
         </p:nvSpPr>
         <p:spPr/>
@@ -1590,14 +3847,14 @@
             <a:spLocks noGrp="1"/>
           </p:cNvSpPr>
           <p:nvPr>
-            <p:ph type="sldNum" idx="3"/>
+            <p:ph type="sldNum" idx="2"/>
           </p:nvPr>
         </p:nvSpPr>
         <p:spPr/>
         <p:txBody>
           <a:bodyPr/>
           <a:p>
-            <a:fld id="{F50C3F7E-C3C9-4B5B-85EF-ED2B146AE23C}" type="slidenum">
+            <a:fld id="{DCB6685B-DBC5-4CF1-BB25-465EF104482E}" type="slidenum">
               <a:t>&lt;#&gt;</a:t>
             </a:fld>
           </a:p>
@@ -1610,7 +3867,7 @@
             <a:spLocks noGrp="1"/>
           </p:cNvSpPr>
           <p:nvPr>
-            <p:ph type="dt" idx="1"/>
+            <p:ph type="dt" idx="3"/>
           </p:nvPr>
         </p:nvSpPr>
         <p:spPr/>
@@ -1659,7 +3916,7 @@
         <p:spPr>
           <a:xfrm>
             <a:off x="504000" y="226080"/>
-            <a:ext cx="9071640" cy="946440"/>
+            <a:ext cx="9071280" cy="946080"/>
           </a:xfrm>
           <a:prstGeom prst="rect">
             <a:avLst/>
@@ -1696,7 +3953,7 @@
         <p:spPr>
           <a:xfrm>
             <a:off x="504000" y="1326600"/>
-            <a:ext cx="4426920" cy="1568160"/>
+            <a:ext cx="4426560" cy="1568160"/>
           </a:xfrm>
           <a:prstGeom prst="rect">
             <a:avLst/>
@@ -1729,8 +3986,8 @@
         </p:nvSpPr>
         <p:spPr>
           <a:xfrm>
-            <a:off x="5152680" y="1326600"/>
-            <a:ext cx="4426920" cy="3288240"/>
+            <a:off x="5152320" y="1326600"/>
+            <a:ext cx="4426560" cy="3287880"/>
           </a:xfrm>
           <a:prstGeom prst="rect">
             <a:avLst/>
@@ -1764,7 +4021,7 @@
         <p:spPr>
           <a:xfrm>
             <a:off x="504000" y="3044160"/>
-            <a:ext cx="4426920" cy="1568160"/>
+            <a:ext cx="4426560" cy="1568160"/>
           </a:xfrm>
           <a:prstGeom prst="rect">
             <a:avLst/>
@@ -1792,7 +4049,7 @@
             <a:spLocks noGrp="1"/>
           </p:cNvSpPr>
           <p:nvPr>
-            <p:ph type="ftr" idx="2"/>
+            <p:ph type="ftr" idx="1"/>
           </p:nvPr>
         </p:nvSpPr>
         <p:spPr/>
@@ -1812,14 +4069,14 @@
             <a:spLocks noGrp="1"/>
           </p:cNvSpPr>
           <p:nvPr>
-            <p:ph type="sldNum" idx="3"/>
+            <p:ph type="sldNum" idx="2"/>
           </p:nvPr>
         </p:nvSpPr>
         <p:spPr/>
         <p:txBody>
           <a:bodyPr/>
           <a:p>
-            <a:fld id="{DF084E15-80C9-4298-B6B6-BF6D4673F1C6}" type="slidenum">
+            <a:fld id="{8C7BB4B7-915B-4A65-89A3-FA5DD6E9AB01}" type="slidenum">
               <a:t>&lt;#&gt;</a:t>
             </a:fld>
           </a:p>
@@ -1832,7 +4089,7 @@
             <a:spLocks noGrp="1"/>
           </p:cNvSpPr>
           <p:nvPr>
-            <p:ph type="dt" idx="1"/>
+            <p:ph type="dt" idx="3"/>
           </p:nvPr>
         </p:nvSpPr>
         <p:spPr/>
@@ -1881,7 +4138,7 @@
         <p:spPr>
           <a:xfrm>
             <a:off x="504000" y="226080"/>
-            <a:ext cx="9071640" cy="946440"/>
+            <a:ext cx="9071280" cy="946080"/>
           </a:xfrm>
           <a:prstGeom prst="rect">
             <a:avLst/>
@@ -1918,7 +4175,7 @@
         <p:spPr>
           <a:xfrm>
             <a:off x="504000" y="1326600"/>
-            <a:ext cx="4426920" cy="3288240"/>
+            <a:ext cx="4426560" cy="3287880"/>
           </a:xfrm>
           <a:prstGeom prst="rect">
             <a:avLst/>
@@ -1951,8 +4208,8 @@
         </p:nvSpPr>
         <p:spPr>
           <a:xfrm>
-            <a:off x="5152680" y="1326600"/>
-            <a:ext cx="4426920" cy="1568160"/>
+            <a:off x="5152320" y="1326600"/>
+            <a:ext cx="4426560" cy="1568160"/>
           </a:xfrm>
           <a:prstGeom prst="rect">
             <a:avLst/>
@@ -1985,8 +4242,8 @@
         </p:nvSpPr>
         <p:spPr>
           <a:xfrm>
-            <a:off x="5152680" y="3044160"/>
-            <a:ext cx="4426920" cy="1568160"/>
+            <a:off x="5152320" y="3044160"/>
+            <a:ext cx="4426560" cy="1568160"/>
           </a:xfrm>
           <a:prstGeom prst="rect">
             <a:avLst/>
@@ -2014,7 +4271,7 @@
             <a:spLocks noGrp="1"/>
           </p:cNvSpPr>
           <p:nvPr>
-            <p:ph type="ftr" idx="2"/>
+            <p:ph type="ftr" idx="1"/>
           </p:nvPr>
         </p:nvSpPr>
         <p:spPr/>
@@ -2034,14 +4291,14 @@
             <a:spLocks noGrp="1"/>
           </p:cNvSpPr>
           <p:nvPr>
-            <p:ph type="sldNum" idx="3"/>
+            <p:ph type="sldNum" idx="2"/>
           </p:nvPr>
         </p:nvSpPr>
         <p:spPr/>
         <p:txBody>
           <a:bodyPr/>
           <a:p>
-            <a:fld id="{CCC765E9-370D-4C62-90B7-B218C84EA57E}" type="slidenum">
+            <a:fld id="{22A9D3D6-A8CF-49EB-8030-719AEC1661C8}" type="slidenum">
               <a:t>&lt;#&gt;</a:t>
             </a:fld>
           </a:p>
@@ -2054,7 +4311,7 @@
             <a:spLocks noGrp="1"/>
           </p:cNvSpPr>
           <p:nvPr>
-            <p:ph type="dt" idx="1"/>
+            <p:ph type="dt" idx="3"/>
           </p:nvPr>
         </p:nvSpPr>
         <p:spPr/>
@@ -2103,7 +4360,7 @@
         <p:spPr>
           <a:xfrm>
             <a:off x="504000" y="226080"/>
-            <a:ext cx="9071640" cy="946440"/>
+            <a:ext cx="9071280" cy="946080"/>
           </a:xfrm>
           <a:prstGeom prst="rect">
             <a:avLst/>
@@ -2140,7 +4397,7 @@
         <p:spPr>
           <a:xfrm>
             <a:off x="504000" y="1326600"/>
-            <a:ext cx="4426920" cy="1568160"/>
+            <a:ext cx="4426560" cy="1568160"/>
           </a:xfrm>
           <a:prstGeom prst="rect">
             <a:avLst/>
@@ -2173,8 +4430,8 @@
         </p:nvSpPr>
         <p:spPr>
           <a:xfrm>
-            <a:off x="5152680" y="1326600"/>
-            <a:ext cx="4426920" cy="1568160"/>
+            <a:off x="5152320" y="1326600"/>
+            <a:ext cx="4426560" cy="1568160"/>
           </a:xfrm>
           <a:prstGeom prst="rect">
             <a:avLst/>
@@ -2208,7 +4465,7 @@
         <p:spPr>
           <a:xfrm>
             <a:off x="504000" y="3044160"/>
-            <a:ext cx="9071640" cy="1568160"/>
+            <a:ext cx="9071280" cy="1568160"/>
           </a:xfrm>
           <a:prstGeom prst="rect">
             <a:avLst/>
@@ -2236,7 +4493,7 @@
             <a:spLocks noGrp="1"/>
           </p:cNvSpPr>
           <p:nvPr>
-            <p:ph type="ftr" idx="2"/>
+            <p:ph type="ftr" idx="1"/>
           </p:nvPr>
         </p:nvSpPr>
         <p:spPr/>
@@ -2256,14 +4513,14 @@
             <a:spLocks noGrp="1"/>
           </p:cNvSpPr>
           <p:nvPr>
-            <p:ph type="sldNum" idx="3"/>
+            <p:ph type="sldNum" idx="2"/>
           </p:nvPr>
         </p:nvSpPr>
         <p:spPr/>
         <p:txBody>
           <a:bodyPr/>
           <a:p>
-            <a:fld id="{69813C83-15E3-4FEF-A524-0AD50F112C62}" type="slidenum">
+            <a:fld id="{F0038676-E939-4498-A5CA-BE13D42F3361}" type="slidenum">
               <a:t>&lt;#&gt;</a:t>
             </a:fld>
           </a:p>
@@ -2276,7 +4533,7 @@
             <a:spLocks noGrp="1"/>
           </p:cNvSpPr>
           <p:nvPr>
-            <p:ph type="dt" idx="1"/>
+            <p:ph type="dt" idx="3"/>
           </p:nvPr>
         </p:nvSpPr>
         <p:spPr/>
@@ -2325,7 +4582,7 @@
         <p:spPr>
           <a:xfrm>
             <a:off x="504000" y="226080"/>
-            <a:ext cx="9071640" cy="946440"/>
+            <a:ext cx="9071280" cy="946080"/>
           </a:xfrm>
           <a:prstGeom prst="rect">
             <a:avLst/>
@@ -2340,24 +4597,182 @@
             <a:noAutofit/>
           </a:bodyPr>
           <a:p>
+            <a:r>
+              <a:rPr b="0" lang="en-US" sz="1800" spc="-1" strike="noStrike">
+                <a:latin typeface="Arial"/>
+              </a:rPr>
+              <a:t>Click to edit the title text format</a:t>
+            </a:r>
+            <a:endParaRPr b="0" lang="en-US" sz="1800" spc="-1" strike="noStrike">
+              <a:latin typeface="Arial"/>
+            </a:endParaRPr>
+          </a:p>
+        </p:txBody>
+      </p:sp>
+      <p:sp>
+        <p:nvSpPr>
+          <p:cNvPr id="1" name="PlaceHolder 2"/>
+          <p:cNvSpPr>
+            <a:spLocks noGrp="1"/>
+          </p:cNvSpPr>
+          <p:nvPr>
+            <p:ph type="ftr" idx="1"/>
+          </p:nvPr>
+        </p:nvSpPr>
+        <p:spPr>
+          <a:xfrm>
+            <a:off x="3447360" y="5165280"/>
+            <a:ext cx="3194640" cy="390240"/>
+          </a:xfrm>
+          <a:prstGeom prst="rect">
+            <a:avLst/>
+          </a:prstGeom>
+          <a:noFill/>
+          <a:ln w="0">
+            <a:noFill/>
+          </a:ln>
+        </p:spPr>
+        <p:txBody>
+          <a:bodyPr lIns="0" rIns="0" tIns="0" bIns="0" anchor="t">
+            <a:noAutofit/>
+          </a:bodyPr>
+          <a:lstStyle>
+            <a:lvl1pPr algn="ctr">
+              <a:lnSpc>
+                <a:spcPct val="100000"/>
+              </a:lnSpc>
+              <a:buNone/>
+              <a:defRPr b="0" lang="en-US" sz="1400" spc="-1" strike="noStrike">
+                <a:latin typeface="Times New Roman"/>
+              </a:defRPr>
+            </a:lvl1pPr>
+          </a:lstStyle>
+          <a:p>
             <a:pPr algn="ctr">
+              <a:lnSpc>
+                <a:spcPct val="100000"/>
+              </a:lnSpc>
               <a:buNone/>
             </a:pPr>
             <a:r>
-              <a:rPr b="0" lang="en-US" sz="4400" spc="-1" strike="noStrike">
-                <a:latin typeface="Arial"/>
-              </a:rPr>
-              <a:t>Click to edit the title text format</a:t>
-            </a:r>
-            <a:endParaRPr b="0" lang="en-US" sz="4400" spc="-1" strike="noStrike">
-              <a:latin typeface="Arial"/>
-            </a:endParaRPr>
-          </a:p>
-        </p:txBody>
-      </p:sp>
-      <p:sp>
-        <p:nvSpPr>
-          <p:cNvPr id="1" name="PlaceHolder 2"/>
+              <a:rPr b="0" lang="en-US" sz="1400" spc="-1" strike="noStrike">
+                <a:latin typeface="Times New Roman"/>
+              </a:rPr>
+              <a:t>&lt;footer&gt;</a:t>
+            </a:r>
+            <a:endParaRPr b="0" lang="en-US" sz="1400" spc="-1" strike="noStrike">
+              <a:latin typeface="Times New Roman"/>
+            </a:endParaRPr>
+          </a:p>
+        </p:txBody>
+      </p:sp>
+      <p:sp>
+        <p:nvSpPr>
+          <p:cNvPr id="2" name="PlaceHolder 3"/>
+          <p:cNvSpPr>
+            <a:spLocks noGrp="1"/>
+          </p:cNvSpPr>
+          <p:nvPr>
+            <p:ph type="sldNum" idx="2"/>
+          </p:nvPr>
+        </p:nvSpPr>
+        <p:spPr>
+          <a:xfrm>
+            <a:off x="7227360" y="5165280"/>
+            <a:ext cx="2347920" cy="390240"/>
+          </a:xfrm>
+          <a:prstGeom prst="rect">
+            <a:avLst/>
+          </a:prstGeom>
+          <a:noFill/>
+          <a:ln w="0">
+            <a:noFill/>
+          </a:ln>
+        </p:spPr>
+        <p:txBody>
+          <a:bodyPr lIns="0" rIns="0" tIns="0" bIns="0" anchor="t">
+            <a:noAutofit/>
+          </a:bodyPr>
+          <a:lstStyle>
+            <a:lvl1pPr algn="r">
+              <a:lnSpc>
+                <a:spcPct val="100000"/>
+              </a:lnSpc>
+              <a:buNone/>
+              <a:defRPr b="0" lang="en-US" sz="1400" spc="-1" strike="noStrike">
+                <a:latin typeface="Times New Roman"/>
+              </a:defRPr>
+            </a:lvl1pPr>
+          </a:lstStyle>
+          <a:p>
+            <a:pPr algn="r">
+              <a:lnSpc>
+                <a:spcPct val="100000"/>
+              </a:lnSpc>
+              <a:buNone/>
+            </a:pPr>
+            <a:fld id="{0B79AE72-1741-4246-B943-896CE86291D4}" type="slidenum">
+              <a:rPr b="0" lang="en-US" sz="1400" spc="-1" strike="noStrike">
+                <a:latin typeface="Times New Roman"/>
+              </a:rPr>
+              <a:t>&lt;number&gt;</a:t>
+            </a:fld>
+            <a:endParaRPr b="0" lang="en-US" sz="1400" spc="-1" strike="noStrike">
+              <a:latin typeface="Times New Roman"/>
+            </a:endParaRPr>
+          </a:p>
+        </p:txBody>
+      </p:sp>
+      <p:sp>
+        <p:nvSpPr>
+          <p:cNvPr id="3" name="PlaceHolder 4"/>
+          <p:cNvSpPr>
+            <a:spLocks noGrp="1"/>
+          </p:cNvSpPr>
+          <p:nvPr>
+            <p:ph type="dt" idx="3"/>
+          </p:nvPr>
+        </p:nvSpPr>
+        <p:spPr>
+          <a:xfrm>
+            <a:off x="504000" y="5165280"/>
+            <a:ext cx="2347920" cy="390240"/>
+          </a:xfrm>
+          <a:prstGeom prst="rect">
+            <a:avLst/>
+          </a:prstGeom>
+          <a:noFill/>
+          <a:ln w="0">
+            <a:noFill/>
+          </a:ln>
+        </p:spPr>
+        <p:txBody>
+          <a:bodyPr lIns="0" rIns="0" tIns="0" bIns="0" anchor="t">
+            <a:noAutofit/>
+          </a:bodyPr>
+          <a:lstStyle>
+            <a:lvl1pPr>
+              <a:defRPr b="0" lang="en-US" sz="1400" spc="-1" strike="noStrike">
+                <a:latin typeface="Times New Roman"/>
+              </a:defRPr>
+            </a:lvl1pPr>
+          </a:lstStyle>
+          <a:p>
+            <a:r>
+              <a:rPr b="0" lang="en-US" sz="1400" spc="-1" strike="noStrike">
+                <a:latin typeface="Times New Roman"/>
+              </a:rPr>
+              <a:t>&lt;date/time&gt;</a:t>
+            </a:r>
+            <a:endParaRPr b="0" lang="en-US" sz="1400" spc="-1" strike="noStrike">
+              <a:latin typeface="Times New Roman"/>
+            </a:endParaRPr>
+          </a:p>
+        </p:txBody>
+      </p:sp>
+      <p:sp>
+        <p:nvSpPr>
+          <p:cNvPr id="4" name="PlaceHolder 5"/>
           <p:cNvSpPr>
             <a:spLocks noGrp="1"/>
           </p:cNvSpPr>
@@ -2368,7 +4783,7 @@
         <p:spPr>
           <a:xfrm>
             <a:off x="504000" y="1326600"/>
-            <a:ext cx="9071640" cy="3288240"/>
+            <a:ext cx="9072000" cy="3288600"/>
           </a:xfrm>
           <a:prstGeom prst="rect">
             <a:avLst/>
@@ -2534,155 +4949,6 @@
             </a:r>
             <a:endParaRPr b="0" lang="en-US" sz="2000" spc="-1" strike="noStrike">
               <a:latin typeface="Arial"/>
-            </a:endParaRPr>
-          </a:p>
-        </p:txBody>
-      </p:sp>
-      <p:sp>
-        <p:nvSpPr>
-          <p:cNvPr id="2" name="PlaceHolder 3"/>
-          <p:cNvSpPr>
-            <a:spLocks noGrp="1"/>
-          </p:cNvSpPr>
-          <p:nvPr>
-            <p:ph type="dt" idx="1"/>
-          </p:nvPr>
-        </p:nvSpPr>
-        <p:spPr>
-          <a:xfrm>
-            <a:off x="504000" y="5165280"/>
-            <a:ext cx="2348280" cy="390600"/>
-          </a:xfrm>
-          <a:prstGeom prst="rect">
-            <a:avLst/>
-          </a:prstGeom>
-          <a:noFill/>
-          <a:ln w="0">
-            <a:noFill/>
-          </a:ln>
-        </p:spPr>
-        <p:txBody>
-          <a:bodyPr lIns="0" rIns="0" tIns="0" bIns="0" anchor="t">
-            <a:noAutofit/>
-          </a:bodyPr>
-          <a:lstStyle>
-            <a:lvl1pPr>
-              <a:defRPr b="0" lang="en-US" sz="1400" spc="-1" strike="noStrike">
-                <a:latin typeface="Times New Roman"/>
-              </a:defRPr>
-            </a:lvl1pPr>
-          </a:lstStyle>
-          <a:p>
-            <a:r>
-              <a:rPr b="0" lang="en-US" sz="1400" spc="-1" strike="noStrike">
-                <a:latin typeface="Times New Roman"/>
-              </a:rPr>
-              <a:t>&lt;date/time&gt;</a:t>
-            </a:r>
-            <a:endParaRPr b="0" lang="en-US" sz="1400" spc="-1" strike="noStrike">
-              <a:latin typeface="Times New Roman"/>
-            </a:endParaRPr>
-          </a:p>
-        </p:txBody>
-      </p:sp>
-      <p:sp>
-        <p:nvSpPr>
-          <p:cNvPr id="3" name="PlaceHolder 4"/>
-          <p:cNvSpPr>
-            <a:spLocks noGrp="1"/>
-          </p:cNvSpPr>
-          <p:nvPr>
-            <p:ph type="ftr" idx="2"/>
-          </p:nvPr>
-        </p:nvSpPr>
-        <p:spPr>
-          <a:xfrm>
-            <a:off x="3447360" y="5165280"/>
-            <a:ext cx="3195000" cy="390600"/>
-          </a:xfrm>
-          <a:prstGeom prst="rect">
-            <a:avLst/>
-          </a:prstGeom>
-          <a:noFill/>
-          <a:ln w="0">
-            <a:noFill/>
-          </a:ln>
-        </p:spPr>
-        <p:txBody>
-          <a:bodyPr lIns="0" rIns="0" tIns="0" bIns="0" anchor="t">
-            <a:noAutofit/>
-          </a:bodyPr>
-          <a:lstStyle>
-            <a:lvl1pPr algn="ctr">
-              <a:buNone/>
-              <a:defRPr b="0" lang="en-US" sz="1400" spc="-1" strike="noStrike">
-                <a:latin typeface="Times New Roman"/>
-              </a:defRPr>
-            </a:lvl1pPr>
-          </a:lstStyle>
-          <a:p>
-            <a:pPr algn="ctr">
-              <a:buNone/>
-            </a:pPr>
-            <a:r>
-              <a:rPr b="0" lang="en-US" sz="1400" spc="-1" strike="noStrike">
-                <a:latin typeface="Times New Roman"/>
-              </a:rPr>
-              <a:t>&lt;footer&gt;</a:t>
-            </a:r>
-            <a:endParaRPr b="0" lang="en-US" sz="1400" spc="-1" strike="noStrike">
-              <a:latin typeface="Times New Roman"/>
-            </a:endParaRPr>
-          </a:p>
-        </p:txBody>
-      </p:sp>
-      <p:sp>
-        <p:nvSpPr>
-          <p:cNvPr id="4" name="PlaceHolder 5"/>
-          <p:cNvSpPr>
-            <a:spLocks noGrp="1"/>
-          </p:cNvSpPr>
-          <p:nvPr>
-            <p:ph type="sldNum" idx="3"/>
-          </p:nvPr>
-        </p:nvSpPr>
-        <p:spPr>
-          <a:xfrm>
-            <a:off x="7227360" y="5165280"/>
-            <a:ext cx="2348280" cy="390600"/>
-          </a:xfrm>
-          <a:prstGeom prst="rect">
-            <a:avLst/>
-          </a:prstGeom>
-          <a:noFill/>
-          <a:ln w="0">
-            <a:noFill/>
-          </a:ln>
-        </p:spPr>
-        <p:txBody>
-          <a:bodyPr lIns="0" rIns="0" tIns="0" bIns="0" anchor="t">
-            <a:noAutofit/>
-          </a:bodyPr>
-          <a:lstStyle>
-            <a:lvl1pPr algn="r">
-              <a:buNone/>
-              <a:defRPr b="0" lang="en-US" sz="1400" spc="-1" strike="noStrike">
-                <a:latin typeface="Times New Roman"/>
-              </a:defRPr>
-            </a:lvl1pPr>
-          </a:lstStyle>
-          <a:p>
-            <a:pPr algn="r">
-              <a:buNone/>
-            </a:pPr>
-            <a:fld id="{5C2772D3-BF14-4A43-A3FB-C2FDF7087EC8}" type="slidenum">
-              <a:rPr b="0" lang="en-US" sz="1400" spc="-1" strike="noStrike">
-                <a:latin typeface="Times New Roman"/>
-              </a:rPr>
-              <a:t>&lt;number&gt;</a:t>
-            </a:fld>
-            <a:endParaRPr b="0" lang="en-US" sz="1400" spc="-1" strike="noStrike">
-              <a:latin typeface="Times New Roman"/>
             </a:endParaRPr>
           </a:p>
         </p:txBody>
@@ -2703,6 +4969,433 @@
     <p:sldLayoutId id="2147483658" r:id="rId11"/>
     <p:sldLayoutId id="2147483659" r:id="rId12"/>
     <p:sldLayoutId id="2147483660" r:id="rId13"/>
+  </p:sldLayoutIdLst>
+</p:sldMaster>
+</file>
+
+<file path=ppt/slideMasters/slideMaster2.xml><?xml version="1.0" encoding="utf-8"?>
+<p:sldMaster xmlns:a="http://schemas.openxmlformats.org/drawingml/2006/main" xmlns:p="http://schemas.openxmlformats.org/presentationml/2006/main" xmlns:r="http://schemas.openxmlformats.org/officeDocument/2006/relationships" xmlns:p14="http://schemas.microsoft.com/office/powerpoint/2010/main" xmlns:p15="http://schemas.microsoft.com/office/powerpoint/2012/main" xmlns:mc="http://schemas.openxmlformats.org/markup-compatibility/2006">
+  <p:cSld>
+    <p:spTree>
+      <p:nvGrpSpPr>
+        <p:cNvPr id="1" name=""/>
+        <p:cNvGrpSpPr/>
+        <p:nvPr/>
+      </p:nvGrpSpPr>
+      <p:grpSpPr>
+        <a:xfrm>
+          <a:off x="0" y="0"/>
+          <a:ext cx="0" cy="0"/>
+          <a:chOff x="0" y="0"/>
+          <a:chExt cx="0" cy="0"/>
+        </a:xfrm>
+      </p:grpSpPr>
+      <p:sp>
+        <p:nvSpPr>
+          <p:cNvPr id="41" name="PlaceHolder 1"/>
+          <p:cNvSpPr>
+            <a:spLocks noGrp="1"/>
+          </p:cNvSpPr>
+          <p:nvPr>
+            <p:ph type="title"/>
+          </p:nvPr>
+        </p:nvSpPr>
+        <p:spPr>
+          <a:xfrm>
+            <a:off x="504000" y="226080"/>
+            <a:ext cx="9071280" cy="946080"/>
+          </a:xfrm>
+          <a:prstGeom prst="rect">
+            <a:avLst/>
+          </a:prstGeom>
+          <a:noFill/>
+          <a:ln w="0">
+            <a:noFill/>
+          </a:ln>
+        </p:spPr>
+        <p:txBody>
+          <a:bodyPr lIns="0" rIns="0" tIns="0" bIns="0" anchor="ctr">
+            <a:noAutofit/>
+          </a:bodyPr>
+          <a:p>
+            <a:r>
+              <a:rPr b="0" lang="en-US" sz="1800" spc="-1" strike="noStrike">
+                <a:latin typeface="Arial"/>
+              </a:rPr>
+              <a:t>Click to edit the title text </a:t>
+            </a:r>
+            <a:r>
+              <a:rPr b="0" lang="en-US" sz="1800" spc="-1" strike="noStrike">
+                <a:latin typeface="Arial"/>
+              </a:rPr>
+              <a:t>format</a:t>
+            </a:r>
+            <a:endParaRPr b="0" lang="en-US" sz="1800" spc="-1" strike="noStrike">
+              <a:latin typeface="Arial"/>
+            </a:endParaRPr>
+          </a:p>
+        </p:txBody>
+      </p:sp>
+      <p:sp>
+        <p:nvSpPr>
+          <p:cNvPr id="42" name="PlaceHolder 2"/>
+          <p:cNvSpPr>
+            <a:spLocks noGrp="1"/>
+          </p:cNvSpPr>
+          <p:nvPr>
+            <p:ph type="body"/>
+          </p:nvPr>
+        </p:nvSpPr>
+        <p:spPr>
+          <a:xfrm>
+            <a:off x="504000" y="1326600"/>
+            <a:ext cx="9071280" cy="3287880"/>
+          </a:xfrm>
+          <a:prstGeom prst="rect">
+            <a:avLst/>
+          </a:prstGeom>
+          <a:noFill/>
+          <a:ln w="0">
+            <a:noFill/>
+          </a:ln>
+        </p:spPr>
+        <p:txBody>
+          <a:bodyPr lIns="0" rIns="0" tIns="0" bIns="0" anchor="t">
+            <a:normAutofit/>
+          </a:bodyPr>
+          <a:p>
+            <a:pPr marL="432000" indent="-324000">
+              <a:spcBef>
+                <a:spcPts val="1417"/>
+              </a:spcBef>
+              <a:buClr>
+                <a:srgbClr val="000000"/>
+              </a:buClr>
+              <a:buSzPct val="45000"/>
+              <a:buFont typeface="Wingdings" charset="2"/>
+              <a:buChar char=""/>
+            </a:pPr>
+            <a:r>
+              <a:rPr b="0" lang="en-US" sz="1800" spc="-1" strike="noStrike">
+                <a:latin typeface="Arial"/>
+              </a:rPr>
+              <a:t>Click to edit the outline text format</a:t>
+            </a:r>
+            <a:endParaRPr b="0" lang="en-US" sz="1800" spc="-1" strike="noStrike">
+              <a:latin typeface="Arial"/>
+            </a:endParaRPr>
+          </a:p>
+          <a:p>
+            <a:pPr lvl="1" marL="864000" indent="-324000">
+              <a:spcBef>
+                <a:spcPts val="1134"/>
+              </a:spcBef>
+              <a:buClr>
+                <a:srgbClr val="000000"/>
+              </a:buClr>
+              <a:buSzPct val="75000"/>
+              <a:buFont typeface="Symbol" charset="2"/>
+              <a:buChar char=""/>
+            </a:pPr>
+            <a:r>
+              <a:rPr b="0" lang="en-US" sz="1800" spc="-1" strike="noStrike">
+                <a:latin typeface="Arial"/>
+              </a:rPr>
+              <a:t>Second Outline Level</a:t>
+            </a:r>
+            <a:endParaRPr b="0" lang="en-US" sz="1800" spc="-1" strike="noStrike">
+              <a:latin typeface="Arial"/>
+            </a:endParaRPr>
+          </a:p>
+          <a:p>
+            <a:pPr lvl="2" marL="1296000" indent="-288000">
+              <a:spcBef>
+                <a:spcPts val="850"/>
+              </a:spcBef>
+              <a:buClr>
+                <a:srgbClr val="000000"/>
+              </a:buClr>
+              <a:buSzPct val="45000"/>
+              <a:buFont typeface="Wingdings" charset="2"/>
+              <a:buChar char=""/>
+            </a:pPr>
+            <a:r>
+              <a:rPr b="0" lang="en-US" sz="1800" spc="-1" strike="noStrike">
+                <a:latin typeface="Arial"/>
+              </a:rPr>
+              <a:t>Third Outline Level</a:t>
+            </a:r>
+            <a:endParaRPr b="0" lang="en-US" sz="1800" spc="-1" strike="noStrike">
+              <a:latin typeface="Arial"/>
+            </a:endParaRPr>
+          </a:p>
+          <a:p>
+            <a:pPr lvl="3" marL="1728000" indent="-216000">
+              <a:spcBef>
+                <a:spcPts val="567"/>
+              </a:spcBef>
+              <a:buClr>
+                <a:srgbClr val="000000"/>
+              </a:buClr>
+              <a:buSzPct val="75000"/>
+              <a:buFont typeface="Symbol" charset="2"/>
+              <a:buChar char=""/>
+            </a:pPr>
+            <a:r>
+              <a:rPr b="0" lang="en-US" sz="1800" spc="-1" strike="noStrike">
+                <a:latin typeface="Arial"/>
+              </a:rPr>
+              <a:t>Fourth Outline Level</a:t>
+            </a:r>
+            <a:endParaRPr b="0" lang="en-US" sz="1800" spc="-1" strike="noStrike">
+              <a:latin typeface="Arial"/>
+            </a:endParaRPr>
+          </a:p>
+          <a:p>
+            <a:pPr lvl="4" marL="2160000" indent="-216000">
+              <a:spcBef>
+                <a:spcPts val="283"/>
+              </a:spcBef>
+              <a:buClr>
+                <a:srgbClr val="000000"/>
+              </a:buClr>
+              <a:buSzPct val="45000"/>
+              <a:buFont typeface="Wingdings" charset="2"/>
+              <a:buChar char=""/>
+            </a:pPr>
+            <a:r>
+              <a:rPr b="0" lang="en-US" sz="1800" spc="-1" strike="noStrike">
+                <a:latin typeface="Arial"/>
+              </a:rPr>
+              <a:t>Fifth Outline Level</a:t>
+            </a:r>
+            <a:endParaRPr b="0" lang="en-US" sz="1800" spc="-1" strike="noStrike">
+              <a:latin typeface="Arial"/>
+            </a:endParaRPr>
+          </a:p>
+          <a:p>
+            <a:pPr lvl="5" marL="2592000" indent="-216000">
+              <a:spcBef>
+                <a:spcPts val="283"/>
+              </a:spcBef>
+              <a:buClr>
+                <a:srgbClr val="000000"/>
+              </a:buClr>
+              <a:buSzPct val="45000"/>
+              <a:buFont typeface="Wingdings" charset="2"/>
+              <a:buChar char=""/>
+            </a:pPr>
+            <a:r>
+              <a:rPr b="0" lang="en-US" sz="1800" spc="-1" strike="noStrike">
+                <a:latin typeface="Arial"/>
+              </a:rPr>
+              <a:t>Sixth Outline Level</a:t>
+            </a:r>
+            <a:endParaRPr b="0" lang="en-US" sz="1800" spc="-1" strike="noStrike">
+              <a:latin typeface="Arial"/>
+            </a:endParaRPr>
+          </a:p>
+          <a:p>
+            <a:pPr lvl="6" marL="3024000" indent="-216000">
+              <a:spcBef>
+                <a:spcPts val="283"/>
+              </a:spcBef>
+              <a:buClr>
+                <a:srgbClr val="000000"/>
+              </a:buClr>
+              <a:buSzPct val="45000"/>
+              <a:buFont typeface="Wingdings" charset="2"/>
+              <a:buChar char=""/>
+            </a:pPr>
+            <a:r>
+              <a:rPr b="0" lang="en-US" sz="1800" spc="-1" strike="noStrike">
+                <a:latin typeface="Arial"/>
+              </a:rPr>
+              <a:t>Seventh Outline Level</a:t>
+            </a:r>
+            <a:endParaRPr b="0" lang="en-US" sz="1800" spc="-1" strike="noStrike">
+              <a:latin typeface="Arial"/>
+            </a:endParaRPr>
+          </a:p>
+        </p:txBody>
+      </p:sp>
+      <p:sp>
+        <p:nvSpPr>
+          <p:cNvPr id="43" name="PlaceHolder 3"/>
+          <p:cNvSpPr>
+            <a:spLocks noGrp="1"/>
+          </p:cNvSpPr>
+          <p:nvPr>
+            <p:ph type="ftr" idx="4"/>
+          </p:nvPr>
+        </p:nvSpPr>
+        <p:spPr>
+          <a:xfrm>
+            <a:off x="3447360" y="5165280"/>
+            <a:ext cx="3194640" cy="390240"/>
+          </a:xfrm>
+          <a:prstGeom prst="rect">
+            <a:avLst/>
+          </a:prstGeom>
+          <a:noFill/>
+          <a:ln w="0">
+            <a:noFill/>
+          </a:ln>
+        </p:spPr>
+        <p:txBody>
+          <a:bodyPr lIns="0" rIns="0" tIns="0" bIns="0" anchor="t">
+            <a:noAutofit/>
+          </a:bodyPr>
+          <a:lstStyle>
+            <a:lvl1pPr algn="ctr">
+              <a:lnSpc>
+                <a:spcPct val="100000"/>
+              </a:lnSpc>
+              <a:buNone/>
+              <a:defRPr b="0" lang="en-US" sz="1400" spc="-1" strike="noStrike">
+                <a:latin typeface="Times New Roman"/>
+              </a:defRPr>
+            </a:lvl1pPr>
+          </a:lstStyle>
+          <a:p>
+            <a:pPr algn="ctr">
+              <a:lnSpc>
+                <a:spcPct val="100000"/>
+              </a:lnSpc>
+              <a:buNone/>
+            </a:pPr>
+            <a:r>
+              <a:rPr b="0" lang="en-US" sz="1400" spc="-1" strike="noStrike">
+                <a:latin typeface="Times New Roman"/>
+              </a:rPr>
+              <a:t>&lt;footer&gt;</a:t>
+            </a:r>
+            <a:endParaRPr b="0" lang="en-US" sz="1400" spc="-1" strike="noStrike">
+              <a:latin typeface="Times New Roman"/>
+            </a:endParaRPr>
+          </a:p>
+        </p:txBody>
+      </p:sp>
+      <p:sp>
+        <p:nvSpPr>
+          <p:cNvPr id="44" name="PlaceHolder 4"/>
+          <p:cNvSpPr>
+            <a:spLocks noGrp="1"/>
+          </p:cNvSpPr>
+          <p:nvPr>
+            <p:ph type="sldNum" idx="5"/>
+          </p:nvPr>
+        </p:nvSpPr>
+        <p:spPr>
+          <a:xfrm>
+            <a:off x="7227360" y="5165280"/>
+            <a:ext cx="2347920" cy="390240"/>
+          </a:xfrm>
+          <a:prstGeom prst="rect">
+            <a:avLst/>
+          </a:prstGeom>
+          <a:noFill/>
+          <a:ln w="0">
+            <a:noFill/>
+          </a:ln>
+        </p:spPr>
+        <p:txBody>
+          <a:bodyPr lIns="0" rIns="0" tIns="0" bIns="0" anchor="t">
+            <a:noAutofit/>
+          </a:bodyPr>
+          <a:lstStyle>
+            <a:lvl1pPr algn="r">
+              <a:lnSpc>
+                <a:spcPct val="100000"/>
+              </a:lnSpc>
+              <a:buNone/>
+              <a:defRPr b="0" lang="en-US" sz="1400" spc="-1" strike="noStrike">
+                <a:latin typeface="Times New Roman"/>
+              </a:defRPr>
+            </a:lvl1pPr>
+          </a:lstStyle>
+          <a:p>
+            <a:pPr algn="r">
+              <a:lnSpc>
+                <a:spcPct val="100000"/>
+              </a:lnSpc>
+              <a:buNone/>
+            </a:pPr>
+            <a:fld id="{A8992C75-035C-47D3-A8B3-C7DC52E39D19}" type="slidenum">
+              <a:rPr b="0" lang="en-US" sz="1400" spc="-1" strike="noStrike">
+                <a:latin typeface="Times New Roman"/>
+              </a:rPr>
+              <a:t>&lt;number&gt;</a:t>
+            </a:fld>
+            <a:endParaRPr b="0" lang="en-US" sz="1400" spc="-1" strike="noStrike">
+              <a:latin typeface="Times New Roman"/>
+            </a:endParaRPr>
+          </a:p>
+        </p:txBody>
+      </p:sp>
+      <p:sp>
+        <p:nvSpPr>
+          <p:cNvPr id="45" name="PlaceHolder 5"/>
+          <p:cNvSpPr>
+            <a:spLocks noGrp="1"/>
+          </p:cNvSpPr>
+          <p:nvPr>
+            <p:ph type="dt" idx="6"/>
+          </p:nvPr>
+        </p:nvSpPr>
+        <p:spPr>
+          <a:xfrm>
+            <a:off x="504000" y="5165280"/>
+            <a:ext cx="2347920" cy="390240"/>
+          </a:xfrm>
+          <a:prstGeom prst="rect">
+            <a:avLst/>
+          </a:prstGeom>
+          <a:noFill/>
+          <a:ln w="0">
+            <a:noFill/>
+          </a:ln>
+        </p:spPr>
+        <p:txBody>
+          <a:bodyPr lIns="0" rIns="0" tIns="0" bIns="0" anchor="t">
+            <a:noAutofit/>
+          </a:bodyPr>
+          <a:lstStyle>
+            <a:lvl1pPr>
+              <a:defRPr b="0" lang="en-US" sz="1400" spc="-1" strike="noStrike">
+                <a:latin typeface="Times New Roman"/>
+              </a:defRPr>
+            </a:lvl1pPr>
+          </a:lstStyle>
+          <a:p>
+            <a:r>
+              <a:rPr b="0" lang="en-US" sz="1400" spc="-1" strike="noStrike">
+                <a:latin typeface="Times New Roman"/>
+              </a:rPr>
+              <a:t>&lt;date/time&gt;</a:t>
+            </a:r>
+            <a:endParaRPr b="0" lang="en-US" sz="1400" spc="-1" strike="noStrike">
+              <a:latin typeface="Times New Roman"/>
+            </a:endParaRPr>
+          </a:p>
+        </p:txBody>
+      </p:sp>
+    </p:spTree>
+  </p:cSld>
+  <p:clrMap bg1="lt1" bg2="lt2" tx1="dk1" tx2="dk2" accent1="accent1" accent2="accent2" accent3="accent3" accent4="accent4" accent5="accent5" accent6="accent6" hlink="hlink" folHlink="folHlink"/>
+  <p:sldLayoutIdLst>
+    <p:sldLayoutId id="2147483662" r:id="rId2"/>
+    <p:sldLayoutId id="2147483663" r:id="rId3"/>
+    <p:sldLayoutId id="2147483664" r:id="rId4"/>
+    <p:sldLayoutId id="2147483665" r:id="rId5"/>
+    <p:sldLayoutId id="2147483666" r:id="rId6"/>
+    <p:sldLayoutId id="2147483667" r:id="rId7"/>
+    <p:sldLayoutId id="2147483668" r:id="rId8"/>
+    <p:sldLayoutId id="2147483669" r:id="rId9"/>
+    <p:sldLayoutId id="2147483670" r:id="rId10"/>
+    <p:sldLayoutId id="2147483671" r:id="rId11"/>
+    <p:sldLayoutId id="2147483672" r:id="rId12"/>
+    <p:sldLayoutId id="2147483673" r:id="rId13"/>
   </p:sldLayoutIdLst>
 </p:sldMaster>
 </file>
@@ -2726,7 +5419,7 @@
       </p:grpSpPr>
       <p:sp>
         <p:nvSpPr>
-          <p:cNvPr id="41" name="PlaceHolder 1"/>
+          <p:cNvPr id="82" name="PlaceHolder 1"/>
           <p:cNvSpPr>
             <a:spLocks noGrp="1"/>
           </p:cNvSpPr>
@@ -2737,7 +5430,7 @@
         <p:spPr>
           <a:xfrm>
             <a:off x="504000" y="226080"/>
-            <a:ext cx="9071640" cy="946440"/>
+            <a:ext cx="9071280" cy="946080"/>
           </a:xfrm>
           <a:prstGeom prst="rect">
             <a:avLst/>
@@ -2753,6 +5446,9 @@
           </a:bodyPr>
           <a:p>
             <a:pPr algn="ctr">
+              <a:lnSpc>
+                <a:spcPct val="100000"/>
+              </a:lnSpc>
               <a:buNone/>
             </a:pPr>
             <a:r>
@@ -2769,7 +5465,7 @@
       </p:sp>
       <p:sp>
         <p:nvSpPr>
-          <p:cNvPr id="42" name="PlaceHolder 2"/>
+          <p:cNvPr id="83" name="PlaceHolder 2"/>
           <p:cNvSpPr>
             <a:spLocks noGrp="1"/>
           </p:cNvSpPr>
@@ -2780,7 +5476,7 @@
         <p:spPr>
           <a:xfrm>
             <a:off x="504000" y="1326600"/>
-            <a:ext cx="9071640" cy="3288240"/>
+            <a:ext cx="9071280" cy="3287880"/>
           </a:xfrm>
           <a:prstGeom prst="rect">
             <a:avLst/>
@@ -2796,6 +5492,9 @@
           </a:bodyPr>
           <a:p>
             <a:pPr algn="ctr">
+              <a:lnSpc>
+                <a:spcPct val="100000"/>
+              </a:lnSpc>
               <a:buNone/>
             </a:pPr>
             <a:r>
@@ -2842,7 +5541,7 @@
       </p:grpSpPr>
       <p:pic>
         <p:nvPicPr>
-          <p:cNvPr id="68" name="" descr=""/>
+          <p:cNvPr id="109" name="" descr=""/>
           <p:cNvPicPr/>
           <p:nvPr/>
         </p:nvPicPr>
@@ -2853,7 +5552,7 @@
         <p:spPr>
           <a:xfrm>
             <a:off x="3657600" y="228600"/>
-            <a:ext cx="5943600" cy="4572000"/>
+            <a:ext cx="5943240" cy="4571640"/>
           </a:xfrm>
           <a:prstGeom prst="rect">
             <a:avLst/>
@@ -2865,28 +5564,40 @@
       </p:pic>
       <p:sp>
         <p:nvSpPr>
-          <p:cNvPr id="69" name=""/>
-          <p:cNvSpPr txBox="1"/>
+          <p:cNvPr id="110" name=""/>
+          <p:cNvSpPr/>
           <p:nvPr/>
         </p:nvSpPr>
         <p:spPr>
           <a:xfrm>
             <a:off x="4343400" y="2287440"/>
-            <a:ext cx="4114800" cy="1370160"/>
-          </a:xfrm>
-          <a:prstGeom prst="rect">
-            <a:avLst/>
-          </a:prstGeom>
-          <a:noFill/>
-          <a:ln w="0">
-            <a:noFill/>
-          </a:ln>
-        </p:spPr>
+            <a:ext cx="4114440" cy="1369800"/>
+          </a:xfrm>
+          <a:prstGeom prst="rect">
+            <a:avLst/>
+          </a:prstGeom>
+          <a:noFill/>
+          <a:ln w="0">
+            <a:noFill/>
+          </a:ln>
+        </p:spPr>
+        <p:style>
+          <a:lnRef idx="0"/>
+          <a:fillRef idx="0"/>
+          <a:effectRef idx="0"/>
+          <a:fontRef idx="minor"/>
+        </p:style>
         <p:txBody>
           <a:bodyPr lIns="90000" rIns="90000" tIns="45000" bIns="45000" anchor="t">
             <a:noAutofit/>
           </a:bodyPr>
           <a:p>
+            <a:pPr>
+              <a:lnSpc>
+                <a:spcPct val="100000"/>
+              </a:lnSpc>
+              <a:buNone/>
+            </a:pPr>
             <a:r>
               <a:rPr b="0" lang="en-US" sz="1800" spc="-1" strike="noStrike">
                 <a:latin typeface="Arial"/>
@@ -2943,7 +5654,7 @@
       </p:grpSpPr>
       <p:sp>
         <p:nvSpPr>
-          <p:cNvPr id="70" name="PlaceHolder 1"/>
+          <p:cNvPr id="111" name="PlaceHolder 1"/>
           <p:cNvSpPr>
             <a:spLocks noGrp="1"/>
           </p:cNvSpPr>
@@ -2954,7 +5665,7 @@
         <p:spPr>
           <a:xfrm>
             <a:off x="-43560" y="-14760"/>
-            <a:ext cx="2786760" cy="700560"/>
+            <a:ext cx="2786400" cy="700200"/>
           </a:xfrm>
           <a:prstGeom prst="rect">
             <a:avLst/>
@@ -2970,6 +5681,9 @@
           </a:bodyPr>
           <a:p>
             <a:pPr algn="ctr">
+              <a:lnSpc>
+                <a:spcPct val="100000"/>
+              </a:lnSpc>
               <a:buNone/>
             </a:pPr>
             <a:r>
@@ -2986,7 +5700,7 @@
       </p:sp>
       <p:pic>
         <p:nvPicPr>
-          <p:cNvPr id="71" name="" descr=""/>
+          <p:cNvPr id="112" name="" descr=""/>
           <p:cNvPicPr/>
           <p:nvPr/>
         </p:nvPicPr>
@@ -2997,7 +5711,7 @@
         <p:spPr>
           <a:xfrm>
             <a:off x="4572000" y="628920"/>
-            <a:ext cx="4400280" cy="3943080"/>
+            <a:ext cx="4399920" cy="3942720"/>
           </a:xfrm>
           <a:prstGeom prst="rect">
             <a:avLst/>
@@ -3009,28 +5723,40 @@
       </p:pic>
       <p:sp>
         <p:nvSpPr>
-          <p:cNvPr id="72" name=""/>
-          <p:cNvSpPr txBox="1"/>
+          <p:cNvPr id="113" name=""/>
+          <p:cNvSpPr/>
           <p:nvPr/>
         </p:nvSpPr>
         <p:spPr>
           <a:xfrm>
             <a:off x="228600" y="914400"/>
-            <a:ext cx="4114800" cy="346320"/>
-          </a:xfrm>
-          <a:prstGeom prst="rect">
-            <a:avLst/>
-          </a:prstGeom>
-          <a:noFill/>
-          <a:ln w="0">
-            <a:noFill/>
-          </a:ln>
-        </p:spPr>
+            <a:ext cx="4114440" cy="345960"/>
+          </a:xfrm>
+          <a:prstGeom prst="rect">
+            <a:avLst/>
+          </a:prstGeom>
+          <a:noFill/>
+          <a:ln w="0">
+            <a:noFill/>
+          </a:ln>
+        </p:spPr>
+        <p:style>
+          <a:lnRef idx="0"/>
+          <a:fillRef idx="0"/>
+          <a:effectRef idx="0"/>
+          <a:fontRef idx="minor"/>
+        </p:style>
         <p:txBody>
           <a:bodyPr lIns="90000" rIns="90000" tIns="45000" bIns="45000" anchor="t">
             <a:noAutofit/>
           </a:bodyPr>
           <a:p>
+            <a:pPr>
+              <a:lnSpc>
+                <a:spcPct val="100000"/>
+              </a:lnSpc>
+              <a:buNone/>
+            </a:pPr>
             <a:r>
               <a:rPr b="0" lang="en-US" sz="1800" spc="-1" strike="noStrike">
                 <a:latin typeface="Arial"/>
@@ -3075,7 +5801,7 @@
       </p:grpSpPr>
       <p:sp>
         <p:nvSpPr>
-          <p:cNvPr id="73" name="PlaceHolder 1"/>
+          <p:cNvPr id="114" name="PlaceHolder 1"/>
           <p:cNvSpPr>
             <a:spLocks noGrp="1"/>
           </p:cNvSpPr>
@@ -3086,7 +5812,7 @@
         <p:spPr>
           <a:xfrm>
             <a:off x="685800" y="228600"/>
-            <a:ext cx="8458200" cy="1250280"/>
+            <a:ext cx="8457840" cy="1249920"/>
           </a:xfrm>
           <a:prstGeom prst="rect">
             <a:avLst/>
@@ -3102,6 +5828,9 @@
           </a:bodyPr>
           <a:p>
             <a:pPr algn="ctr">
+              <a:lnSpc>
+                <a:spcPct val="100000"/>
+              </a:lnSpc>
               <a:buNone/>
             </a:pPr>
             <a:r>
@@ -3118,28 +5847,40 @@
       </p:sp>
       <p:sp>
         <p:nvSpPr>
-          <p:cNvPr id="74" name=""/>
-          <p:cNvSpPr txBox="1"/>
+          <p:cNvPr id="115" name=""/>
+          <p:cNvSpPr/>
           <p:nvPr/>
         </p:nvSpPr>
         <p:spPr>
           <a:xfrm>
             <a:off x="2057400" y="1884960"/>
-            <a:ext cx="8458200" cy="1626120"/>
-          </a:xfrm>
-          <a:prstGeom prst="rect">
-            <a:avLst/>
-          </a:prstGeom>
-          <a:noFill/>
-          <a:ln w="0">
-            <a:noFill/>
-          </a:ln>
-        </p:spPr>
+            <a:ext cx="8457840" cy="1625760"/>
+          </a:xfrm>
+          <a:prstGeom prst="rect">
+            <a:avLst/>
+          </a:prstGeom>
+          <a:noFill/>
+          <a:ln w="0">
+            <a:noFill/>
+          </a:ln>
+        </p:spPr>
+        <p:style>
+          <a:lnRef idx="0"/>
+          <a:fillRef idx="0"/>
+          <a:effectRef idx="0"/>
+          <a:fontRef idx="minor"/>
+        </p:style>
         <p:txBody>
           <a:bodyPr lIns="90000" rIns="90000" tIns="45000" bIns="45000" anchor="t">
             <a:noAutofit/>
           </a:bodyPr>
           <a:p>
+            <a:pPr>
+              <a:lnSpc>
+                <a:spcPct val="100000"/>
+              </a:lnSpc>
+              <a:buNone/>
+            </a:pPr>
             <a:r>
               <a:rPr b="0" lang="en-US" sz="1800" spc="-1" strike="noStrike">
                 <a:latin typeface="Arial"/>
@@ -3151,6 +5892,12 @@
             </a:endParaRPr>
           </a:p>
           <a:p>
+            <a:pPr>
+              <a:lnSpc>
+                <a:spcPct val="100000"/>
+              </a:lnSpc>
+              <a:buNone/>
+            </a:pPr>
             <a:r>
               <a:rPr b="0" lang="en-US" sz="1800" spc="-1" strike="noStrike">
                 <a:latin typeface="Arial"/>
@@ -3162,6 +5909,12 @@
             </a:endParaRPr>
           </a:p>
           <a:p>
+            <a:pPr>
+              <a:lnSpc>
+                <a:spcPct val="100000"/>
+              </a:lnSpc>
+              <a:buNone/>
+            </a:pPr>
             <a:r>
               <a:rPr b="0" lang="en-US" sz="1800" spc="-1" strike="noStrike">
                 <a:latin typeface="Arial"/>
@@ -3173,11 +5926,23 @@
             </a:endParaRPr>
           </a:p>
           <a:p>
+            <a:pPr>
+              <a:lnSpc>
+                <a:spcPct val="100000"/>
+              </a:lnSpc>
+              <a:buNone/>
+            </a:pPr>
             <a:endParaRPr b="0" lang="en-US" sz="1800" spc="-1" strike="noStrike">
               <a:latin typeface="Arial"/>
             </a:endParaRPr>
           </a:p>
           <a:p>
+            <a:pPr>
+              <a:lnSpc>
+                <a:spcPct val="100000"/>
+              </a:lnSpc>
+              <a:buNone/>
+            </a:pPr>
             <a:r>
               <a:rPr b="0" lang="en-US" sz="1800" spc="-1" strike="noStrike">
                 <a:latin typeface="Arial"/>
@@ -3189,6 +5954,12 @@
             </a:endParaRPr>
           </a:p>
           <a:p>
+            <a:pPr>
+              <a:lnSpc>
+                <a:spcPct val="100000"/>
+              </a:lnSpc>
+              <a:buNone/>
+            </a:pPr>
             <a:endParaRPr b="0" lang="en-US" sz="1800" spc="-1" strike="noStrike">
               <a:latin typeface="Arial"/>
             </a:endParaRPr>
@@ -3227,7 +5998,7 @@
       </p:grpSpPr>
       <p:pic>
         <p:nvPicPr>
-          <p:cNvPr id="75" name="" descr=""/>
+          <p:cNvPr id="116" name="" descr=""/>
           <p:cNvPicPr/>
           <p:nvPr/>
         </p:nvPicPr>
@@ -3238,7 +6009,7 @@
         <p:spPr>
           <a:xfrm>
             <a:off x="895680" y="457200"/>
-            <a:ext cx="7333920" cy="4476240"/>
+            <a:ext cx="7333560" cy="4475880"/>
           </a:xfrm>
           <a:prstGeom prst="rect">
             <a:avLst/>
@@ -3280,7 +6051,7 @@
       </p:grpSpPr>
       <p:sp>
         <p:nvSpPr>
-          <p:cNvPr id="76" name="PlaceHolder 1"/>
+          <p:cNvPr id="117" name="PlaceHolder 1"/>
           <p:cNvSpPr>
             <a:spLocks noGrp="1"/>
           </p:cNvSpPr>
@@ -3291,7 +6062,7 @@
         <p:spPr>
           <a:xfrm>
             <a:off x="504000" y="226080"/>
-            <a:ext cx="9071640" cy="946440"/>
+            <a:ext cx="9071280" cy="946080"/>
           </a:xfrm>
           <a:prstGeom prst="rect">
             <a:avLst/>
@@ -3307,6 +6078,9 @@
           </a:bodyPr>
           <a:p>
             <a:pPr algn="ctr">
+              <a:lnSpc>
+                <a:spcPct val="100000"/>
+              </a:lnSpc>
               <a:buNone/>
             </a:pPr>
             <a:r>
@@ -3323,7 +6097,7 @@
       </p:sp>
       <p:sp>
         <p:nvSpPr>
-          <p:cNvPr id="77" name="PlaceHolder 2"/>
+          <p:cNvPr id="118" name="PlaceHolder 2"/>
           <p:cNvSpPr>
             <a:spLocks noGrp="1"/>
           </p:cNvSpPr>
@@ -3334,7 +6108,7 @@
         <p:spPr>
           <a:xfrm>
             <a:off x="4338000" y="2514600"/>
-            <a:ext cx="2062800" cy="2286000"/>
+            <a:ext cx="2062440" cy="2285640"/>
           </a:xfrm>
           <a:prstGeom prst="rect">
             <a:avLst/>
@@ -3349,10 +6123,13 @@
         </p:spPr>
         <p:txBody>
           <a:bodyPr lIns="0" rIns="0" tIns="0" bIns="0" anchor="t">
-            <a:normAutofit/>
+            <a:normAutofit fontScale="98000"/>
           </a:bodyPr>
           <a:p>
             <a:pPr marL="432000" indent="-324000">
+              <a:lnSpc>
+                <a:spcPct val="100000"/>
+              </a:lnSpc>
               <a:spcBef>
                 <a:spcPts val="1417"/>
               </a:spcBef>
@@ -3375,6 +6152,9 @@
           </a:p>
           <a:p>
             <a:pPr marL="432000" indent="-324000">
+              <a:lnSpc>
+                <a:spcPct val="100000"/>
+              </a:lnSpc>
               <a:spcBef>
                 <a:spcPts val="1417"/>
               </a:spcBef>
@@ -3403,6 +6183,9 @@
           </a:p>
           <a:p>
             <a:pPr marL="432000" indent="-324000">
+              <a:lnSpc>
+                <a:spcPct val="100000"/>
+              </a:lnSpc>
               <a:spcBef>
                 <a:spcPts val="1417"/>
               </a:spcBef>
@@ -3431,6 +6214,9 @@
           </a:p>
           <a:p>
             <a:pPr marL="432000" indent="-324000">
+              <a:lnSpc>
+                <a:spcPct val="100000"/>
+              </a:lnSpc>
               <a:spcBef>
                 <a:spcPts val="1417"/>
               </a:spcBef>
@@ -3459,6 +6245,9 @@
           </a:p>
           <a:p>
             <a:pPr marL="432000" indent="-324000">
+              <a:lnSpc>
+                <a:spcPct val="100000"/>
+              </a:lnSpc>
               <a:spcBef>
                 <a:spcPts val="1417"/>
               </a:spcBef>
@@ -3483,7 +6272,7 @@
       </p:sp>
       <p:pic>
         <p:nvPicPr>
-          <p:cNvPr id="78" name="" descr=""/>
+          <p:cNvPr id="119" name="" descr=""/>
           <p:cNvPicPr/>
           <p:nvPr/>
         </p:nvPicPr>
@@ -3494,7 +6283,7 @@
         <p:spPr>
           <a:xfrm>
             <a:off x="273960" y="1371600"/>
-            <a:ext cx="2012040" cy="2469240"/>
+            <a:ext cx="2011680" cy="2468880"/>
           </a:xfrm>
           <a:prstGeom prst="rect">
             <a:avLst/>
@@ -3506,28 +6295,40 @@
       </p:pic>
       <p:sp>
         <p:nvSpPr>
-          <p:cNvPr id="79" name=""/>
-          <p:cNvSpPr txBox="1"/>
+          <p:cNvPr id="120" name=""/>
+          <p:cNvSpPr/>
           <p:nvPr/>
         </p:nvSpPr>
         <p:spPr>
           <a:xfrm>
             <a:off x="273960" y="3840840"/>
-            <a:ext cx="2926440" cy="602280"/>
-          </a:xfrm>
-          <a:prstGeom prst="rect">
-            <a:avLst/>
-          </a:prstGeom>
-          <a:noFill/>
-          <a:ln w="0">
-            <a:noFill/>
-          </a:ln>
-        </p:spPr>
+            <a:ext cx="2926080" cy="601920"/>
+          </a:xfrm>
+          <a:prstGeom prst="rect">
+            <a:avLst/>
+          </a:prstGeom>
+          <a:noFill/>
+          <a:ln w="0">
+            <a:noFill/>
+          </a:ln>
+        </p:spPr>
+        <p:style>
+          <a:lnRef idx="0"/>
+          <a:fillRef idx="0"/>
+          <a:effectRef idx="0"/>
+          <a:fontRef idx="minor"/>
+        </p:style>
         <p:txBody>
           <a:bodyPr lIns="90000" rIns="90000" tIns="45000" bIns="45000" anchor="t">
             <a:noAutofit/>
           </a:bodyPr>
           <a:p>
+            <a:pPr>
+              <a:lnSpc>
+                <a:spcPct val="100000"/>
+              </a:lnSpc>
+              <a:buNone/>
+            </a:pPr>
             <a:r>
               <a:rPr b="0" lang="en-US" sz="1800" spc="-1" strike="noStrike">
                 <a:latin typeface="Arial"/>
@@ -3548,28 +6349,40 @@
       </p:sp>
       <p:sp>
         <p:nvSpPr>
-          <p:cNvPr id="80" name=""/>
-          <p:cNvSpPr txBox="1"/>
+          <p:cNvPr id="121" name=""/>
+          <p:cNvSpPr/>
           <p:nvPr/>
         </p:nvSpPr>
         <p:spPr>
           <a:xfrm>
             <a:off x="4083840" y="1257120"/>
-            <a:ext cx="2971800" cy="1114200"/>
-          </a:xfrm>
-          <a:prstGeom prst="rect">
-            <a:avLst/>
-          </a:prstGeom>
-          <a:noFill/>
-          <a:ln w="0">
-            <a:noFill/>
-          </a:ln>
-        </p:spPr>
+            <a:ext cx="2971440" cy="1113840"/>
+          </a:xfrm>
+          <a:prstGeom prst="rect">
+            <a:avLst/>
+          </a:prstGeom>
+          <a:noFill/>
+          <a:ln w="0">
+            <a:noFill/>
+          </a:ln>
+        </p:spPr>
+        <p:style>
+          <a:lnRef idx="0"/>
+          <a:fillRef idx="0"/>
+          <a:effectRef idx="0"/>
+          <a:fontRef idx="minor"/>
+        </p:style>
         <p:txBody>
           <a:bodyPr lIns="90000" rIns="90000" tIns="45000" bIns="45000" anchor="t">
             <a:noAutofit/>
           </a:bodyPr>
           <a:p>
+            <a:pPr>
+              <a:lnSpc>
+                <a:spcPct val="100000"/>
+              </a:lnSpc>
+              <a:buNone/>
+            </a:pPr>
             <a:r>
               <a:rPr b="0" lang="en-US" sz="1800" spc="-1" strike="noStrike">
                 <a:latin typeface="Arial"/>
@@ -3626,7 +6439,7 @@
       </p:grpSpPr>
       <p:sp>
         <p:nvSpPr>
-          <p:cNvPr id="81" name="PlaceHolder 1"/>
+          <p:cNvPr id="122" name="PlaceHolder 1"/>
           <p:cNvSpPr>
             <a:spLocks noGrp="1"/>
           </p:cNvSpPr>
@@ -3637,7 +6450,7 @@
         <p:spPr>
           <a:xfrm>
             <a:off x="952560" y="40680"/>
-            <a:ext cx="7725600" cy="625320"/>
+            <a:ext cx="7725240" cy="624960"/>
           </a:xfrm>
           <a:prstGeom prst="rect">
             <a:avLst/>
@@ -3653,6 +6466,9 @@
           </a:bodyPr>
           <a:p>
             <a:pPr algn="ctr">
+              <a:lnSpc>
+                <a:spcPct val="100000"/>
+              </a:lnSpc>
               <a:buNone/>
             </a:pPr>
             <a:r>
@@ -3669,7 +6485,7 @@
       </p:sp>
       <p:pic>
         <p:nvPicPr>
-          <p:cNvPr id="82" name="" descr=""/>
+          <p:cNvPr id="123" name="" descr=""/>
           <p:cNvPicPr/>
           <p:nvPr/>
         </p:nvPicPr>
@@ -3680,7 +6496,7 @@
         <p:spPr>
           <a:xfrm>
             <a:off x="1828800" y="727200"/>
-            <a:ext cx="6629400" cy="4942800"/>
+            <a:ext cx="6629040" cy="4942440"/>
           </a:xfrm>
           <a:prstGeom prst="rect">
             <a:avLst/>
@@ -3692,14 +6508,14 @@
       </p:pic>
       <p:sp>
         <p:nvSpPr>
-          <p:cNvPr id="83" name=""/>
+          <p:cNvPr id="124" name=""/>
           <p:cNvSpPr/>
           <p:nvPr/>
         </p:nvSpPr>
         <p:spPr>
           <a:xfrm>
             <a:off x="2514600" y="1828800"/>
-            <a:ext cx="228600" cy="457200"/>
+            <a:ext cx="228240" cy="456840"/>
           </a:xfrm>
           <a:custGeom>
             <a:avLst/>
@@ -3747,7 +6563,7 @@
       </p:sp>
       <p:sp>
         <p:nvSpPr>
-          <p:cNvPr id="84" name="PlaceHolder 2"/>
+          <p:cNvPr id="125" name="PlaceHolder 2"/>
           <p:cNvSpPr>
             <a:spLocks noGrp="1"/>
           </p:cNvSpPr>
@@ -3758,7 +6574,7 @@
         <p:spPr>
           <a:xfrm>
             <a:off x="1371600" y="2286000"/>
-            <a:ext cx="3886200" cy="685800"/>
+            <a:ext cx="3885840" cy="685440"/>
           </a:xfrm>
           <a:prstGeom prst="rect">
             <a:avLst/>
@@ -3776,6 +6592,9 @@
           </a:bodyPr>
           <a:p>
             <a:pPr marL="432000" indent="-324000">
+              <a:lnSpc>
+                <a:spcPct val="100000"/>
+              </a:lnSpc>
               <a:spcBef>
                 <a:spcPts val="1417"/>
               </a:spcBef>
@@ -3842,7 +6661,7 @@
       </p:grpSpPr>
       <p:pic>
         <p:nvPicPr>
-          <p:cNvPr id="85" name="" descr=""/>
+          <p:cNvPr id="126" name="" descr=""/>
           <p:cNvPicPr/>
           <p:nvPr/>
         </p:nvPicPr>
@@ -3853,7 +6672,7 @@
         <p:spPr>
           <a:xfrm>
             <a:off x="4800600" y="0"/>
-            <a:ext cx="4762080" cy="5400360"/>
+            <a:ext cx="4761720" cy="5400000"/>
           </a:xfrm>
           <a:prstGeom prst="rect">
             <a:avLst/>
@@ -3863,78 +6682,34 @@
           </a:ln>
         </p:spPr>
       </p:pic>
-      <p:cxnSp>
-        <p:nvCxnSpPr>
-          <p:cNvPr id="86" name=""/>
-          <p:cNvCxnSpPr/>
-          <p:nvPr/>
-        </p:nvCxnSpPr>
-        <p:spPr>
-          <a:xfrm flipV="1">
-            <a:off x="3670200" y="457200"/>
-            <a:ext cx="1587960" cy="6120"/>
-          </a:xfrm>
-          <a:prstGeom prst="straightConnector1">
-            <a:avLst/>
-          </a:prstGeom>
-          <a:ln w="0">
-            <a:noFill/>
-          </a:ln>
-        </p:spPr>
-      </p:cxnSp>
-      <p:sp>
-        <p:nvSpPr>
-          <p:cNvPr id="87" name=""/>
-          <p:cNvSpPr txBox="1"/>
-          <p:nvPr/>
-        </p:nvSpPr>
-        <p:spPr>
-          <a:xfrm>
-            <a:off x="685800" y="228600"/>
-            <a:ext cx="2971800" cy="274680"/>
-          </a:xfrm>
-          <a:prstGeom prst="rect">
-            <a:avLst/>
-          </a:prstGeom>
-          <a:noFill/>
-          <a:ln w="0">
-            <a:solidFill>
-              <a:srgbClr val="000000"/>
-            </a:solidFill>
-            <a:prstDash val="sysDot"/>
-          </a:ln>
-        </p:spPr>
-        <p:txBody>
-          <a:bodyPr lIns="90000" rIns="90000" tIns="45000" bIns="45000" anchor="t">
-            <a:noAutofit/>
-          </a:bodyPr>
-          <a:p>
-            <a:r>
-              <a:rPr b="0" lang="en-US" sz="1300" spc="-1" strike="noStrike">
-                <a:latin typeface="Arial"/>
-              </a:rPr>
-              <a:t>Name of Template Playload for device</a:t>
-            </a:r>
-            <a:endParaRPr b="0" lang="en-US" sz="1300" spc="-1" strike="noStrike">
-              <a:latin typeface="Arial"/>
-            </a:endParaRPr>
-          </a:p>
-        </p:txBody>
-      </p:sp>
-      <p:sp>
-        <p:nvSpPr>
-          <p:cNvPr id="88" name=""/>
+      <p:sp>
+        <p:nvSpPr>
+          <p:cNvPr id="127" name=""/>
           <p:cNvSpPr/>
           <p:nvPr/>
         </p:nvSpPr>
         <p:spPr>
-          <a:xfrm>
-            <a:off x="3657600" y="1371600"/>
-            <a:ext cx="1828800" cy="0"/>
-          </a:xfrm>
-          <a:prstGeom prst="line">
-            <a:avLst/>
-          </a:prstGeom>
+          <a:xfrm flipV="1">
+            <a:off x="3670200" y="456840"/>
+            <a:ext cx="1587600" cy="5760"/>
+          </a:xfrm>
+          <a:custGeom>
+            <a:avLst/>
+            <a:gdLst/>
+            <a:ahLst/>
+            <a:rect l="l" t="t" r="r" b="b"/>
+            <a:pathLst>
+              <a:path w="21600" h="21600">
+                <a:moveTo>
+                  <a:pt x="0" y="0"/>
+                </a:moveTo>
+                <a:lnTo>
+                  <a:pt x="21600" y="21600"/>
+                </a:lnTo>
+              </a:path>
+            </a:pathLst>
+          </a:custGeom>
+          <a:noFill/>
           <a:ln w="0">
             <a:noFill/>
           </a:ln>
@@ -3948,14 +6723,14 @@
       </p:sp>
       <p:sp>
         <p:nvSpPr>
-          <p:cNvPr id="89" name=""/>
-          <p:cNvSpPr txBox="1"/>
+          <p:cNvPr id="128" name=""/>
+          <p:cNvSpPr/>
           <p:nvPr/>
         </p:nvSpPr>
         <p:spPr>
           <a:xfrm>
-            <a:off x="457200" y="1043280"/>
-            <a:ext cx="3200400" cy="556920"/>
+            <a:off x="685800" y="228600"/>
+            <a:ext cx="2971440" cy="274320"/>
           </a:xfrm>
           <a:prstGeom prst="rect">
             <a:avLst/>
@@ -3966,41 +6741,6 @@
               <a:srgbClr val="000000"/>
             </a:solidFill>
             <a:prstDash val="sysDot"/>
-          </a:ln>
-        </p:spPr>
-        <p:txBody>
-          <a:bodyPr lIns="90000" rIns="90000" tIns="45000" bIns="45000" anchor="t">
-            <a:noAutofit/>
-          </a:bodyPr>
-          <a:p>
-            <a:r>
-              <a:rPr b="0" lang="en-US" sz="1100" spc="-1" strike="noStrike">
-                <a:latin typeface="Arial"/>
-              </a:rPr>
-              <a:t>Click “Add Bacnet Object ” to add bacnet Object field</a:t>
-            </a:r>
-            <a:endParaRPr b="0" lang="en-US" sz="1100" spc="-1" strike="noStrike">
-              <a:latin typeface="Arial"/>
-            </a:endParaRPr>
-          </a:p>
-        </p:txBody>
-      </p:sp>
-      <p:sp>
-        <p:nvSpPr>
-          <p:cNvPr id="90" name=""/>
-          <p:cNvSpPr/>
-          <p:nvPr/>
-        </p:nvSpPr>
-        <p:spPr>
-          <a:xfrm>
-            <a:off x="3657600" y="1600200"/>
-            <a:ext cx="1828800" cy="914400"/>
-          </a:xfrm>
-          <a:prstGeom prst="line">
-            <a:avLst/>
-          </a:prstGeom>
-          <a:ln w="0">
-            <a:noFill/>
           </a:ln>
         </p:spPr>
         <p:style>
@@ -4009,67 +6749,214 @@
           <a:effectRef idx="0"/>
           <a:fontRef idx="minor"/>
         </p:style>
-      </p:sp>
-      <p:sp>
-        <p:nvSpPr>
-          <p:cNvPr id="91" name=""/>
-          <p:cNvSpPr txBox="1"/>
-          <p:nvPr/>
-        </p:nvSpPr>
-        <p:spPr>
-          <a:xfrm>
-            <a:off x="3886200" y="914400"/>
-            <a:ext cx="914400" cy="457200"/>
-          </a:xfrm>
-          <a:prstGeom prst="rect">
-            <a:avLst/>
-          </a:prstGeom>
-          <a:noFill/>
-          <a:ln w="0">
-            <a:noFill/>
-          </a:ln>
-        </p:spPr>
         <p:txBody>
           <a:bodyPr lIns="90000" rIns="90000" tIns="45000" bIns="45000" anchor="t">
             <a:noAutofit/>
           </a:bodyPr>
           <a:p>
-            <a:r>
-              <a:rPr b="0" lang="en-US" sz="1800" spc="-1" strike="noStrike">
-                <a:latin typeface="Arial"/>
-              </a:rPr>
-              <a:t>1. click</a:t>
-            </a:r>
-            <a:endParaRPr b="0" lang="en-US" sz="1800" spc="-1" strike="noStrike">
-              <a:latin typeface="Arial"/>
-            </a:endParaRPr>
-          </a:p>
-        </p:txBody>
-      </p:sp>
-      <p:sp>
-        <p:nvSpPr>
-          <p:cNvPr id="92" name=""/>
-          <p:cNvSpPr txBox="1"/>
+            <a:pPr>
+              <a:lnSpc>
+                <a:spcPct val="100000"/>
+              </a:lnSpc>
+              <a:buNone/>
+            </a:pPr>
+            <a:r>
+              <a:rPr b="0" lang="en-US" sz="1300" spc="-1" strike="noStrike">
+                <a:latin typeface="Arial"/>
+              </a:rPr>
+              <a:t>Name of Template Playload for device</a:t>
+            </a:r>
+            <a:endParaRPr b="0" lang="en-US" sz="1300" spc="-1" strike="noStrike">
+              <a:latin typeface="Arial"/>
+            </a:endParaRPr>
+          </a:p>
+        </p:txBody>
+      </p:sp>
+      <p:sp>
+        <p:nvSpPr>
+          <p:cNvPr id="129" name=""/>
+          <p:cNvSpPr/>
           <p:nvPr/>
         </p:nvSpPr>
         <p:spPr>
           <a:xfrm>
-            <a:off x="4114800" y="1629000"/>
-            <a:ext cx="1828800" cy="428400"/>
-          </a:xfrm>
-          <a:prstGeom prst="rect">
-            <a:avLst/>
-          </a:prstGeom>
-          <a:noFill/>
-          <a:ln w="0">
-            <a:noFill/>
-          </a:ln>
-        </p:spPr>
+            <a:off x="3657600" y="1371600"/>
+            <a:ext cx="1828800" cy="360"/>
+          </a:xfrm>
+          <a:prstGeom prst="line">
+            <a:avLst/>
+          </a:prstGeom>
+          <a:ln w="0">
+            <a:noFill/>
+          </a:ln>
+        </p:spPr>
+        <p:style>
+          <a:lnRef idx="0"/>
+          <a:fillRef idx="0"/>
+          <a:effectRef idx="0"/>
+          <a:fontRef idx="minor"/>
+        </p:style>
+      </p:sp>
+      <p:sp>
+        <p:nvSpPr>
+          <p:cNvPr id="130" name=""/>
+          <p:cNvSpPr/>
+          <p:nvPr/>
+        </p:nvSpPr>
+        <p:spPr>
+          <a:xfrm>
+            <a:off x="457200" y="1043280"/>
+            <a:ext cx="3200040" cy="556560"/>
+          </a:xfrm>
+          <a:prstGeom prst="rect">
+            <a:avLst/>
+          </a:prstGeom>
+          <a:noFill/>
+          <a:ln w="0">
+            <a:solidFill>
+              <a:srgbClr val="000000"/>
+            </a:solidFill>
+            <a:prstDash val="sysDot"/>
+          </a:ln>
+        </p:spPr>
+        <p:style>
+          <a:lnRef idx="0"/>
+          <a:fillRef idx="0"/>
+          <a:effectRef idx="0"/>
+          <a:fontRef idx="minor"/>
+        </p:style>
         <p:txBody>
           <a:bodyPr lIns="90000" rIns="90000" tIns="45000" bIns="45000" anchor="t">
             <a:noAutofit/>
           </a:bodyPr>
           <a:p>
+            <a:pPr>
+              <a:lnSpc>
+                <a:spcPct val="100000"/>
+              </a:lnSpc>
+              <a:buNone/>
+            </a:pPr>
+            <a:r>
+              <a:rPr b="0" lang="en-US" sz="1100" spc="-1" strike="noStrike">
+                <a:latin typeface="Arial"/>
+              </a:rPr>
+              <a:t>Click “Add Bacnet Object ” to add bacnet Object field</a:t>
+            </a:r>
+            <a:endParaRPr b="0" lang="en-US" sz="1100" spc="-1" strike="noStrike">
+              <a:latin typeface="Arial"/>
+            </a:endParaRPr>
+          </a:p>
+        </p:txBody>
+      </p:sp>
+      <p:sp>
+        <p:nvSpPr>
+          <p:cNvPr id="131" name=""/>
+          <p:cNvSpPr/>
+          <p:nvPr/>
+        </p:nvSpPr>
+        <p:spPr>
+          <a:xfrm>
+            <a:off x="3657600" y="1600200"/>
+            <a:ext cx="1828800" cy="914400"/>
+          </a:xfrm>
+          <a:prstGeom prst="line">
+            <a:avLst/>
+          </a:prstGeom>
+          <a:ln w="0">
+            <a:noFill/>
+          </a:ln>
+        </p:spPr>
+        <p:style>
+          <a:lnRef idx="0"/>
+          <a:fillRef idx="0"/>
+          <a:effectRef idx="0"/>
+          <a:fontRef idx="minor"/>
+        </p:style>
+      </p:sp>
+      <p:sp>
+        <p:nvSpPr>
+          <p:cNvPr id="132" name=""/>
+          <p:cNvSpPr/>
+          <p:nvPr/>
+        </p:nvSpPr>
+        <p:spPr>
+          <a:xfrm>
+            <a:off x="3886200" y="914400"/>
+            <a:ext cx="914040" cy="456840"/>
+          </a:xfrm>
+          <a:prstGeom prst="rect">
+            <a:avLst/>
+          </a:prstGeom>
+          <a:noFill/>
+          <a:ln w="0">
+            <a:noFill/>
+          </a:ln>
+        </p:spPr>
+        <p:style>
+          <a:lnRef idx="0"/>
+          <a:fillRef idx="0"/>
+          <a:effectRef idx="0"/>
+          <a:fontRef idx="minor"/>
+        </p:style>
+        <p:txBody>
+          <a:bodyPr lIns="90000" rIns="90000" tIns="45000" bIns="45000" anchor="t">
+            <a:noAutofit/>
+          </a:bodyPr>
+          <a:p>
+            <a:pPr>
+              <a:lnSpc>
+                <a:spcPct val="100000"/>
+              </a:lnSpc>
+              <a:buNone/>
+            </a:pPr>
+            <a:r>
+              <a:rPr b="0" lang="en-US" sz="1800" spc="-1" strike="noStrike">
+                <a:latin typeface="Arial"/>
+              </a:rPr>
+              <a:t>1. click</a:t>
+            </a:r>
+            <a:endParaRPr b="0" lang="en-US" sz="1800" spc="-1" strike="noStrike">
+              <a:latin typeface="Arial"/>
+            </a:endParaRPr>
+          </a:p>
+        </p:txBody>
+      </p:sp>
+      <p:sp>
+        <p:nvSpPr>
+          <p:cNvPr id="133" name=""/>
+          <p:cNvSpPr/>
+          <p:nvPr/>
+        </p:nvSpPr>
+        <p:spPr>
+          <a:xfrm>
+            <a:off x="4114800" y="1629000"/>
+            <a:ext cx="1828440" cy="428040"/>
+          </a:xfrm>
+          <a:prstGeom prst="rect">
+            <a:avLst/>
+          </a:prstGeom>
+          <a:noFill/>
+          <a:ln w="0">
+            <a:noFill/>
+          </a:ln>
+        </p:spPr>
+        <p:style>
+          <a:lnRef idx="0"/>
+          <a:fillRef idx="0"/>
+          <a:effectRef idx="0"/>
+          <a:fontRef idx="minor"/>
+        </p:style>
+        <p:txBody>
+          <a:bodyPr lIns="90000" rIns="90000" tIns="45000" bIns="45000" anchor="t">
+            <a:noAutofit/>
+          </a:bodyPr>
+          <a:p>
+            <a:pPr>
+              <a:lnSpc>
+                <a:spcPct val="100000"/>
+              </a:lnSpc>
+              <a:buNone/>
+            </a:pPr>
             <a:r>
               <a:rPr b="0" lang="en-US" sz="1400" spc="-1" strike="noStrike">
                 <a:latin typeface="Arial"/>
@@ -4114,7 +7001,7 @@
       </p:grpSpPr>
       <p:pic>
         <p:nvPicPr>
-          <p:cNvPr id="93" name="" descr=""/>
+          <p:cNvPr id="134" name="" descr=""/>
           <p:cNvPicPr/>
           <p:nvPr/>
         </p:nvPicPr>
@@ -4125,7 +7012,7 @@
         <p:spPr>
           <a:xfrm>
             <a:off x="5067720" y="914400"/>
-            <a:ext cx="4533480" cy="3200400"/>
+            <a:ext cx="4533120" cy="3200040"/>
           </a:xfrm>
           <a:prstGeom prst="rect">
             <a:avLst/>
@@ -4137,7 +7024,7 @@
       </p:pic>
       <p:sp>
         <p:nvSpPr>
-          <p:cNvPr id="94" name="PlaceHolder 1"/>
+          <p:cNvPr id="135" name="PlaceHolder 1"/>
           <p:cNvSpPr>
             <a:spLocks noGrp="1"/>
           </p:cNvSpPr>
@@ -4148,7 +7035,7 @@
         <p:spPr>
           <a:xfrm>
             <a:off x="457200" y="1371600"/>
-            <a:ext cx="2062800" cy="2286000"/>
+            <a:ext cx="2062440" cy="2285640"/>
           </a:xfrm>
           <a:prstGeom prst="rect">
             <a:avLst/>
@@ -4163,10 +7050,13 @@
         </p:spPr>
         <p:txBody>
           <a:bodyPr lIns="0" rIns="0" tIns="0" bIns="0" anchor="t">
-            <a:normAutofit/>
+            <a:normAutofit fontScale="98000"/>
           </a:bodyPr>
           <a:p>
             <a:pPr marL="432000" indent="-324000">
+              <a:lnSpc>
+                <a:spcPct val="100000"/>
+              </a:lnSpc>
               <a:spcBef>
                 <a:spcPts val="1417"/>
               </a:spcBef>
@@ -4189,6 +7079,9 @@
           </a:p>
           <a:p>
             <a:pPr marL="432000" indent="-324000">
+              <a:lnSpc>
+                <a:spcPct val="100000"/>
+              </a:lnSpc>
               <a:spcBef>
                 <a:spcPts val="1417"/>
               </a:spcBef>
@@ -4217,6 +7110,9 @@
           </a:p>
           <a:p>
             <a:pPr marL="432000" indent="-324000">
+              <a:lnSpc>
+                <a:spcPct val="100000"/>
+              </a:lnSpc>
               <a:spcBef>
                 <a:spcPts val="1417"/>
               </a:spcBef>
@@ -4245,6 +7141,9 @@
           </a:p>
           <a:p>
             <a:pPr marL="432000" indent="-324000">
+              <a:lnSpc>
+                <a:spcPct val="100000"/>
+              </a:lnSpc>
               <a:spcBef>
                 <a:spcPts val="1417"/>
               </a:spcBef>
@@ -4273,6 +7172,9 @@
           </a:p>
           <a:p>
             <a:pPr marL="432000" indent="-324000">
+              <a:lnSpc>
+                <a:spcPct val="100000"/>
+              </a:lnSpc>
               <a:spcBef>
                 <a:spcPts val="1417"/>
               </a:spcBef>
@@ -4297,14 +7199,14 @@
       </p:sp>
       <p:sp>
         <p:nvSpPr>
-          <p:cNvPr id="95" name=""/>
+          <p:cNvPr id="136" name=""/>
           <p:cNvSpPr/>
           <p:nvPr/>
         </p:nvSpPr>
         <p:spPr>
           <a:xfrm>
             <a:off x="2286000" y="2057400"/>
-            <a:ext cx="3200400" cy="0"/>
+            <a:ext cx="3200400" cy="360"/>
           </a:xfrm>
           <a:prstGeom prst="line">
             <a:avLst/>
@@ -4322,14 +7224,14 @@
       </p:sp>
       <p:sp>
         <p:nvSpPr>
-          <p:cNvPr id="96" name=""/>
+          <p:cNvPr id="137" name=""/>
           <p:cNvSpPr/>
           <p:nvPr/>
         </p:nvSpPr>
         <p:spPr>
           <a:xfrm>
             <a:off x="2286000" y="2514600"/>
-            <a:ext cx="3200400" cy="0"/>
+            <a:ext cx="3200400" cy="360"/>
           </a:xfrm>
           <a:prstGeom prst="line">
             <a:avLst/>
@@ -4347,14 +7249,14 @@
       </p:sp>
       <p:sp>
         <p:nvSpPr>
-          <p:cNvPr id="97" name=""/>
+          <p:cNvPr id="138" name=""/>
           <p:cNvSpPr/>
           <p:nvPr/>
         </p:nvSpPr>
         <p:spPr>
           <a:xfrm>
             <a:off x="2286000" y="2971800"/>
-            <a:ext cx="3200400" cy="0"/>
+            <a:ext cx="3200400" cy="360"/>
           </a:xfrm>
           <a:prstGeom prst="line">
             <a:avLst/>
@@ -4372,124 +7274,19 @@
       </p:sp>
       <p:sp>
         <p:nvSpPr>
-          <p:cNvPr id="98" name=""/>
-          <p:cNvSpPr txBox="1"/>
-          <p:nvPr/>
-        </p:nvSpPr>
-        <p:spPr>
-          <a:xfrm>
-            <a:off x="685800" y="228600"/>
-            <a:ext cx="4572000" cy="1114200"/>
-          </a:xfrm>
-          <a:prstGeom prst="rect">
-            <a:avLst/>
-          </a:prstGeom>
-          <a:noFill/>
-          <a:ln w="0">
-            <a:noFill/>
-          </a:ln>
-        </p:spPr>
-        <p:txBody>
-          <a:bodyPr lIns="90000" rIns="90000" tIns="45000" bIns="45000" anchor="t">
-            <a:noAutofit/>
-          </a:bodyPr>
-          <a:p>
-            <a:r>
-              <a:rPr b="1" lang="en-US" sz="1800" spc="-1" strike="noStrike">
-                <a:latin typeface="Arial"/>
-              </a:rPr>
-              <a:t>Important Note: </a:t>
-            </a:r>
-            <a:r>
-              <a:rPr b="0" lang="en-US" sz="1800" spc="-1" strike="noStrike">
-                <a:latin typeface="Arial"/>
-              </a:rPr>
-              <a:t>make sure the API fields names match template field name!</a:t>
-            </a:r>
-            <a:endParaRPr b="0" lang="en-US" sz="1800" spc="-1" strike="noStrike">
-              <a:latin typeface="Arial"/>
-            </a:endParaRPr>
-          </a:p>
-        </p:txBody>
-      </p:sp>
-      <p:sp>
-        <p:nvSpPr>
-          <p:cNvPr id="99" name=""/>
-          <p:cNvSpPr txBox="1"/>
-          <p:nvPr/>
-        </p:nvSpPr>
-        <p:spPr>
-          <a:xfrm>
-            <a:off x="0" y="4372200"/>
-            <a:ext cx="7315200" cy="1114200"/>
-          </a:xfrm>
-          <a:prstGeom prst="rect">
-            <a:avLst/>
-          </a:prstGeom>
-          <a:noFill/>
-          <a:ln w="0">
-            <a:noFill/>
-          </a:ln>
-        </p:spPr>
-        <p:txBody>
-          <a:bodyPr lIns="90000" rIns="90000" tIns="45000" bIns="45000" anchor="t">
-            <a:noAutofit/>
-          </a:bodyPr>
-          <a:p>
-            <a:r>
-              <a:rPr b="0" lang="en-US" sz="1800" spc="-1" strike="noStrike">
-                <a:latin typeface="Arial"/>
-              </a:rPr>
-              <a:t>Analog Object,Analog Value,Analog Input – Use for Numeric Values</a:t>
-            </a:r>
-            <a:endParaRPr b="0" lang="en-US" sz="1800" spc="-1" strike="noStrike">
-              <a:latin typeface="Arial"/>
-            </a:endParaRPr>
-          </a:p>
-          <a:p>
-            <a:r>
-              <a:rPr b="0" lang="en-US" sz="1800" spc="-1" strike="noStrike">
-                <a:latin typeface="Arial"/>
-              </a:rPr>
-              <a:t> </a:t>
-            </a:r>
-            <a:endParaRPr b="0" lang="en-US" sz="1800" spc="-1" strike="noStrike">
-              <a:latin typeface="Arial"/>
-            </a:endParaRPr>
-          </a:p>
-          <a:p>
-            <a:pPr>
-              <a:lnSpc>
-                <a:spcPct val="100000"/>
-              </a:lnSpc>
-              <a:buNone/>
-            </a:pPr>
-            <a:r>
-              <a:rPr b="0" lang="en-US" sz="1800" spc="-1" strike="noStrike">
-                <a:latin typeface="Arial"/>
-              </a:rPr>
-              <a:t>Binary Object,Binary Value,Binary Input – Use for Binary Values </a:t>
-            </a:r>
-            <a:endParaRPr b="0" lang="en-US" sz="1800" spc="-1" strike="noStrike">
-              <a:latin typeface="Arial"/>
-            </a:endParaRPr>
-          </a:p>
-        </p:txBody>
-      </p:sp>
-      <p:sp>
-        <p:nvSpPr>
-          <p:cNvPr id="100" name=""/>
+          <p:cNvPr id="139" name=""/>
           <p:cNvSpPr/>
           <p:nvPr/>
         </p:nvSpPr>
         <p:spPr>
-          <a:xfrm flipH="1" flipV="1">
-            <a:off x="7543800" y="4114800"/>
-            <a:ext cx="228600" cy="228600"/>
-          </a:xfrm>
-          <a:prstGeom prst="line">
-            <a:avLst/>
-          </a:prstGeom>
+          <a:xfrm>
+            <a:off x="685800" y="228600"/>
+            <a:ext cx="4571640" cy="1113840"/>
+          </a:xfrm>
+          <a:prstGeom prst="rect">
+            <a:avLst/>
+          </a:prstGeom>
+          <a:noFill/>
           <a:ln w="0">
             <a:noFill/>
           </a:ln>
@@ -4500,35 +7297,182 @@
           <a:effectRef idx="0"/>
           <a:fontRef idx="minor"/>
         </p:style>
-      </p:sp>
-      <p:sp>
-        <p:nvSpPr>
-          <p:cNvPr id="101" name=""/>
-          <p:cNvSpPr txBox="1"/>
-          <p:nvPr/>
-        </p:nvSpPr>
-        <p:spPr>
-          <a:xfrm>
-            <a:off x="7772400" y="4343400"/>
-            <a:ext cx="2057400" cy="1882080"/>
-          </a:xfrm>
-          <a:prstGeom prst="rect">
-            <a:avLst/>
-          </a:prstGeom>
-          <a:noFill/>
-          <a:ln w="0">
-            <a:noFill/>
-          </a:ln>
-        </p:spPr>
         <p:txBody>
           <a:bodyPr lIns="90000" rIns="90000" tIns="45000" bIns="45000" anchor="t">
             <a:noAutofit/>
           </a:bodyPr>
           <a:p>
+            <a:pPr>
+              <a:lnSpc>
+                <a:spcPct val="100000"/>
+              </a:lnSpc>
+              <a:buNone/>
+            </a:pPr>
+            <a:r>
+              <a:rPr b="1" lang="en-US" sz="1800" spc="-1" strike="noStrike">
+                <a:latin typeface="Arial"/>
+              </a:rPr>
+              <a:t>Important Note: </a:t>
+            </a:r>
             <a:r>
               <a:rPr b="0" lang="en-US" sz="1800" spc="-1" strike="noStrike">
                 <a:latin typeface="Arial"/>
               </a:rPr>
+              <a:t>make sure the API fields names match template field name!</a:t>
+            </a:r>
+            <a:endParaRPr b="0" lang="en-US" sz="1800" spc="-1" strike="noStrike">
+              <a:latin typeface="Arial"/>
+            </a:endParaRPr>
+          </a:p>
+        </p:txBody>
+      </p:sp>
+      <p:sp>
+        <p:nvSpPr>
+          <p:cNvPr id="140" name=""/>
+          <p:cNvSpPr/>
+          <p:nvPr/>
+        </p:nvSpPr>
+        <p:spPr>
+          <a:xfrm>
+            <a:off x="0" y="4372200"/>
+            <a:ext cx="7314840" cy="1113840"/>
+          </a:xfrm>
+          <a:prstGeom prst="rect">
+            <a:avLst/>
+          </a:prstGeom>
+          <a:noFill/>
+          <a:ln w="0">
+            <a:noFill/>
+          </a:ln>
+        </p:spPr>
+        <p:style>
+          <a:lnRef idx="0"/>
+          <a:fillRef idx="0"/>
+          <a:effectRef idx="0"/>
+          <a:fontRef idx="minor"/>
+        </p:style>
+        <p:txBody>
+          <a:bodyPr lIns="90000" rIns="90000" tIns="45000" bIns="45000" anchor="t">
+            <a:noAutofit/>
+          </a:bodyPr>
+          <a:p>
+            <a:pPr>
+              <a:lnSpc>
+                <a:spcPct val="100000"/>
+              </a:lnSpc>
+              <a:buNone/>
+            </a:pPr>
+            <a:r>
+              <a:rPr b="0" lang="en-US" sz="1800" spc="-1" strike="noStrike">
+                <a:latin typeface="Arial"/>
+              </a:rPr>
+              <a:t>Analog Object,Analog Value,Analog Input – Use for Numeric Values</a:t>
+            </a:r>
+            <a:endParaRPr b="0" lang="en-US" sz="1800" spc="-1" strike="noStrike">
+              <a:latin typeface="Arial"/>
+            </a:endParaRPr>
+          </a:p>
+          <a:p>
+            <a:pPr>
+              <a:lnSpc>
+                <a:spcPct val="100000"/>
+              </a:lnSpc>
+              <a:buNone/>
+            </a:pPr>
+            <a:r>
+              <a:rPr b="0" lang="en-US" sz="1800" spc="-1" strike="noStrike">
+                <a:latin typeface="Arial"/>
+              </a:rPr>
+              <a:t> </a:t>
+            </a:r>
+            <a:endParaRPr b="0" lang="en-US" sz="1800" spc="-1" strike="noStrike">
+              <a:latin typeface="Arial"/>
+            </a:endParaRPr>
+          </a:p>
+          <a:p>
+            <a:pPr>
+              <a:lnSpc>
+                <a:spcPct val="100000"/>
+              </a:lnSpc>
+              <a:buNone/>
+            </a:pPr>
+            <a:r>
+              <a:rPr b="0" lang="en-US" sz="1800" spc="-1" strike="noStrike">
+                <a:latin typeface="Arial"/>
+              </a:rPr>
+              <a:t>Binary Object,Binary Value,Binary Input – Use for Binary Values </a:t>
+            </a:r>
+            <a:endParaRPr b="0" lang="en-US" sz="1800" spc="-1" strike="noStrike">
+              <a:latin typeface="Arial"/>
+            </a:endParaRPr>
+          </a:p>
+        </p:txBody>
+      </p:sp>
+      <p:sp>
+        <p:nvSpPr>
+          <p:cNvPr id="141" name=""/>
+          <p:cNvSpPr/>
+          <p:nvPr/>
+        </p:nvSpPr>
+        <p:spPr>
+          <a:xfrm flipH="1" flipV="1">
+            <a:off x="7543800" y="4114800"/>
+            <a:ext cx="228600" cy="228600"/>
+          </a:xfrm>
+          <a:prstGeom prst="line">
+            <a:avLst/>
+          </a:prstGeom>
+          <a:ln w="0">
+            <a:noFill/>
+          </a:ln>
+        </p:spPr>
+        <p:style>
+          <a:lnRef idx="0"/>
+          <a:fillRef idx="0"/>
+          <a:effectRef idx="0"/>
+          <a:fontRef idx="minor"/>
+        </p:style>
+      </p:sp>
+      <p:sp>
+        <p:nvSpPr>
+          <p:cNvPr id="142" name=""/>
+          <p:cNvSpPr/>
+          <p:nvPr/>
+        </p:nvSpPr>
+        <p:spPr>
+          <a:xfrm>
+            <a:off x="7772400" y="4343400"/>
+            <a:ext cx="2057040" cy="1881720"/>
+          </a:xfrm>
+          <a:prstGeom prst="rect">
+            <a:avLst/>
+          </a:prstGeom>
+          <a:noFill/>
+          <a:ln w="0">
+            <a:noFill/>
+          </a:ln>
+        </p:spPr>
+        <p:style>
+          <a:lnRef idx="0"/>
+          <a:fillRef idx="0"/>
+          <a:effectRef idx="0"/>
+          <a:fontRef idx="minor"/>
+        </p:style>
+        <p:txBody>
+          <a:bodyPr lIns="90000" rIns="90000" tIns="45000" bIns="45000" anchor="t">
+            <a:noAutofit/>
+          </a:bodyPr>
+          <a:p>
+            <a:pPr>
+              <a:lnSpc>
+                <a:spcPct val="100000"/>
+              </a:lnSpc>
+              <a:buNone/>
+            </a:pPr>
+            <a:r>
+              <a:rPr b="0" lang="en-US" sz="1800" spc="-1" strike="noStrike">
+                <a:latin typeface="Arial"/>
+              </a:rPr>
               <a:t>Click Submit after your done</a:t>
             </a:r>
             <a:endParaRPr b="0" lang="en-US" sz="1800" spc="-1" strike="noStrike">
@@ -4536,6 +7480,90 @@
             </a:endParaRPr>
           </a:p>
         </p:txBody>
+      </p:sp>
+      <p:sp>
+        <p:nvSpPr>
+          <p:cNvPr id="143" name=""/>
+          <p:cNvSpPr/>
+          <p:nvPr/>
+        </p:nvSpPr>
+        <p:spPr>
+          <a:xfrm>
+            <a:off x="2286000" y="2057760"/>
+            <a:ext cx="2971800" cy="0"/>
+          </a:xfrm>
+          <a:prstGeom prst="line">
+            <a:avLst/>
+          </a:prstGeom>
+          <a:ln w="0">
+            <a:solidFill>
+              <a:srgbClr val="3465a4"/>
+            </a:solidFill>
+            <a:tailEnd len="med" type="triangle" w="med"/>
+          </a:ln>
+        </p:spPr>
+        <p:style>
+          <a:lnRef idx="0"/>
+          <a:fillRef idx="0"/>
+          <a:effectRef idx="0"/>
+          <a:fontRef idx="minor"/>
+        </p:style>
+      </p:sp>
+      <p:sp>
+        <p:nvSpPr>
+          <p:cNvPr id="144" name=""/>
+          <p:cNvSpPr/>
+          <p:nvPr/>
+        </p:nvSpPr>
+        <p:spPr>
+          <a:xfrm>
+            <a:off x="2286000" y="2514600"/>
+            <a:ext cx="2971800" cy="0"/>
+          </a:xfrm>
+          <a:prstGeom prst="line">
+            <a:avLst/>
+          </a:prstGeom>
+          <a:ln w="0">
+            <a:solidFill>
+              <a:srgbClr val="3465a4"/>
+            </a:solidFill>
+            <a:tailEnd len="med" type="triangle" w="med"/>
+          </a:ln>
+        </p:spPr>
+        <p:style>
+          <a:lnRef idx="0"/>
+          <a:fillRef idx="0"/>
+          <a:effectRef idx="0"/>
+          <a:fontRef idx="minor"/>
+        </p:style>
+      </p:sp>
+      <p:sp>
+        <p:nvSpPr>
+          <p:cNvPr id="145" name=""/>
+          <p:cNvSpPr/>
+          <p:nvPr/>
+        </p:nvSpPr>
+        <p:spPr>
+          <a:xfrm>
+            <a:off x="2286000" y="3200400"/>
+            <a:ext cx="3200400" cy="0"/>
+          </a:xfrm>
+          <a:prstGeom prst="line">
+            <a:avLst/>
+          </a:prstGeom>
+          <a:ln w="0">
+            <a:solidFill>
+              <a:srgbClr val="3465a4"/>
+            </a:solidFill>
+            <a:tailEnd len="med" type="triangle" w="med"/>
+          </a:ln>
+        </p:spPr>
+        <p:style>
+          <a:lnRef idx="0"/>
+          <a:fillRef idx="0"/>
+          <a:effectRef idx="0"/>
+          <a:fontRef idx="minor"/>
+        </p:style>
       </p:sp>
     </p:spTree>
   </p:cSld>
@@ -4569,7 +7597,7 @@
       </p:grpSpPr>
       <p:pic>
         <p:nvPicPr>
-          <p:cNvPr id="102" name="" descr=""/>
+          <p:cNvPr id="146" name="" descr=""/>
           <p:cNvPicPr/>
           <p:nvPr/>
         </p:nvPicPr>
@@ -4580,7 +7608,7 @@
         <p:spPr>
           <a:xfrm>
             <a:off x="2134080" y="685800"/>
-            <a:ext cx="6781320" cy="5029200"/>
+            <a:ext cx="6780960" cy="5028840"/>
           </a:xfrm>
           <a:prstGeom prst="rect">
             <a:avLst/>
@@ -4592,28 +7620,40 @@
       </p:pic>
       <p:sp>
         <p:nvSpPr>
-          <p:cNvPr id="103" name=""/>
-          <p:cNvSpPr txBox="1"/>
+          <p:cNvPr id="147" name=""/>
+          <p:cNvSpPr/>
           <p:nvPr/>
         </p:nvSpPr>
         <p:spPr>
           <a:xfrm>
             <a:off x="685800" y="284760"/>
-            <a:ext cx="7086600" cy="858240"/>
-          </a:xfrm>
-          <a:prstGeom prst="rect">
-            <a:avLst/>
-          </a:prstGeom>
-          <a:noFill/>
-          <a:ln w="0">
-            <a:noFill/>
-          </a:ln>
-        </p:spPr>
+            <a:ext cx="7086240" cy="857880"/>
+          </a:xfrm>
+          <a:prstGeom prst="rect">
+            <a:avLst/>
+          </a:prstGeom>
+          <a:noFill/>
+          <a:ln w="0">
+            <a:noFill/>
+          </a:ln>
+        </p:spPr>
+        <p:style>
+          <a:lnRef idx="0"/>
+          <a:fillRef idx="0"/>
+          <a:effectRef idx="0"/>
+          <a:fontRef idx="minor"/>
+        </p:style>
         <p:txBody>
           <a:bodyPr lIns="90000" rIns="90000" tIns="45000" bIns="45000" anchor="t">
             <a:noAutofit/>
           </a:bodyPr>
           <a:p>
+            <a:pPr>
+              <a:lnSpc>
+                <a:spcPct val="100000"/>
+              </a:lnSpc>
+              <a:buNone/>
+            </a:pPr>
             <a:r>
               <a:rPr b="0" lang="en-US" sz="1800" spc="-1" strike="noStrike">
                 <a:latin typeface="Arial"/>
@@ -4658,7 +7698,7 @@
       </p:grpSpPr>
       <p:pic>
         <p:nvPicPr>
-          <p:cNvPr id="104" name="" descr=""/>
+          <p:cNvPr id="148" name="" descr=""/>
           <p:cNvPicPr/>
           <p:nvPr/>
         </p:nvPicPr>
@@ -4669,7 +7709,7 @@
         <p:spPr>
           <a:xfrm>
             <a:off x="4515120" y="228600"/>
-            <a:ext cx="4857480" cy="5029200"/>
+            <a:ext cx="4857120" cy="5028840"/>
           </a:xfrm>
           <a:prstGeom prst="rect">
             <a:avLst/>
@@ -4681,14 +7721,14 @@
       </p:pic>
       <p:sp>
         <p:nvSpPr>
-          <p:cNvPr id="105" name=""/>
+          <p:cNvPr id="149" name=""/>
           <p:cNvSpPr/>
           <p:nvPr/>
         </p:nvSpPr>
         <p:spPr>
           <a:xfrm>
             <a:off x="5257800" y="1600200"/>
-            <a:ext cx="228600" cy="457200"/>
+            <a:ext cx="228240" cy="456840"/>
           </a:xfrm>
           <a:custGeom>
             <a:avLst/>
@@ -4736,28 +7776,40 @@
       </p:sp>
       <p:sp>
         <p:nvSpPr>
-          <p:cNvPr id="106" name=""/>
-          <p:cNvSpPr txBox="1"/>
+          <p:cNvPr id="150" name=""/>
+          <p:cNvSpPr/>
           <p:nvPr/>
         </p:nvSpPr>
         <p:spPr>
           <a:xfrm>
             <a:off x="4553640" y="2086200"/>
-            <a:ext cx="3675960" cy="657000"/>
-          </a:xfrm>
-          <a:prstGeom prst="rect">
-            <a:avLst/>
-          </a:prstGeom>
-          <a:noFill/>
-          <a:ln w="0">
-            <a:noFill/>
-          </a:ln>
-        </p:spPr>
+            <a:ext cx="3675600" cy="656640"/>
+          </a:xfrm>
+          <a:prstGeom prst="rect">
+            <a:avLst/>
+          </a:prstGeom>
+          <a:noFill/>
+          <a:ln w="0">
+            <a:noFill/>
+          </a:ln>
+        </p:spPr>
+        <p:style>
+          <a:lnRef idx="0"/>
+          <a:fillRef idx="0"/>
+          <a:effectRef idx="0"/>
+          <a:fontRef idx="minor"/>
+        </p:style>
         <p:txBody>
           <a:bodyPr lIns="90000" rIns="90000" tIns="45000" bIns="45000" anchor="t">
             <a:noAutofit/>
           </a:bodyPr>
           <a:p>
+            <a:pPr>
+              <a:lnSpc>
+                <a:spcPct val="100000"/>
+              </a:lnSpc>
+              <a:buNone/>
+            </a:pPr>
             <a:r>
               <a:rPr b="0" lang="en-US" sz="2000" spc="-1" strike="noStrike">
                 <a:latin typeface="Arial"/>
@@ -4814,7 +7866,7 @@
       </p:grpSpPr>
       <p:sp>
         <p:nvSpPr>
-          <p:cNvPr id="43" name="PlaceHolder 1"/>
+          <p:cNvPr id="84" name="PlaceHolder 1"/>
           <p:cNvSpPr>
             <a:spLocks noGrp="1"/>
           </p:cNvSpPr>
@@ -4825,7 +7877,7 @@
         <p:spPr>
           <a:xfrm>
             <a:off x="504000" y="226080"/>
-            <a:ext cx="9071640" cy="946440"/>
+            <a:ext cx="9071280" cy="946080"/>
           </a:xfrm>
           <a:prstGeom prst="rect">
             <a:avLst/>
@@ -4841,6 +7893,9 @@
           </a:bodyPr>
           <a:p>
             <a:pPr algn="ctr">
+              <a:lnSpc>
+                <a:spcPct val="100000"/>
+              </a:lnSpc>
               <a:buNone/>
             </a:pPr>
             <a:r>
@@ -4857,7 +7912,7 @@
       </p:sp>
       <p:sp>
         <p:nvSpPr>
-          <p:cNvPr id="44" name="PlaceHolder 2"/>
+          <p:cNvPr id="85" name="PlaceHolder 2"/>
           <p:cNvSpPr>
             <a:spLocks noGrp="1"/>
           </p:cNvSpPr>
@@ -4868,7 +7923,7 @@
         <p:spPr>
           <a:xfrm>
             <a:off x="504000" y="1326600"/>
-            <a:ext cx="8640000" cy="1645200"/>
+            <a:ext cx="8639640" cy="1644840"/>
           </a:xfrm>
           <a:prstGeom prst="rect">
             <a:avLst/>
@@ -4884,6 +7939,9 @@
           </a:bodyPr>
           <a:p>
             <a:pPr marL="432000" indent="-324000">
+              <a:lnSpc>
+                <a:spcPct val="100000"/>
+              </a:lnSpc>
               <a:spcBef>
                 <a:spcPts val="1417"/>
               </a:spcBef>
@@ -4908,28 +7966,40 @@
       </p:sp>
       <p:sp>
         <p:nvSpPr>
-          <p:cNvPr id="45" name=""/>
-          <p:cNvSpPr txBox="1"/>
+          <p:cNvPr id="86" name=""/>
+          <p:cNvSpPr/>
           <p:nvPr/>
         </p:nvSpPr>
         <p:spPr>
           <a:xfrm>
             <a:off x="685800" y="1143000"/>
-            <a:ext cx="8915400" cy="1600200"/>
-          </a:xfrm>
-          <a:prstGeom prst="rect">
-            <a:avLst/>
-          </a:prstGeom>
-          <a:noFill/>
-          <a:ln w="0">
-            <a:noFill/>
-          </a:ln>
-        </p:spPr>
+            <a:ext cx="8915040" cy="1599840"/>
+          </a:xfrm>
+          <a:prstGeom prst="rect">
+            <a:avLst/>
+          </a:prstGeom>
+          <a:noFill/>
+          <a:ln w="0">
+            <a:noFill/>
+          </a:ln>
+        </p:spPr>
+        <p:style>
+          <a:lnRef idx="0"/>
+          <a:fillRef idx="0"/>
+          <a:effectRef idx="0"/>
+          <a:fontRef idx="minor"/>
+        </p:style>
         <p:txBody>
           <a:bodyPr lIns="90000" rIns="90000" tIns="45000" bIns="45000" anchor="t">
             <a:noAutofit/>
           </a:bodyPr>
           <a:p>
+            <a:pPr>
+              <a:lnSpc>
+                <a:spcPct val="100000"/>
+              </a:lnSpc>
+              <a:buNone/>
+            </a:pPr>
             <a:r>
               <a:rPr b="0" lang="en-US" sz="1800" spc="-1" strike="noStrike">
                 <a:latin typeface="Arial"/>
@@ -4947,6 +8017,12 @@
             </a:endParaRPr>
           </a:p>
           <a:p>
+            <a:pPr>
+              <a:lnSpc>
+                <a:spcPct val="100000"/>
+              </a:lnSpc>
+              <a:buNone/>
+            </a:pPr>
             <a:endParaRPr b="0" lang="en-US" sz="1000" spc="-1" strike="noStrike">
               <a:latin typeface="Arial"/>
             </a:endParaRPr>
@@ -4955,7 +8031,7 @@
       </p:sp>
       <p:pic>
         <p:nvPicPr>
-          <p:cNvPr id="46" name="" descr=""/>
+          <p:cNvPr id="87" name="" descr=""/>
           <p:cNvPicPr/>
           <p:nvPr/>
         </p:nvPicPr>
@@ -4966,7 +8042,7 @@
         <p:spPr>
           <a:xfrm>
             <a:off x="1143000" y="2514600"/>
-            <a:ext cx="7419600" cy="2857320"/>
+            <a:ext cx="7419240" cy="2856960"/>
           </a:xfrm>
           <a:prstGeom prst="rect">
             <a:avLst/>
@@ -5008,7 +8084,7 @@
       </p:grpSpPr>
       <p:pic>
         <p:nvPicPr>
-          <p:cNvPr id="107" name="" descr=""/>
+          <p:cNvPr id="151" name="" descr=""/>
           <p:cNvPicPr/>
           <p:nvPr/>
         </p:nvPicPr>
@@ -5019,7 +8095,7 @@
         <p:spPr>
           <a:xfrm>
             <a:off x="5029200" y="685800"/>
-            <a:ext cx="3945600" cy="3429000"/>
+            <a:ext cx="3945240" cy="3428640"/>
           </a:xfrm>
           <a:prstGeom prst="rect">
             <a:avLst/>
@@ -5031,14 +8107,14 @@
       </p:pic>
       <p:sp>
         <p:nvSpPr>
-          <p:cNvPr id="108" name=""/>
+          <p:cNvPr id="152" name=""/>
           <p:cNvSpPr/>
           <p:nvPr/>
         </p:nvSpPr>
         <p:spPr>
           <a:xfrm>
             <a:off x="2971800" y="1371600"/>
-            <a:ext cx="2286000" cy="0"/>
+            <a:ext cx="2286000" cy="360"/>
           </a:xfrm>
           <a:prstGeom prst="line">
             <a:avLst/>
@@ -5056,14 +8132,14 @@
       </p:sp>
       <p:sp>
         <p:nvSpPr>
-          <p:cNvPr id="109" name=""/>
+          <p:cNvPr id="153" name=""/>
           <p:cNvSpPr/>
           <p:nvPr/>
         </p:nvSpPr>
         <p:spPr>
           <a:xfrm>
             <a:off x="2514600" y="2057400"/>
-            <a:ext cx="2971800" cy="0"/>
+            <a:ext cx="2971800" cy="360"/>
           </a:xfrm>
           <a:prstGeom prst="line">
             <a:avLst/>
@@ -5081,14 +8157,14 @@
       </p:sp>
       <p:sp>
         <p:nvSpPr>
-          <p:cNvPr id="110" name=""/>
+          <p:cNvPr id="154" name=""/>
           <p:cNvSpPr/>
           <p:nvPr/>
         </p:nvSpPr>
         <p:spPr>
           <a:xfrm>
             <a:off x="4114800" y="2971800"/>
-            <a:ext cx="2057400" cy="0"/>
+            <a:ext cx="2057400" cy="360"/>
           </a:xfrm>
           <a:prstGeom prst="line">
             <a:avLst/>
@@ -5106,28 +8182,40 @@
       </p:sp>
       <p:sp>
         <p:nvSpPr>
-          <p:cNvPr id="111" name=""/>
-          <p:cNvSpPr txBox="1"/>
+          <p:cNvPr id="155" name=""/>
+          <p:cNvSpPr/>
           <p:nvPr/>
         </p:nvSpPr>
         <p:spPr>
           <a:xfrm>
             <a:off x="0" y="1143000"/>
-            <a:ext cx="2743200" cy="457200"/>
-          </a:xfrm>
-          <a:prstGeom prst="rect">
-            <a:avLst/>
-          </a:prstGeom>
-          <a:noFill/>
-          <a:ln w="0">
-            <a:noFill/>
-          </a:ln>
-        </p:spPr>
+            <a:ext cx="2742840" cy="456840"/>
+          </a:xfrm>
+          <a:prstGeom prst="rect">
+            <a:avLst/>
+          </a:prstGeom>
+          <a:noFill/>
+          <a:ln w="0">
+            <a:noFill/>
+          </a:ln>
+        </p:spPr>
+        <p:style>
+          <a:lnRef idx="0"/>
+          <a:fillRef idx="0"/>
+          <a:effectRef idx="0"/>
+          <a:fontRef idx="minor"/>
+        </p:style>
         <p:txBody>
           <a:bodyPr lIns="90000" rIns="90000" tIns="45000" bIns="45000" anchor="t">
             <a:noAutofit/>
           </a:bodyPr>
           <a:p>
+            <a:pPr>
+              <a:lnSpc>
+                <a:spcPct val="100000"/>
+              </a:lnSpc>
+              <a:buNone/>
+            </a:pPr>
             <a:r>
               <a:rPr b="0" lang="en-US" sz="1600" spc="-1" strike="noStrike">
                 <a:latin typeface="Arial"/>
@@ -5142,28 +8230,40 @@
       </p:sp>
       <p:sp>
         <p:nvSpPr>
-          <p:cNvPr id="112" name=""/>
-          <p:cNvSpPr txBox="1"/>
+          <p:cNvPr id="156" name=""/>
+          <p:cNvSpPr/>
           <p:nvPr/>
         </p:nvSpPr>
         <p:spPr>
           <a:xfrm>
             <a:off x="0" y="1828800"/>
-            <a:ext cx="2743200" cy="457200"/>
-          </a:xfrm>
-          <a:prstGeom prst="rect">
-            <a:avLst/>
-          </a:prstGeom>
-          <a:noFill/>
-          <a:ln w="0">
-            <a:noFill/>
-          </a:ln>
-        </p:spPr>
+            <a:ext cx="2742840" cy="456840"/>
+          </a:xfrm>
+          <a:prstGeom prst="rect">
+            <a:avLst/>
+          </a:prstGeom>
+          <a:noFill/>
+          <a:ln w="0">
+            <a:noFill/>
+          </a:ln>
+        </p:spPr>
+        <p:style>
+          <a:lnRef idx="0"/>
+          <a:fillRef idx="0"/>
+          <a:effectRef idx="0"/>
+          <a:fontRef idx="minor"/>
+        </p:style>
         <p:txBody>
           <a:bodyPr lIns="90000" rIns="90000" tIns="45000" bIns="45000" anchor="t">
             <a:noAutofit/>
           </a:bodyPr>
           <a:p>
+            <a:pPr>
+              <a:lnSpc>
+                <a:spcPct val="100000"/>
+              </a:lnSpc>
+              <a:buNone/>
+            </a:pPr>
             <a:r>
               <a:rPr b="0" lang="en-US" sz="1600" spc="-1" strike="noStrike">
                 <a:latin typeface="Arial"/>
@@ -5178,28 +8278,40 @@
       </p:sp>
       <p:sp>
         <p:nvSpPr>
-          <p:cNvPr id="113" name=""/>
-          <p:cNvSpPr txBox="1"/>
+          <p:cNvPr id="157" name=""/>
+          <p:cNvSpPr/>
           <p:nvPr/>
         </p:nvSpPr>
         <p:spPr>
           <a:xfrm>
             <a:off x="2514600" y="2743200"/>
-            <a:ext cx="2743200" cy="457200"/>
-          </a:xfrm>
-          <a:prstGeom prst="rect">
-            <a:avLst/>
-          </a:prstGeom>
-          <a:noFill/>
-          <a:ln w="0">
-            <a:noFill/>
-          </a:ln>
-        </p:spPr>
+            <a:ext cx="2742840" cy="456840"/>
+          </a:xfrm>
+          <a:prstGeom prst="rect">
+            <a:avLst/>
+          </a:prstGeom>
+          <a:noFill/>
+          <a:ln w="0">
+            <a:noFill/>
+          </a:ln>
+        </p:spPr>
+        <p:style>
+          <a:lnRef idx="0"/>
+          <a:fillRef idx="0"/>
+          <a:effectRef idx="0"/>
+          <a:fontRef idx="minor"/>
+        </p:style>
         <p:txBody>
           <a:bodyPr lIns="90000" rIns="90000" tIns="45000" bIns="45000" anchor="t">
             <a:noAutofit/>
           </a:bodyPr>
           <a:p>
+            <a:pPr>
+              <a:lnSpc>
+                <a:spcPct val="100000"/>
+              </a:lnSpc>
+              <a:buNone/>
+            </a:pPr>
             <a:r>
               <a:rPr b="0" lang="en-US" sz="1600" spc="-1" strike="noStrike">
                 <a:latin typeface="Arial"/>
@@ -5250,7 +8362,7 @@
       </p:grpSpPr>
       <p:sp>
         <p:nvSpPr>
-          <p:cNvPr id="114" name="PlaceHolder 1"/>
+          <p:cNvPr id="158" name="PlaceHolder 1"/>
           <p:cNvSpPr>
             <a:spLocks noGrp="1"/>
           </p:cNvSpPr>
@@ -5261,7 +8373,7 @@
         <p:spPr>
           <a:xfrm>
             <a:off x="116280" y="149760"/>
-            <a:ext cx="3200400" cy="3288240"/>
+            <a:ext cx="3200040" cy="3287880"/>
           </a:xfrm>
           <a:prstGeom prst="rect">
             <a:avLst/>
@@ -5277,6 +8389,9 @@
           </a:bodyPr>
           <a:p>
             <a:pPr marL="432000" indent="-324000">
+              <a:lnSpc>
+                <a:spcPct val="100000"/>
+              </a:lnSpc>
               <a:spcBef>
                 <a:spcPts val="1417"/>
               </a:spcBef>
@@ -5301,7 +8416,7 @@
       </p:sp>
       <p:pic>
         <p:nvPicPr>
-          <p:cNvPr id="115" name="" descr=""/>
+          <p:cNvPr id="159" name="" descr=""/>
           <p:cNvPicPr/>
           <p:nvPr/>
         </p:nvPicPr>
@@ -5312,7 +8427,7 @@
         <p:spPr>
           <a:xfrm>
             <a:off x="2743200" y="360"/>
-            <a:ext cx="7391160" cy="5486040"/>
+            <a:ext cx="7390800" cy="5485680"/>
           </a:xfrm>
           <a:prstGeom prst="rect">
             <a:avLst/>
@@ -5354,7 +8469,7 @@
       </p:grpSpPr>
       <p:sp>
         <p:nvSpPr>
-          <p:cNvPr id="116" name="PlaceHolder 1"/>
+          <p:cNvPr id="160" name="PlaceHolder 1"/>
           <p:cNvSpPr>
             <a:spLocks noGrp="1"/>
           </p:cNvSpPr>
@@ -5365,7 +8480,7 @@
         <p:spPr>
           <a:xfrm>
             <a:off x="504000" y="226080"/>
-            <a:ext cx="9071640" cy="946440"/>
+            <a:ext cx="9071280" cy="946080"/>
           </a:xfrm>
           <a:prstGeom prst="rect">
             <a:avLst/>
@@ -5381,6 +8496,9 @@
           </a:bodyPr>
           <a:p>
             <a:pPr algn="ctr">
+              <a:lnSpc>
+                <a:spcPct val="100000"/>
+              </a:lnSpc>
               <a:buNone/>
             </a:pPr>
             <a:r>
@@ -5397,7 +8515,7 @@
       </p:sp>
       <p:sp>
         <p:nvSpPr>
-          <p:cNvPr id="117" name="PlaceHolder 2"/>
+          <p:cNvPr id="161" name="PlaceHolder 2"/>
           <p:cNvSpPr>
             <a:spLocks noGrp="1"/>
           </p:cNvSpPr>
@@ -5408,7 +8526,7 @@
         <p:spPr>
           <a:xfrm>
             <a:off x="504000" y="1326600"/>
-            <a:ext cx="9071640" cy="3288240"/>
+            <a:ext cx="9071280" cy="3287880"/>
           </a:xfrm>
           <a:prstGeom prst="rect">
             <a:avLst/>
@@ -5424,6 +8542,9 @@
           </a:bodyPr>
           <a:p>
             <a:pPr marL="432000" indent="-324000">
+              <a:lnSpc>
+                <a:spcPct val="100000"/>
+              </a:lnSpc>
               <a:spcBef>
                 <a:spcPts val="1417"/>
               </a:spcBef>
@@ -5445,16 +8566,14 @@
             </a:endParaRPr>
           </a:p>
           <a:p>
-            <a:pPr marL="432000" indent="-324000">
+            <a:pPr>
+              <a:lnSpc>
+                <a:spcPct val="100000"/>
+              </a:lnSpc>
               <a:spcBef>
                 <a:spcPts val="1417"/>
               </a:spcBef>
-              <a:buClr>
-                <a:srgbClr val="000000"/>
-              </a:buClr>
-              <a:buSzPct val="45000"/>
-              <a:buFont typeface="Wingdings" charset="2"/>
-              <a:buChar char=""/>
+              <a:buNone/>
             </a:pPr>
             <a:endParaRPr b="0" lang="en-US" sz="3200" spc="-1" strike="noStrike">
               <a:latin typeface="Arial"/>
@@ -5494,7 +8613,7 @@
       </p:grpSpPr>
       <p:sp>
         <p:nvSpPr>
-          <p:cNvPr id="118" name="PlaceHolder 1"/>
+          <p:cNvPr id="162" name="PlaceHolder 1"/>
           <p:cNvSpPr>
             <a:spLocks noGrp="1"/>
           </p:cNvSpPr>
@@ -5505,7 +8624,7 @@
         <p:spPr>
           <a:xfrm>
             <a:off x="457200" y="196560"/>
-            <a:ext cx="9071640" cy="946440"/>
+            <a:ext cx="9071280" cy="946080"/>
           </a:xfrm>
           <a:prstGeom prst="rect">
             <a:avLst/>
@@ -5521,6 +8640,9 @@
           </a:bodyPr>
           <a:p>
             <a:pPr algn="ctr">
+              <a:lnSpc>
+                <a:spcPct val="100000"/>
+              </a:lnSpc>
               <a:buNone/>
             </a:pPr>
             <a:r>
@@ -5537,28 +8659,40 @@
       </p:sp>
       <p:sp>
         <p:nvSpPr>
-          <p:cNvPr id="119" name=""/>
-          <p:cNvSpPr txBox="1"/>
+          <p:cNvPr id="163" name=""/>
+          <p:cNvSpPr/>
           <p:nvPr/>
         </p:nvSpPr>
         <p:spPr>
           <a:xfrm>
             <a:off x="685800" y="1371600"/>
-            <a:ext cx="8001000" cy="346320"/>
-          </a:xfrm>
-          <a:prstGeom prst="rect">
-            <a:avLst/>
-          </a:prstGeom>
-          <a:noFill/>
-          <a:ln w="0">
-            <a:noFill/>
-          </a:ln>
-        </p:spPr>
+            <a:ext cx="8000640" cy="345960"/>
+          </a:xfrm>
+          <a:prstGeom prst="rect">
+            <a:avLst/>
+          </a:prstGeom>
+          <a:noFill/>
+          <a:ln w="0">
+            <a:noFill/>
+          </a:ln>
+        </p:spPr>
+        <p:style>
+          <a:lnRef idx="0"/>
+          <a:fillRef idx="0"/>
+          <a:effectRef idx="0"/>
+          <a:fontRef idx="minor"/>
+        </p:style>
         <p:txBody>
           <a:bodyPr lIns="90000" rIns="90000" tIns="45000" bIns="45000" anchor="t">
             <a:noAutofit/>
           </a:bodyPr>
           <a:p>
+            <a:pPr>
+              <a:lnSpc>
+                <a:spcPct val="100000"/>
+              </a:lnSpc>
+              <a:buNone/>
+            </a:pPr>
             <a:r>
               <a:rPr b="0" lang="en-US" sz="1800" spc="-1" strike="noStrike">
                 <a:latin typeface="Arial"/>
@@ -5573,28 +8707,40 @@
       </p:sp>
       <p:sp>
         <p:nvSpPr>
-          <p:cNvPr id="120" name=""/>
-          <p:cNvSpPr txBox="1"/>
+          <p:cNvPr id="164" name=""/>
+          <p:cNvSpPr/>
           <p:nvPr/>
         </p:nvSpPr>
         <p:spPr>
           <a:xfrm>
             <a:off x="685800" y="1828800"/>
-            <a:ext cx="4343400" cy="346320"/>
-          </a:xfrm>
-          <a:prstGeom prst="rect">
-            <a:avLst/>
-          </a:prstGeom>
-          <a:noFill/>
-          <a:ln w="0">
-            <a:noFill/>
-          </a:ln>
-        </p:spPr>
+            <a:ext cx="4343040" cy="345960"/>
+          </a:xfrm>
+          <a:prstGeom prst="rect">
+            <a:avLst/>
+          </a:prstGeom>
+          <a:noFill/>
+          <a:ln w="0">
+            <a:noFill/>
+          </a:ln>
+        </p:spPr>
+        <p:style>
+          <a:lnRef idx="0"/>
+          <a:fillRef idx="0"/>
+          <a:effectRef idx="0"/>
+          <a:fontRef idx="minor"/>
+        </p:style>
         <p:txBody>
           <a:bodyPr lIns="90000" rIns="90000" tIns="45000" bIns="45000" anchor="t">
             <a:noAutofit/>
           </a:bodyPr>
           <a:p>
+            <a:pPr>
+              <a:lnSpc>
+                <a:spcPct val="100000"/>
+              </a:lnSpc>
+              <a:buNone/>
+            </a:pPr>
             <a:r>
               <a:rPr b="0" lang="en-US" sz="1800" spc="-1" strike="noStrike">
                 <a:latin typeface="Arial"/>
@@ -5609,7 +8755,7 @@
       </p:sp>
       <p:pic>
         <p:nvPicPr>
-          <p:cNvPr id="121" name="" descr=""/>
+          <p:cNvPr id="165" name="" descr=""/>
           <p:cNvPicPr/>
           <p:nvPr/>
         </p:nvPicPr>
@@ -5620,7 +8766,7 @@
         <p:spPr>
           <a:xfrm>
             <a:off x="685800" y="2446200"/>
-            <a:ext cx="8458200" cy="2811600"/>
+            <a:ext cx="8457840" cy="2811240"/>
           </a:xfrm>
           <a:prstGeom prst="rect">
             <a:avLst/>
@@ -5632,14 +8778,14 @@
       </p:pic>
       <p:sp>
         <p:nvSpPr>
-          <p:cNvPr id="122" name=""/>
+          <p:cNvPr id="166" name=""/>
           <p:cNvSpPr/>
           <p:nvPr/>
         </p:nvSpPr>
         <p:spPr>
           <a:xfrm>
             <a:off x="8458200" y="2514600"/>
-            <a:ext cx="457200" cy="388800"/>
+            <a:ext cx="456840" cy="388440"/>
           </a:xfrm>
           <a:prstGeom prst="ellipse">
             <a:avLst/>
@@ -5658,7 +8804,7 @@
       </p:sp>
       <p:sp>
         <p:nvSpPr>
-          <p:cNvPr id="123" name=""/>
+          <p:cNvPr id="167" name=""/>
           <p:cNvSpPr/>
           <p:nvPr/>
         </p:nvSpPr>
@@ -5683,14 +8829,14 @@
       </p:sp>
       <p:sp>
         <p:nvSpPr>
-          <p:cNvPr id="124" name=""/>
-          <p:cNvSpPr txBox="1"/>
+          <p:cNvPr id="168" name=""/>
+          <p:cNvSpPr/>
           <p:nvPr/>
         </p:nvSpPr>
         <p:spPr>
           <a:xfrm>
             <a:off x="4800600" y="3429000"/>
-            <a:ext cx="2971800" cy="457200"/>
+            <a:ext cx="2971440" cy="456840"/>
           </a:xfrm>
           <a:prstGeom prst="rect">
             <a:avLst/>
@@ -5702,11 +8848,23 @@
             </a:solidFill>
           </a:ln>
         </p:spPr>
+        <p:style>
+          <a:lnRef idx="0"/>
+          <a:fillRef idx="0"/>
+          <a:effectRef idx="0"/>
+          <a:fontRef idx="minor"/>
+        </p:style>
         <p:txBody>
           <a:bodyPr lIns="90000" rIns="90000" tIns="45000" bIns="45000" anchor="t">
             <a:noAutofit/>
           </a:bodyPr>
           <a:p>
+            <a:pPr>
+              <a:lnSpc>
+                <a:spcPct val="100000"/>
+              </a:lnSpc>
+              <a:buNone/>
+            </a:pPr>
             <a:r>
               <a:rPr b="0" lang="en-US" sz="1800" spc="-1" strike="noStrike">
                 <a:latin typeface="Arial"/>
@@ -5763,7 +8921,7 @@
       </p:grpSpPr>
       <p:pic>
         <p:nvPicPr>
-          <p:cNvPr id="125" name="" descr=""/>
+          <p:cNvPr id="169" name="" descr=""/>
           <p:cNvPicPr/>
           <p:nvPr/>
         </p:nvPicPr>
@@ -5774,7 +8932,7 @@
         <p:spPr>
           <a:xfrm>
             <a:off x="207360" y="1143000"/>
-            <a:ext cx="10079640" cy="2291040"/>
+            <a:ext cx="10079280" cy="2290680"/>
           </a:xfrm>
           <a:prstGeom prst="rect">
             <a:avLst/>
@@ -5786,14 +8944,14 @@
       </p:pic>
       <p:sp>
         <p:nvSpPr>
-          <p:cNvPr id="126" name=""/>
+          <p:cNvPr id="170" name=""/>
           <p:cNvSpPr/>
           <p:nvPr/>
         </p:nvSpPr>
         <p:spPr>
           <a:xfrm>
             <a:off x="0" y="685800"/>
-            <a:ext cx="5943600" cy="3200400"/>
+            <a:ext cx="5943240" cy="3200040"/>
           </a:xfrm>
           <a:prstGeom prst="rect">
             <a:avLst/>
@@ -5803,7 +8961,7 @@
             <a:noFill/>
           </a:ln>
           <a:effectLst>
-            <a:outerShdw dist="101823" dir="2700000" blurRad="0" rotWithShape="0">
+            <a:outerShdw blurRad="0" dir="2700000" dist="101823" rotWithShape="0">
               <a:srgbClr val="808080"/>
             </a:outerShdw>
           </a:effectLst>
@@ -5817,28 +8975,40 @@
       </p:sp>
       <p:sp>
         <p:nvSpPr>
-          <p:cNvPr id="127" name=""/>
-          <p:cNvSpPr txBox="1"/>
+          <p:cNvPr id="171" name=""/>
+          <p:cNvSpPr/>
           <p:nvPr/>
         </p:nvSpPr>
         <p:spPr>
           <a:xfrm>
             <a:off x="685800" y="5029200"/>
-            <a:ext cx="2971800" cy="346320"/>
-          </a:xfrm>
-          <a:prstGeom prst="rect">
-            <a:avLst/>
-          </a:prstGeom>
-          <a:noFill/>
-          <a:ln w="0">
-            <a:noFill/>
-          </a:ln>
-        </p:spPr>
+            <a:ext cx="2971440" cy="345960"/>
+          </a:xfrm>
+          <a:prstGeom prst="rect">
+            <a:avLst/>
+          </a:prstGeom>
+          <a:noFill/>
+          <a:ln w="0">
+            <a:noFill/>
+          </a:ln>
+        </p:spPr>
+        <p:style>
+          <a:lnRef idx="0"/>
+          <a:fillRef idx="0"/>
+          <a:effectRef idx="0"/>
+          <a:fontRef idx="minor"/>
+        </p:style>
         <p:txBody>
           <a:bodyPr lIns="90000" rIns="90000" tIns="45000" bIns="45000" anchor="t">
             <a:noAutofit/>
           </a:bodyPr>
           <a:p>
+            <a:pPr>
+              <a:lnSpc>
+                <a:spcPct val="100000"/>
+              </a:lnSpc>
+              <a:buNone/>
+            </a:pPr>
             <a:r>
               <a:rPr b="0" lang="en-US" sz="1800" spc="-1" strike="noStrike">
                 <a:solidFill>
@@ -5849,24 +9019,21 @@
               <a:t>NodeRed Logic</a:t>
             </a:r>
             <a:endParaRPr b="0" lang="en-US" sz="1800" spc="-1" strike="noStrike">
-              <a:solidFill>
-                <a:srgbClr val="c9211e"/>
-              </a:solidFill>
-              <a:latin typeface="Arial"/>
-            </a:endParaRPr>
-          </a:p>
-        </p:txBody>
-      </p:sp>
-      <p:sp>
-        <p:nvSpPr>
-          <p:cNvPr id="128" name=""/>
+              <a:latin typeface="Arial"/>
+            </a:endParaRPr>
+          </a:p>
+        </p:txBody>
+      </p:sp>
+      <p:sp>
+        <p:nvSpPr>
+          <p:cNvPr id="172" name=""/>
           <p:cNvSpPr/>
           <p:nvPr/>
         </p:nvSpPr>
         <p:spPr>
           <a:xfrm>
             <a:off x="1600200" y="3657600"/>
-            <a:ext cx="457200" cy="1143000"/>
+            <a:ext cx="456840" cy="1142640"/>
           </a:xfrm>
           <a:custGeom>
             <a:avLst/>
@@ -5916,14 +9083,14 @@
       </p:sp>
       <p:sp>
         <p:nvSpPr>
-          <p:cNvPr id="129" name=""/>
+          <p:cNvPr id="173" name=""/>
           <p:cNvSpPr/>
           <p:nvPr/>
         </p:nvSpPr>
         <p:spPr>
           <a:xfrm>
             <a:off x="6858000" y="2743200"/>
-            <a:ext cx="228600" cy="457200"/>
+            <a:ext cx="228240" cy="456840"/>
           </a:xfrm>
           <a:custGeom>
             <a:avLst/>
@@ -5971,14 +9138,14 @@
       </p:sp>
       <p:sp>
         <p:nvSpPr>
-          <p:cNvPr id="130" name=""/>
+          <p:cNvPr id="174" name=""/>
           <p:cNvSpPr/>
           <p:nvPr/>
         </p:nvSpPr>
         <p:spPr>
           <a:xfrm>
             <a:off x="1828800" y="3886200"/>
-            <a:ext cx="457200" cy="914400"/>
+            <a:ext cx="456840" cy="914040"/>
           </a:xfrm>
           <a:custGeom>
             <a:avLst/>
@@ -6026,14 +9193,14 @@
       </p:sp>
       <p:sp>
         <p:nvSpPr>
-          <p:cNvPr id="131" name=""/>
+          <p:cNvPr id="175" name=""/>
           <p:cNvSpPr/>
           <p:nvPr/>
         </p:nvSpPr>
         <p:spPr>
           <a:xfrm>
             <a:off x="6858000" y="2286000"/>
-            <a:ext cx="457200" cy="1371600"/>
+            <a:ext cx="456840" cy="1371240"/>
           </a:xfrm>
           <a:custGeom>
             <a:avLst/>
@@ -6083,14 +9250,14 @@
       </p:sp>
       <p:sp>
         <p:nvSpPr>
-          <p:cNvPr id="132" name=""/>
+          <p:cNvPr id="176" name=""/>
           <p:cNvSpPr/>
           <p:nvPr/>
         </p:nvSpPr>
         <p:spPr>
           <a:xfrm>
             <a:off x="228600" y="457200"/>
-            <a:ext cx="5715000" cy="2971800"/>
+            <a:ext cx="5714640" cy="2971440"/>
           </a:xfrm>
           <a:prstGeom prst="rect">
             <a:avLst/>
@@ -6111,56 +9278,14 @@
       </p:sp>
       <p:sp>
         <p:nvSpPr>
-          <p:cNvPr id="133" name=""/>
-          <p:cNvSpPr txBox="1"/>
-          <p:nvPr/>
-        </p:nvSpPr>
-        <p:spPr>
-          <a:xfrm>
-            <a:off x="5943600" y="4114800"/>
-            <a:ext cx="3429000" cy="602280"/>
-          </a:xfrm>
-          <a:prstGeom prst="rect">
-            <a:avLst/>
-          </a:prstGeom>
-          <a:noFill/>
-          <a:ln w="0">
-            <a:noFill/>
-          </a:ln>
-        </p:spPr>
-        <p:txBody>
-          <a:bodyPr lIns="90000" rIns="90000" tIns="45000" bIns="45000" anchor="t">
-            <a:noAutofit/>
-          </a:bodyPr>
-          <a:p>
-            <a:r>
-              <a:rPr b="0" lang="en-US" sz="1800" spc="-1" strike="noStrike">
-                <a:solidFill>
-                  <a:srgbClr val="2a6099"/>
-                </a:solidFill>
-                <a:latin typeface="Arial"/>
-              </a:rPr>
-              <a:t>3. Sends JSON data to BacnetAPI Server endpoint</a:t>
-            </a:r>
-            <a:endParaRPr b="0" lang="en-US" sz="1800" spc="-1" strike="noStrike">
-              <a:solidFill>
-                <a:srgbClr val="2a6099"/>
-              </a:solidFill>
-              <a:latin typeface="Arial"/>
-            </a:endParaRPr>
-          </a:p>
-        </p:txBody>
-      </p:sp>
-      <p:sp>
-        <p:nvSpPr>
-          <p:cNvPr id="134" name=""/>
+          <p:cNvPr id="177" name=""/>
           <p:cNvSpPr/>
           <p:nvPr/>
         </p:nvSpPr>
         <p:spPr>
           <a:xfrm>
-            <a:off x="2286000" y="3886200"/>
-            <a:ext cx="1371600" cy="457200"/>
+            <a:off x="5943600" y="4114800"/>
+            <a:ext cx="3428640" cy="601920"/>
           </a:xfrm>
           <a:prstGeom prst="rect">
             <a:avLst/>
@@ -6176,31 +9301,94 @@
           <a:effectRef idx="0"/>
           <a:fontRef idx="minor"/>
         </p:style>
-      </p:sp>
-      <p:sp>
-        <p:nvSpPr>
-          <p:cNvPr id="135" name=""/>
-          <p:cNvSpPr txBox="1"/>
-          <p:nvPr/>
-        </p:nvSpPr>
-        <p:spPr>
-          <a:xfrm>
-            <a:off x="2743200" y="4343400"/>
-            <a:ext cx="2286000" cy="602280"/>
-          </a:xfrm>
-          <a:prstGeom prst="rect">
-            <a:avLst/>
-          </a:prstGeom>
-          <a:noFill/>
-          <a:ln w="0">
-            <a:noFill/>
-          </a:ln>
-        </p:spPr>
         <p:txBody>
           <a:bodyPr lIns="90000" rIns="90000" tIns="45000" bIns="45000" anchor="t">
             <a:noAutofit/>
           </a:bodyPr>
           <a:p>
+            <a:pPr>
+              <a:lnSpc>
+                <a:spcPct val="100000"/>
+              </a:lnSpc>
+              <a:buNone/>
+            </a:pPr>
+            <a:r>
+              <a:rPr b="0" lang="en-US" sz="1800" spc="-1" strike="noStrike">
+                <a:solidFill>
+                  <a:srgbClr val="2a6099"/>
+                </a:solidFill>
+                <a:latin typeface="Arial"/>
+              </a:rPr>
+              <a:t>3. Sends JSON data to BacnetAPI Server endpoint</a:t>
+            </a:r>
+            <a:endParaRPr b="0" lang="en-US" sz="1800" spc="-1" strike="noStrike">
+              <a:latin typeface="Arial"/>
+            </a:endParaRPr>
+          </a:p>
+        </p:txBody>
+      </p:sp>
+      <p:sp>
+        <p:nvSpPr>
+          <p:cNvPr id="178" name=""/>
+          <p:cNvSpPr/>
+          <p:nvPr/>
+        </p:nvSpPr>
+        <p:spPr>
+          <a:xfrm>
+            <a:off x="2286000" y="3886200"/>
+            <a:ext cx="1371240" cy="456840"/>
+          </a:xfrm>
+          <a:prstGeom prst="rect">
+            <a:avLst/>
+          </a:prstGeom>
+          <a:noFill/>
+          <a:ln w="0">
+            <a:noFill/>
+          </a:ln>
+        </p:spPr>
+        <p:style>
+          <a:lnRef idx="0"/>
+          <a:fillRef idx="0"/>
+          <a:effectRef idx="0"/>
+          <a:fontRef idx="minor"/>
+        </p:style>
+      </p:sp>
+      <p:sp>
+        <p:nvSpPr>
+          <p:cNvPr id="179" name=""/>
+          <p:cNvSpPr/>
+          <p:nvPr/>
+        </p:nvSpPr>
+        <p:spPr>
+          <a:xfrm>
+            <a:off x="2743200" y="4343400"/>
+            <a:ext cx="2285640" cy="601920"/>
+          </a:xfrm>
+          <a:prstGeom prst="rect">
+            <a:avLst/>
+          </a:prstGeom>
+          <a:noFill/>
+          <a:ln w="0">
+            <a:noFill/>
+          </a:ln>
+        </p:spPr>
+        <p:style>
+          <a:lnRef idx="0"/>
+          <a:fillRef idx="0"/>
+          <a:effectRef idx="0"/>
+          <a:fontRef idx="minor"/>
+        </p:style>
+        <p:txBody>
+          <a:bodyPr lIns="90000" rIns="90000" tIns="45000" bIns="45000" anchor="t">
+            <a:noAutofit/>
+          </a:bodyPr>
+          <a:p>
+            <a:pPr>
+              <a:lnSpc>
+                <a:spcPct val="100000"/>
+              </a:lnSpc>
+              <a:buNone/>
+            </a:pPr>
             <a:r>
               <a:rPr b="0" lang="en-US" sz="1800" spc="-1" strike="noStrike">
                 <a:solidFill>
@@ -6211,38 +9399,47 @@
               <a:t>1. Create NodeRed Logic </a:t>
             </a:r>
             <a:endParaRPr b="0" lang="en-US" sz="1800" spc="-1" strike="noStrike">
-              <a:solidFill>
-                <a:srgbClr val="ff4000"/>
-              </a:solidFill>
-              <a:latin typeface="Arial"/>
-            </a:endParaRPr>
-          </a:p>
-        </p:txBody>
-      </p:sp>
-      <p:sp>
-        <p:nvSpPr>
-          <p:cNvPr id="136" name=""/>
-          <p:cNvSpPr txBox="1"/>
+              <a:latin typeface="Arial"/>
+            </a:endParaRPr>
+          </a:p>
+        </p:txBody>
+      </p:sp>
+      <p:sp>
+        <p:nvSpPr>
+          <p:cNvPr id="180" name=""/>
+          <p:cNvSpPr/>
           <p:nvPr/>
         </p:nvSpPr>
         <p:spPr>
           <a:xfrm>
             <a:off x="3886200" y="714600"/>
-            <a:ext cx="1828800" cy="1114200"/>
-          </a:xfrm>
-          <a:prstGeom prst="rect">
-            <a:avLst/>
-          </a:prstGeom>
-          <a:noFill/>
-          <a:ln w="0">
-            <a:noFill/>
-          </a:ln>
-        </p:spPr>
+            <a:ext cx="1828440" cy="1113840"/>
+          </a:xfrm>
+          <a:prstGeom prst="rect">
+            <a:avLst/>
+          </a:prstGeom>
+          <a:noFill/>
+          <a:ln w="0">
+            <a:noFill/>
+          </a:ln>
+        </p:spPr>
+        <p:style>
+          <a:lnRef idx="0"/>
+          <a:fillRef idx="0"/>
+          <a:effectRef idx="0"/>
+          <a:fontRef idx="minor"/>
+        </p:style>
         <p:txBody>
           <a:bodyPr lIns="90000" rIns="90000" tIns="45000" bIns="45000" anchor="t">
             <a:noAutofit/>
           </a:bodyPr>
           <a:p>
+            <a:pPr>
+              <a:lnSpc>
+                <a:spcPct val="100000"/>
+              </a:lnSpc>
+              <a:buNone/>
+            </a:pPr>
             <a:r>
               <a:rPr b="0" lang="en-US" sz="1800" spc="-1" strike="noStrike">
                 <a:solidFill>
@@ -6253,9 +9450,6 @@
               <a:t>2.Convert the logic to JSON</a:t>
             </a:r>
             <a:endParaRPr b="0" lang="en-US" sz="1800" spc="-1" strike="noStrike">
-              <a:solidFill>
-                <a:srgbClr val="e8a202"/>
-              </a:solidFill>
               <a:latin typeface="Arial"/>
             </a:endParaRPr>
           </a:p>
@@ -6293,7 +9487,7 @@
       </p:grpSpPr>
       <p:sp>
         <p:nvSpPr>
-          <p:cNvPr id="137" name="PlaceHolder 1"/>
+          <p:cNvPr id="181" name="PlaceHolder 1"/>
           <p:cNvSpPr>
             <a:spLocks noGrp="1"/>
           </p:cNvSpPr>
@@ -6304,7 +9498,7 @@
         <p:spPr>
           <a:xfrm>
             <a:off x="457200" y="0"/>
-            <a:ext cx="9071640" cy="946440"/>
+            <a:ext cx="9071280" cy="946080"/>
           </a:xfrm>
           <a:prstGeom prst="rect">
             <a:avLst/>
@@ -6320,6 +9514,9 @@
           </a:bodyPr>
           <a:p>
             <a:pPr algn="ctr">
+              <a:lnSpc>
+                <a:spcPct val="100000"/>
+              </a:lnSpc>
               <a:buNone/>
             </a:pPr>
             <a:r>
@@ -6336,7 +9533,7 @@
       </p:sp>
       <p:pic>
         <p:nvPicPr>
-          <p:cNvPr id="138" name="" descr=""/>
+          <p:cNvPr id="182" name="" descr=""/>
           <p:cNvPicPr/>
           <p:nvPr/>
         </p:nvPicPr>
@@ -6347,7 +9544,7 @@
         <p:spPr>
           <a:xfrm>
             <a:off x="5486400" y="685800"/>
-            <a:ext cx="4248360" cy="4572000"/>
+            <a:ext cx="4248000" cy="4571640"/>
           </a:xfrm>
           <a:prstGeom prst="rect">
             <a:avLst/>
@@ -6359,14 +9556,14 @@
       </p:pic>
       <p:sp>
         <p:nvSpPr>
-          <p:cNvPr id="139" name=""/>
+          <p:cNvPr id="183" name=""/>
           <p:cNvSpPr/>
           <p:nvPr/>
         </p:nvSpPr>
         <p:spPr>
           <a:xfrm flipH="1">
             <a:off x="4114800" y="1828800"/>
-            <a:ext cx="1600200" cy="0"/>
+            <a:ext cx="1600200" cy="360"/>
           </a:xfrm>
           <a:prstGeom prst="line">
             <a:avLst/>
@@ -6384,7 +9581,7 @@
       </p:sp>
       <p:sp>
         <p:nvSpPr>
-          <p:cNvPr id="140" name=""/>
+          <p:cNvPr id="184" name=""/>
           <p:cNvSpPr/>
           <p:nvPr/>
         </p:nvSpPr>
@@ -6409,7 +9606,7 @@
       </p:sp>
       <p:sp>
         <p:nvSpPr>
-          <p:cNvPr id="141" name=""/>
+          <p:cNvPr id="185" name=""/>
           <p:cNvSpPr/>
           <p:nvPr/>
         </p:nvSpPr>
@@ -6434,14 +9631,14 @@
       </p:sp>
       <p:sp>
         <p:nvSpPr>
-          <p:cNvPr id="142" name=""/>
+          <p:cNvPr id="186" name=""/>
           <p:cNvSpPr/>
           <p:nvPr/>
         </p:nvSpPr>
         <p:spPr>
           <a:xfrm flipV="1">
             <a:off x="2057400" y="1143000"/>
-            <a:ext cx="0" cy="228600"/>
+            <a:ext cx="360" cy="228600"/>
           </a:xfrm>
           <a:prstGeom prst="line">
             <a:avLst/>
@@ -6459,14 +9656,14 @@
       </p:sp>
       <p:sp>
         <p:nvSpPr>
-          <p:cNvPr id="143" name=""/>
+          <p:cNvPr id="187" name=""/>
           <p:cNvSpPr/>
           <p:nvPr/>
         </p:nvSpPr>
         <p:spPr>
           <a:xfrm>
             <a:off x="457200" y="1600200"/>
-            <a:ext cx="2514600" cy="0"/>
+            <a:ext cx="2514600" cy="360"/>
           </a:xfrm>
           <a:prstGeom prst="line">
             <a:avLst/>
@@ -6484,14 +9681,14 @@
       </p:sp>
       <p:sp>
         <p:nvSpPr>
-          <p:cNvPr id="144" name=""/>
+          <p:cNvPr id="188" name=""/>
           <p:cNvSpPr/>
           <p:nvPr/>
         </p:nvSpPr>
         <p:spPr>
           <a:xfrm>
             <a:off x="3429000" y="1600200"/>
-            <a:ext cx="2286000" cy="0"/>
+            <a:ext cx="2286000" cy="360"/>
           </a:xfrm>
           <a:prstGeom prst="line">
             <a:avLst/>
@@ -6512,59 +9709,21 @@
       </p:sp>
       <p:sp>
         <p:nvSpPr>
-          <p:cNvPr id="145" name=""/>
-          <p:cNvSpPr txBox="1"/>
-          <p:nvPr/>
-        </p:nvSpPr>
-        <p:spPr>
-          <a:xfrm>
-            <a:off x="457200" y="1371600"/>
-            <a:ext cx="2743200" cy="602280"/>
-          </a:xfrm>
-          <a:prstGeom prst="rect">
-            <a:avLst/>
-          </a:prstGeom>
-          <a:noFill/>
-          <a:ln w="0">
-            <a:noFill/>
-          </a:ln>
-        </p:spPr>
-        <p:txBody>
-          <a:bodyPr lIns="90000" rIns="90000" tIns="45000" bIns="45000" anchor="t">
-            <a:noAutofit/>
-          </a:bodyPr>
-          <a:p>
-            <a:r>
-              <a:rPr b="0" lang="en-US" sz="1400" spc="-1" strike="noStrike">
-                <a:latin typeface="Arial"/>
-              </a:rPr>
-              <a:t>2. Set Method to POST</a:t>
-            </a:r>
-            <a:endParaRPr b="0" lang="en-US" sz="1400" spc="-1" strike="noStrike">
-              <a:latin typeface="Arial"/>
-            </a:endParaRPr>
-          </a:p>
-        </p:txBody>
-      </p:sp>
-      <p:sp>
-        <p:nvSpPr>
-          <p:cNvPr id="146" name=""/>
+          <p:cNvPr id="189" name=""/>
           <p:cNvSpPr/>
           <p:nvPr/>
         </p:nvSpPr>
         <p:spPr>
           <a:xfrm>
-            <a:off x="3429000" y="2057400"/>
-            <a:ext cx="2286000" cy="0"/>
-          </a:xfrm>
-          <a:prstGeom prst="line">
-            <a:avLst/>
-          </a:prstGeom>
-          <a:ln w="0">
-            <a:solidFill>
-              <a:srgbClr val="000000"/>
-            </a:solidFill>
-            <a:tailEnd len="med" type="triangle" w="med"/>
+            <a:off x="457200" y="1371600"/>
+            <a:ext cx="2742840" cy="601920"/>
+          </a:xfrm>
+          <a:prstGeom prst="rect">
+            <a:avLst/>
+          </a:prstGeom>
+          <a:noFill/>
+          <a:ln w="0">
+            <a:noFill/>
           </a:ln>
         </p:spPr>
         <p:style>
@@ -6573,36 +9732,22 @@
           <a:effectRef idx="0"/>
           <a:fontRef idx="minor"/>
         </p:style>
-      </p:sp>
-      <p:sp>
-        <p:nvSpPr>
-          <p:cNvPr id="147" name=""/>
-          <p:cNvSpPr txBox="1"/>
-          <p:nvPr/>
-        </p:nvSpPr>
-        <p:spPr>
-          <a:xfrm>
-            <a:off x="457200" y="1973880"/>
-            <a:ext cx="2743200" cy="489960"/>
-          </a:xfrm>
-          <a:prstGeom prst="rect">
-            <a:avLst/>
-          </a:prstGeom>
-          <a:noFill/>
-          <a:ln w="0">
-            <a:noFill/>
-          </a:ln>
-        </p:spPr>
         <p:txBody>
           <a:bodyPr lIns="90000" rIns="90000" tIns="45000" bIns="45000" anchor="t">
             <a:noAutofit/>
           </a:bodyPr>
           <a:p>
+            <a:pPr>
+              <a:lnSpc>
+                <a:spcPct val="100000"/>
+              </a:lnSpc>
+              <a:buNone/>
+            </a:pPr>
             <a:r>
               <a:rPr b="0" lang="en-US" sz="1400" spc="-1" strike="noStrike">
                 <a:latin typeface="Arial"/>
               </a:rPr>
-              <a:t>3. Enter the URL for the Endpoint,along with the token </a:t>
+              <a:t>2. Set Method to POST</a:t>
             </a:r>
             <a:endParaRPr b="0" lang="en-US" sz="1400" spc="-1" strike="noStrike">
               <a:latin typeface="Arial"/>
@@ -6612,188 +9757,336 @@
       </p:sp>
       <p:sp>
         <p:nvSpPr>
-          <p:cNvPr id="148" name=""/>
-          <p:cNvSpPr txBox="1"/>
+          <p:cNvPr id="190" name=""/>
+          <p:cNvSpPr/>
           <p:nvPr/>
         </p:nvSpPr>
         <p:spPr>
           <a:xfrm>
-            <a:off x="228600" y="4233240"/>
-            <a:ext cx="4800600" cy="845640"/>
-          </a:xfrm>
-          <a:prstGeom prst="rect">
-            <a:avLst/>
-          </a:prstGeom>
-          <a:noFill/>
-          <a:ln w="0">
-            <a:noFill/>
-          </a:ln>
-        </p:spPr>
+            <a:off x="3429000" y="2057400"/>
+            <a:ext cx="2286000" cy="360"/>
+          </a:xfrm>
+          <a:prstGeom prst="line">
+            <a:avLst/>
+          </a:prstGeom>
+          <a:ln w="0">
+            <a:solidFill>
+              <a:srgbClr val="000000"/>
+            </a:solidFill>
+            <a:tailEnd len="med" type="triangle" w="med"/>
+          </a:ln>
+        </p:spPr>
+        <p:style>
+          <a:lnRef idx="0"/>
+          <a:fillRef idx="0"/>
+          <a:effectRef idx="0"/>
+          <a:fontRef idx="minor"/>
+        </p:style>
+      </p:sp>
+      <p:sp>
+        <p:nvSpPr>
+          <p:cNvPr id="191" name=""/>
+          <p:cNvSpPr/>
+          <p:nvPr/>
+        </p:nvSpPr>
+        <p:spPr>
+          <a:xfrm>
+            <a:off x="457200" y="1973880"/>
+            <a:ext cx="2742840" cy="489600"/>
+          </a:xfrm>
+          <a:prstGeom prst="rect">
+            <a:avLst/>
+          </a:prstGeom>
+          <a:noFill/>
+          <a:ln w="0">
+            <a:noFill/>
+          </a:ln>
+        </p:spPr>
+        <p:style>
+          <a:lnRef idx="0"/>
+          <a:fillRef idx="0"/>
+          <a:effectRef idx="0"/>
+          <a:fontRef idx="minor"/>
+        </p:style>
         <p:txBody>
           <a:bodyPr lIns="90000" rIns="90000" tIns="45000" bIns="45000" anchor="t">
             <a:noAutofit/>
           </a:bodyPr>
           <a:p>
-            <a:r>
-              <a:rPr b="0" lang="en-US" sz="1100" spc="-1" strike="noStrike">
-                <a:latin typeface="Arial"/>
-              </a:rPr>
-              <a:t>http://localhost:7007/device/EcoSensor1?token=39cfd7cc742</a:t>
-            </a:r>
-            <a:endParaRPr b="0" lang="en-US" sz="1100" spc="-1" strike="noStrike">
-              <a:latin typeface="Arial"/>
-            </a:endParaRPr>
-          </a:p>
-          <a:p>
-            <a:r>
-              <a:rPr b="0" lang="en-US" sz="1100" spc="-1" strike="noStrike">
-                <a:latin typeface="Arial"/>
-              </a:rPr>
-              <a:t>http://192.168.0.88:7007/device/EcoSensor1?token=39cfd7cc742</a:t>
-            </a:r>
-            <a:endParaRPr b="0" lang="en-US" sz="1100" spc="-1" strike="noStrike">
-              <a:latin typeface="Arial"/>
-            </a:endParaRPr>
-          </a:p>
-          <a:p>
-            <a:endParaRPr b="0" lang="en-US" sz="1000" spc="-1" strike="noStrike">
-              <a:latin typeface="Arial"/>
-            </a:endParaRPr>
-          </a:p>
-        </p:txBody>
-      </p:sp>
-      <p:sp>
-        <p:nvSpPr>
-          <p:cNvPr id="149" name=""/>
-          <p:cNvSpPr txBox="1"/>
+            <a:pPr>
+              <a:lnSpc>
+                <a:spcPct val="100000"/>
+              </a:lnSpc>
+              <a:buNone/>
+            </a:pPr>
+            <a:r>
+              <a:rPr b="0" lang="en-US" sz="1400" spc="-1" strike="noStrike">
+                <a:latin typeface="Arial"/>
+              </a:rPr>
+              <a:t>3. Enter the URL for the Endpoint,along with the token </a:t>
+            </a:r>
+            <a:endParaRPr b="0" lang="en-US" sz="1400" spc="-1" strike="noStrike">
+              <a:latin typeface="Arial"/>
+            </a:endParaRPr>
+          </a:p>
+        </p:txBody>
+      </p:sp>
+      <p:sp>
+        <p:nvSpPr>
+          <p:cNvPr id="192" name=""/>
+          <p:cNvSpPr/>
           <p:nvPr/>
         </p:nvSpPr>
         <p:spPr>
           <a:xfrm>
-            <a:off x="261720" y="4014720"/>
-            <a:ext cx="1600200" cy="245880"/>
-          </a:xfrm>
-          <a:prstGeom prst="rect">
-            <a:avLst/>
-          </a:prstGeom>
-          <a:noFill/>
-          <a:ln w="0">
-            <a:noFill/>
-          </a:ln>
-        </p:spPr>
+            <a:off x="228600" y="4233240"/>
+            <a:ext cx="4800240" cy="845280"/>
+          </a:xfrm>
+          <a:prstGeom prst="rect">
+            <a:avLst/>
+          </a:prstGeom>
+          <a:noFill/>
+          <a:ln w="0">
+            <a:noFill/>
+          </a:ln>
+        </p:spPr>
+        <p:style>
+          <a:lnRef idx="0"/>
+          <a:fillRef idx="0"/>
+          <a:effectRef idx="0"/>
+          <a:fontRef idx="minor"/>
+        </p:style>
         <p:txBody>
           <a:bodyPr lIns="90000" rIns="90000" tIns="45000" bIns="45000" anchor="t">
             <a:noAutofit/>
           </a:bodyPr>
           <a:p>
+            <a:pPr>
+              <a:lnSpc>
+                <a:spcPct val="100000"/>
+              </a:lnSpc>
+              <a:buNone/>
+            </a:pPr>
             <a:r>
               <a:rPr b="0" lang="en-US" sz="1100" spc="-1" strike="noStrike">
                 <a:latin typeface="Arial"/>
               </a:rPr>
-              <a:t>Example:</a:t>
+              <a:t>http://localhost:7007/device/EcoSensor1?token=39cfd7cc742</a:t>
             </a:r>
             <a:endParaRPr b="0" lang="en-US" sz="1100" spc="-1" strike="noStrike">
               <a:latin typeface="Arial"/>
             </a:endParaRPr>
           </a:p>
-        </p:txBody>
-      </p:sp>
-      <p:sp>
-        <p:nvSpPr>
-          <p:cNvPr id="150" name=""/>
-          <p:cNvSpPr txBox="1"/>
+          <a:p>
+            <a:pPr>
+              <a:lnSpc>
+                <a:spcPct val="100000"/>
+              </a:lnSpc>
+              <a:buNone/>
+            </a:pPr>
+            <a:r>
+              <a:rPr b="0" lang="en-US" sz="1100" spc="-1" strike="noStrike">
+                <a:latin typeface="Arial"/>
+              </a:rPr>
+              <a:t>http://192.168.0.88:7007/device/EcoSensor1?token=39cfd7cc742</a:t>
+            </a:r>
+            <a:endParaRPr b="0" lang="en-US" sz="1100" spc="-1" strike="noStrike">
+              <a:latin typeface="Arial"/>
+            </a:endParaRPr>
+          </a:p>
+          <a:p>
+            <a:pPr>
+              <a:lnSpc>
+                <a:spcPct val="100000"/>
+              </a:lnSpc>
+              <a:buNone/>
+            </a:pPr>
+            <a:endParaRPr b="0" lang="en-US" sz="1000" spc="-1" strike="noStrike">
+              <a:latin typeface="Arial"/>
+            </a:endParaRPr>
+          </a:p>
+        </p:txBody>
+      </p:sp>
+      <p:sp>
+        <p:nvSpPr>
+          <p:cNvPr id="193" name=""/>
+          <p:cNvSpPr/>
           <p:nvPr/>
         </p:nvSpPr>
         <p:spPr>
           <a:xfrm>
-            <a:off x="457200" y="2625480"/>
-            <a:ext cx="3657600" cy="290160"/>
-          </a:xfrm>
-          <a:prstGeom prst="rect">
-            <a:avLst/>
-          </a:prstGeom>
-          <a:noFill/>
-          <a:ln w="0">
-            <a:noFill/>
-          </a:ln>
-        </p:spPr>
+            <a:off x="261720" y="4014720"/>
+            <a:ext cx="1599840" cy="245520"/>
+          </a:xfrm>
+          <a:prstGeom prst="rect">
+            <a:avLst/>
+          </a:prstGeom>
+          <a:noFill/>
+          <a:ln w="0">
+            <a:noFill/>
+          </a:ln>
+        </p:spPr>
+        <p:style>
+          <a:lnRef idx="0"/>
+          <a:fillRef idx="0"/>
+          <a:effectRef idx="0"/>
+          <a:fontRef idx="minor"/>
+        </p:style>
         <p:txBody>
           <a:bodyPr lIns="90000" rIns="90000" tIns="45000" bIns="45000" anchor="t">
             <a:noAutofit/>
           </a:bodyPr>
           <a:p>
-            <a:r>
-              <a:rPr b="0" lang="en-US" sz="1400" spc="-1" strike="noStrike">
-                <a:latin typeface="Arial"/>
-              </a:rPr>
-              <a:t>URL Format:</a:t>
-            </a:r>
-            <a:endParaRPr b="0" lang="en-US" sz="1400" spc="-1" strike="noStrike">
-              <a:latin typeface="Arial"/>
-            </a:endParaRPr>
-          </a:p>
-        </p:txBody>
-      </p:sp>
-      <p:sp>
-        <p:nvSpPr>
-          <p:cNvPr id="151" name=""/>
-          <p:cNvSpPr txBox="1"/>
+            <a:pPr>
+              <a:lnSpc>
+                <a:spcPct val="100000"/>
+              </a:lnSpc>
+              <a:buNone/>
+            </a:pPr>
+            <a:r>
+              <a:rPr b="0" lang="en-US" sz="1100" spc="-1" strike="noStrike">
+                <a:latin typeface="Arial"/>
+              </a:rPr>
+              <a:t>Example:</a:t>
+            </a:r>
+            <a:endParaRPr b="0" lang="en-US" sz="1100" spc="-1" strike="noStrike">
+              <a:latin typeface="Arial"/>
+            </a:endParaRPr>
+          </a:p>
+        </p:txBody>
+      </p:sp>
+      <p:sp>
+        <p:nvSpPr>
+          <p:cNvPr id="194" name=""/>
+          <p:cNvSpPr/>
           <p:nvPr/>
         </p:nvSpPr>
         <p:spPr>
           <a:xfrm>
-            <a:off x="457200" y="2915640"/>
-            <a:ext cx="4572000" cy="489960"/>
-          </a:xfrm>
-          <a:prstGeom prst="rect">
-            <a:avLst/>
-          </a:prstGeom>
-          <a:noFill/>
-          <a:ln w="0">
-            <a:noFill/>
-          </a:ln>
-        </p:spPr>
+            <a:off x="457200" y="2625480"/>
+            <a:ext cx="3657240" cy="289800"/>
+          </a:xfrm>
+          <a:prstGeom prst="rect">
+            <a:avLst/>
+          </a:prstGeom>
+          <a:noFill/>
+          <a:ln w="0">
+            <a:noFill/>
+          </a:ln>
+        </p:spPr>
+        <p:style>
+          <a:lnRef idx="0"/>
+          <a:fillRef idx="0"/>
+          <a:effectRef idx="0"/>
+          <a:fontRef idx="minor"/>
+        </p:style>
         <p:txBody>
           <a:bodyPr lIns="90000" rIns="90000" tIns="45000" bIns="45000" anchor="t">
             <a:noAutofit/>
           </a:bodyPr>
           <a:p>
-            <a:r>
-              <a:rPr b="0" lang="en-US" sz="1200" spc="-1" strike="noStrike">
-                <a:latin typeface="Arial"/>
-              </a:rPr>
-              <a:t>http://&lt;IP Address&gt;/device/&lt;deviceName&gt;?token=&lt;key&gt;</a:t>
-            </a:r>
-            <a:endParaRPr b="0" lang="en-US" sz="1200" spc="-1" strike="noStrike">
-              <a:latin typeface="Arial"/>
-            </a:endParaRPr>
-          </a:p>
-        </p:txBody>
-      </p:sp>
-      <p:sp>
-        <p:nvSpPr>
-          <p:cNvPr id="152" name=""/>
-          <p:cNvSpPr txBox="1"/>
+            <a:pPr>
+              <a:lnSpc>
+                <a:spcPct val="100000"/>
+              </a:lnSpc>
+              <a:buNone/>
+            </a:pPr>
+            <a:r>
+              <a:rPr b="0" lang="en-US" sz="1400" spc="-1" strike="noStrike">
+                <a:latin typeface="Arial"/>
+              </a:rPr>
+              <a:t>URL Format:</a:t>
+            </a:r>
+            <a:endParaRPr b="0" lang="en-US" sz="1400" spc="-1" strike="noStrike">
+              <a:latin typeface="Arial"/>
+            </a:endParaRPr>
+          </a:p>
+        </p:txBody>
+      </p:sp>
+      <p:sp>
+        <p:nvSpPr>
+          <p:cNvPr id="195" name=""/>
+          <p:cNvSpPr/>
           <p:nvPr/>
         </p:nvSpPr>
         <p:spPr>
           <a:xfrm>
-            <a:off x="228600" y="3429000"/>
-            <a:ext cx="4800600" cy="401400"/>
-          </a:xfrm>
-          <a:prstGeom prst="rect">
-            <a:avLst/>
-          </a:prstGeom>
-          <a:noFill/>
-          <a:ln w="0">
-            <a:noFill/>
-          </a:ln>
-        </p:spPr>
+            <a:off x="457200" y="2915640"/>
+            <a:ext cx="4571640" cy="489600"/>
+          </a:xfrm>
+          <a:prstGeom prst="rect">
+            <a:avLst/>
+          </a:prstGeom>
+          <a:noFill/>
+          <a:ln w="0">
+            <a:noFill/>
+          </a:ln>
+        </p:spPr>
+        <p:style>
+          <a:lnRef idx="0"/>
+          <a:fillRef idx="0"/>
+          <a:effectRef idx="0"/>
+          <a:fontRef idx="minor"/>
+        </p:style>
         <p:txBody>
           <a:bodyPr lIns="90000" rIns="90000" tIns="45000" bIns="45000" anchor="t">
             <a:noAutofit/>
           </a:bodyPr>
           <a:p>
+            <a:pPr>
+              <a:lnSpc>
+                <a:spcPct val="100000"/>
+              </a:lnSpc>
+              <a:buNone/>
+            </a:pPr>
+            <a:r>
+              <a:rPr b="0" lang="en-US" sz="1200" spc="-1" strike="noStrike">
+                <a:latin typeface="Arial"/>
+              </a:rPr>
+              <a:t>http://&lt;IP Address&gt;/device/&lt;deviceName&gt;?token=&lt;key&gt;</a:t>
+            </a:r>
+            <a:endParaRPr b="0" lang="en-US" sz="1200" spc="-1" strike="noStrike">
+              <a:latin typeface="Arial"/>
+            </a:endParaRPr>
+          </a:p>
+        </p:txBody>
+      </p:sp>
+      <p:sp>
+        <p:nvSpPr>
+          <p:cNvPr id="196" name=""/>
+          <p:cNvSpPr/>
+          <p:nvPr/>
+        </p:nvSpPr>
+        <p:spPr>
+          <a:xfrm>
+            <a:off x="228600" y="3429000"/>
+            <a:ext cx="4800240" cy="401040"/>
+          </a:xfrm>
+          <a:prstGeom prst="rect">
+            <a:avLst/>
+          </a:prstGeom>
+          <a:noFill/>
+          <a:ln w="0">
+            <a:noFill/>
+          </a:ln>
+        </p:spPr>
+        <p:style>
+          <a:lnRef idx="0"/>
+          <a:fillRef idx="0"/>
+          <a:effectRef idx="0"/>
+          <a:fontRef idx="minor"/>
+        </p:style>
+        <p:txBody>
+          <a:bodyPr lIns="90000" rIns="90000" tIns="45000" bIns="45000" anchor="t">
+            <a:noAutofit/>
+          </a:bodyPr>
+          <a:p>
+            <a:pPr>
+              <a:lnSpc>
+                <a:spcPct val="100000"/>
+              </a:lnSpc>
+              <a:buNone/>
+            </a:pPr>
             <a:r>
               <a:rPr b="1" lang="en-US" sz="1100" spc="-1" strike="noStrike">
                 <a:latin typeface="Arial"/>
@@ -6838,7 +10131,7 @@
       </p:sp>
       <p:pic>
         <p:nvPicPr>
-          <p:cNvPr id="153" name="" descr=""/>
+          <p:cNvPr id="197" name="" descr=""/>
           <p:cNvPicPr/>
           <p:nvPr/>
         </p:nvPicPr>
@@ -6849,7 +10142,7 @@
         <p:spPr>
           <a:xfrm>
             <a:off x="3571560" y="694080"/>
-            <a:ext cx="1906560" cy="704520"/>
+            <a:ext cx="1906200" cy="704160"/>
           </a:xfrm>
           <a:prstGeom prst="rect">
             <a:avLst/>
@@ -6861,28 +10154,40 @@
       </p:pic>
       <p:sp>
         <p:nvSpPr>
-          <p:cNvPr id="154" name=""/>
-          <p:cNvSpPr txBox="1"/>
+          <p:cNvPr id="198" name=""/>
+          <p:cNvSpPr/>
           <p:nvPr/>
         </p:nvSpPr>
         <p:spPr>
           <a:xfrm>
             <a:off x="457200" y="914400"/>
-            <a:ext cx="2743200" cy="602280"/>
-          </a:xfrm>
-          <a:prstGeom prst="rect">
-            <a:avLst/>
-          </a:prstGeom>
-          <a:noFill/>
-          <a:ln w="0">
-            <a:noFill/>
-          </a:ln>
-        </p:spPr>
+            <a:ext cx="2742840" cy="601920"/>
+          </a:xfrm>
+          <a:prstGeom prst="rect">
+            <a:avLst/>
+          </a:prstGeom>
+          <a:noFill/>
+          <a:ln w="0">
+            <a:noFill/>
+          </a:ln>
+        </p:spPr>
+        <p:style>
+          <a:lnRef idx="0"/>
+          <a:fillRef idx="0"/>
+          <a:effectRef idx="0"/>
+          <a:fontRef idx="minor"/>
+        </p:style>
         <p:txBody>
           <a:bodyPr lIns="90000" rIns="90000" tIns="45000" bIns="45000" anchor="t">
             <a:noAutofit/>
           </a:bodyPr>
           <a:p>
+            <a:pPr>
+              <a:lnSpc>
+                <a:spcPct val="100000"/>
+              </a:lnSpc>
+              <a:buNone/>
+            </a:pPr>
             <a:r>
               <a:rPr b="0" lang="en-US" sz="1400" spc="-1" strike="noStrike">
                 <a:latin typeface="Arial"/>
@@ -6909,28 +10214,40 @@
       </p:sp>
       <p:sp>
         <p:nvSpPr>
-          <p:cNvPr id="155" name=""/>
-          <p:cNvSpPr txBox="1"/>
+          <p:cNvPr id="199" name=""/>
+          <p:cNvSpPr/>
           <p:nvPr/>
         </p:nvSpPr>
         <p:spPr>
           <a:xfrm>
             <a:off x="457200" y="4996440"/>
-            <a:ext cx="2743200" cy="290160"/>
-          </a:xfrm>
-          <a:prstGeom prst="rect">
-            <a:avLst/>
-          </a:prstGeom>
-          <a:noFill/>
-          <a:ln w="0">
-            <a:noFill/>
-          </a:ln>
-        </p:spPr>
+            <a:ext cx="2742840" cy="289800"/>
+          </a:xfrm>
+          <a:prstGeom prst="rect">
+            <a:avLst/>
+          </a:prstGeom>
+          <a:noFill/>
+          <a:ln w="0">
+            <a:noFill/>
+          </a:ln>
+        </p:spPr>
+        <p:style>
+          <a:lnRef idx="0"/>
+          <a:fillRef idx="0"/>
+          <a:effectRef idx="0"/>
+          <a:fontRef idx="minor"/>
+        </p:style>
         <p:txBody>
           <a:bodyPr lIns="90000" rIns="90000" tIns="45000" bIns="45000" anchor="t">
             <a:noAutofit/>
           </a:bodyPr>
           <a:p>
+            <a:pPr>
+              <a:lnSpc>
+                <a:spcPct val="100000"/>
+              </a:lnSpc>
+              <a:buNone/>
+            </a:pPr>
             <a:r>
               <a:rPr b="0" lang="en-US" sz="1400" spc="-1" strike="noStrike">
                 <a:latin typeface="Arial"/>
@@ -6987,7 +10304,7 @@
       </p:grpSpPr>
       <p:pic>
         <p:nvPicPr>
-          <p:cNvPr id="156" name="" descr=""/>
+          <p:cNvPr id="200" name="" descr=""/>
           <p:cNvPicPr/>
           <p:nvPr/>
         </p:nvPicPr>
@@ -6998,7 +10315,7 @@
         <p:spPr>
           <a:xfrm>
             <a:off x="-55440" y="59760"/>
-            <a:ext cx="10058400" cy="5670000"/>
+            <a:ext cx="10058040" cy="5669640"/>
           </a:xfrm>
           <a:prstGeom prst="rect">
             <a:avLst/>
@@ -7010,14 +10327,14 @@
       </p:pic>
       <p:sp>
         <p:nvSpPr>
-          <p:cNvPr id="157" name=""/>
+          <p:cNvPr id="201" name=""/>
           <p:cNvSpPr/>
           <p:nvPr/>
         </p:nvSpPr>
         <p:spPr>
           <a:xfrm>
             <a:off x="2971800" y="3886200"/>
-            <a:ext cx="2057400" cy="0"/>
+            <a:ext cx="2057400" cy="360"/>
           </a:xfrm>
           <a:prstGeom prst="line">
             <a:avLst/>
@@ -7035,14 +10352,14 @@
       </p:sp>
       <p:sp>
         <p:nvSpPr>
-          <p:cNvPr id="158" name=""/>
+          <p:cNvPr id="202" name=""/>
           <p:cNvSpPr/>
           <p:nvPr/>
         </p:nvSpPr>
         <p:spPr>
           <a:xfrm>
             <a:off x="3114720" y="3934440"/>
-            <a:ext cx="2057400" cy="0"/>
+            <a:ext cx="2057400" cy="360"/>
           </a:xfrm>
           <a:prstGeom prst="line">
             <a:avLst/>
@@ -7063,14 +10380,14 @@
       </p:sp>
       <p:sp>
         <p:nvSpPr>
-          <p:cNvPr id="159" name=""/>
-          <p:cNvSpPr txBox="1"/>
+          <p:cNvPr id="203" name=""/>
+          <p:cNvSpPr/>
           <p:nvPr/>
         </p:nvSpPr>
         <p:spPr>
           <a:xfrm>
             <a:off x="457200" y="3429000"/>
-            <a:ext cx="2657520" cy="1371600"/>
+            <a:ext cx="2657160" cy="1371240"/>
           </a:xfrm>
           <a:prstGeom prst="rect">
             <a:avLst/>
@@ -7082,11 +10399,23 @@
             </a:solidFill>
           </a:ln>
         </p:spPr>
+        <p:style>
+          <a:lnRef idx="0"/>
+          <a:fillRef idx="0"/>
+          <a:effectRef idx="0"/>
+          <a:fontRef idx="minor"/>
+        </p:style>
         <p:txBody>
           <a:bodyPr lIns="90000" rIns="90000" tIns="45000" bIns="45000" anchor="t">
             <a:noAutofit/>
           </a:bodyPr>
           <a:p>
+            <a:pPr>
+              <a:lnSpc>
+                <a:spcPct val="100000"/>
+              </a:lnSpc>
+              <a:buNone/>
+            </a:pPr>
             <a:r>
               <a:rPr b="0" lang="en-US" sz="1800" spc="-1" strike="noStrike">
                 <a:latin typeface="Arial"/>
@@ -7131,7 +10460,7 @@
       </p:grpSpPr>
       <p:sp>
         <p:nvSpPr>
-          <p:cNvPr id="160" name="PlaceHolder 1"/>
+          <p:cNvPr id="204" name="PlaceHolder 1"/>
           <p:cNvSpPr>
             <a:spLocks noGrp="1"/>
           </p:cNvSpPr>
@@ -7142,7 +10471,7 @@
         <p:spPr>
           <a:xfrm>
             <a:off x="504000" y="74160"/>
-            <a:ext cx="8868600" cy="1068840"/>
+            <a:ext cx="8868240" cy="1068480"/>
           </a:xfrm>
           <a:prstGeom prst="rect">
             <a:avLst/>
@@ -7158,6 +10487,9 @@
           </a:bodyPr>
           <a:p>
             <a:pPr algn="ctr">
+              <a:lnSpc>
+                <a:spcPct val="100000"/>
+              </a:lnSpc>
               <a:buNone/>
             </a:pPr>
             <a:r>
@@ -7174,7 +10506,7 @@
       </p:sp>
       <p:pic>
         <p:nvPicPr>
-          <p:cNvPr id="161" name="" descr=""/>
+          <p:cNvPr id="205" name="" descr=""/>
           <p:cNvPicPr/>
           <p:nvPr/>
         </p:nvPicPr>
@@ -7185,7 +10517,7 @@
         <p:spPr>
           <a:xfrm>
             <a:off x="4800600" y="962280"/>
-            <a:ext cx="4495320" cy="3838320"/>
+            <a:ext cx="4494960" cy="3837960"/>
           </a:xfrm>
           <a:prstGeom prst="rect">
             <a:avLst/>
@@ -7197,28 +10529,40 @@
       </p:pic>
       <p:sp>
         <p:nvSpPr>
-          <p:cNvPr id="162" name=""/>
-          <p:cNvSpPr txBox="1"/>
+          <p:cNvPr id="206" name=""/>
+          <p:cNvSpPr/>
           <p:nvPr/>
         </p:nvSpPr>
         <p:spPr>
           <a:xfrm>
             <a:off x="457200" y="1371600"/>
-            <a:ext cx="3429000" cy="1114200"/>
-          </a:xfrm>
-          <a:prstGeom prst="rect">
-            <a:avLst/>
-          </a:prstGeom>
-          <a:noFill/>
-          <a:ln w="0">
-            <a:noFill/>
-          </a:ln>
-        </p:spPr>
+            <a:ext cx="3428640" cy="1113840"/>
+          </a:xfrm>
+          <a:prstGeom prst="rect">
+            <a:avLst/>
+          </a:prstGeom>
+          <a:noFill/>
+          <a:ln w="0">
+            <a:noFill/>
+          </a:ln>
+        </p:spPr>
+        <p:style>
+          <a:lnRef idx="0"/>
+          <a:fillRef idx="0"/>
+          <a:effectRef idx="0"/>
+          <a:fontRef idx="minor"/>
+        </p:style>
         <p:txBody>
           <a:bodyPr lIns="90000" rIns="90000" tIns="45000" bIns="45000" anchor="t">
             <a:noAutofit/>
           </a:bodyPr>
           <a:p>
+            <a:pPr>
+              <a:lnSpc>
+                <a:spcPct val="100000"/>
+              </a:lnSpc>
+              <a:buNone/>
+            </a:pPr>
             <a:r>
               <a:rPr b="0" lang="en-US" sz="1800" spc="-1" strike="noStrike">
                 <a:latin typeface="Arial"/>
@@ -7230,11 +10574,23 @@
             </a:endParaRPr>
           </a:p>
           <a:p>
+            <a:pPr>
+              <a:lnSpc>
+                <a:spcPct val="100000"/>
+              </a:lnSpc>
+              <a:buNone/>
+            </a:pPr>
             <a:endParaRPr b="0" lang="en-US" sz="1800" spc="-1" strike="noStrike">
               <a:latin typeface="Arial"/>
             </a:endParaRPr>
           </a:p>
           <a:p>
+            <a:pPr>
+              <a:lnSpc>
+                <a:spcPct val="100000"/>
+              </a:lnSpc>
+              <a:buNone/>
+            </a:pPr>
             <a:r>
               <a:rPr b="0" i="1" lang="en-US" sz="1800" spc="-1" strike="noStrike">
                 <a:latin typeface="Arial"/>
@@ -7246,6 +10602,12 @@
             </a:endParaRPr>
           </a:p>
           <a:p>
+            <a:pPr>
+              <a:lnSpc>
+                <a:spcPct val="100000"/>
+              </a:lnSpc>
+              <a:buNone/>
+            </a:pPr>
             <a:endParaRPr b="0" lang="en-US" sz="1800" spc="-1" strike="noStrike">
               <a:latin typeface="Arial"/>
             </a:endParaRPr>
@@ -7254,28 +10616,40 @@
       </p:sp>
       <p:sp>
         <p:nvSpPr>
-          <p:cNvPr id="163" name=""/>
-          <p:cNvSpPr txBox="1"/>
+          <p:cNvPr id="207" name=""/>
+          <p:cNvSpPr/>
           <p:nvPr/>
         </p:nvSpPr>
         <p:spPr>
           <a:xfrm>
             <a:off x="5639400" y="1032120"/>
-            <a:ext cx="3097800" cy="346320"/>
-          </a:xfrm>
-          <a:prstGeom prst="rect">
-            <a:avLst/>
-          </a:prstGeom>
-          <a:noFill/>
-          <a:ln w="0">
-            <a:noFill/>
-          </a:ln>
-        </p:spPr>
+            <a:ext cx="3097440" cy="345960"/>
+          </a:xfrm>
+          <a:prstGeom prst="rect">
+            <a:avLst/>
+          </a:prstGeom>
+          <a:noFill/>
+          <a:ln w="0">
+            <a:noFill/>
+          </a:ln>
+        </p:spPr>
+        <p:style>
+          <a:lnRef idx="0"/>
+          <a:fillRef idx="0"/>
+          <a:effectRef idx="0"/>
+          <a:fontRef idx="minor"/>
+        </p:style>
         <p:txBody>
           <a:bodyPr lIns="90000" rIns="90000" tIns="45000" bIns="45000" anchor="t">
             <a:noAutofit/>
           </a:bodyPr>
           <a:p>
+            <a:pPr>
+              <a:lnSpc>
+                <a:spcPct val="100000"/>
+              </a:lnSpc>
+              <a:buNone/>
+            </a:pPr>
             <a:r>
               <a:rPr b="0" lang="en-US" sz="1800" spc="-1" strike="noStrike">
                 <a:latin typeface="Arial"/>
@@ -7320,7 +10694,7 @@
       </p:grpSpPr>
       <p:sp>
         <p:nvSpPr>
-          <p:cNvPr id="164" name="PlaceHolder 1"/>
+          <p:cNvPr id="208" name="PlaceHolder 1"/>
           <p:cNvSpPr>
             <a:spLocks noGrp="1"/>
           </p:cNvSpPr>
@@ -7331,7 +10705,7 @@
         <p:spPr>
           <a:xfrm>
             <a:off x="300960" y="2057400"/>
-            <a:ext cx="9071640" cy="946440"/>
+            <a:ext cx="9071280" cy="946080"/>
           </a:xfrm>
           <a:prstGeom prst="rect">
             <a:avLst/>
@@ -7347,19 +10721,16 @@
           </a:bodyPr>
           <a:p>
             <a:pPr algn="ctr">
+              <a:lnSpc>
+                <a:spcPct val="100000"/>
+              </a:lnSpc>
               <a:buNone/>
             </a:pPr>
             <a:r>
               <a:rPr b="0" lang="en-US" sz="4400" spc="-1" strike="noStrike">
                 <a:latin typeface="Arial"/>
               </a:rPr>
-              <a:t>Than</a:t>
-            </a:r>
-            <a:r>
-              <a:rPr b="0" lang="en-US" sz="4400" spc="-1" strike="noStrike">
-                <a:latin typeface="Arial"/>
-              </a:rPr>
-              <a:t>k You </a:t>
+              <a:t>Thank You </a:t>
             </a:r>
             <a:endParaRPr b="0" lang="en-US" sz="4400" spc="-1" strike="noStrike">
               <a:latin typeface="Arial"/>
@@ -7369,33 +10740,51 @@
       </p:sp>
       <p:sp>
         <p:nvSpPr>
-          <p:cNvPr id="165" name=""/>
-          <p:cNvSpPr txBox="1"/>
+          <p:cNvPr id="209" name=""/>
+          <p:cNvSpPr/>
           <p:nvPr/>
         </p:nvSpPr>
         <p:spPr>
           <a:xfrm>
             <a:off x="1600200" y="2140920"/>
-            <a:ext cx="7315200" cy="602280"/>
-          </a:xfrm>
-          <a:prstGeom prst="rect">
-            <a:avLst/>
-          </a:prstGeom>
-          <a:noFill/>
-          <a:ln w="0">
-            <a:noFill/>
-          </a:ln>
-        </p:spPr>
+            <a:ext cx="7314840" cy="601920"/>
+          </a:xfrm>
+          <a:prstGeom prst="rect">
+            <a:avLst/>
+          </a:prstGeom>
+          <a:noFill/>
+          <a:ln w="0">
+            <a:noFill/>
+          </a:ln>
+        </p:spPr>
+        <p:style>
+          <a:lnRef idx="0"/>
+          <a:fillRef idx="0"/>
+          <a:effectRef idx="0"/>
+          <a:fontRef idx="minor"/>
+        </p:style>
         <p:txBody>
           <a:bodyPr lIns="90000" rIns="90000" tIns="45000" bIns="45000" anchor="t">
             <a:noAutofit/>
           </a:bodyPr>
           <a:p>
+            <a:pPr>
+              <a:lnSpc>
+                <a:spcPct val="100000"/>
+              </a:lnSpc>
+              <a:buNone/>
+            </a:pPr>
             <a:endParaRPr b="0" lang="en-US" sz="1800" spc="-1" strike="noStrike">
               <a:latin typeface="Arial"/>
             </a:endParaRPr>
           </a:p>
           <a:p>
+            <a:pPr>
+              <a:lnSpc>
+                <a:spcPct val="100000"/>
+              </a:lnSpc>
+              <a:buNone/>
+            </a:pPr>
             <a:endParaRPr b="0" lang="en-US" sz="1800" spc="-1" strike="noStrike">
               <a:latin typeface="Arial"/>
             </a:endParaRPr>
@@ -7434,7 +10823,7 @@
       </p:grpSpPr>
       <p:sp>
         <p:nvSpPr>
-          <p:cNvPr id="47" name="PlaceHolder 1"/>
+          <p:cNvPr id="88" name="PlaceHolder 1"/>
           <p:cNvSpPr>
             <a:spLocks noGrp="1"/>
           </p:cNvSpPr>
@@ -7445,7 +10834,7 @@
         <p:spPr>
           <a:xfrm>
             <a:off x="504000" y="226080"/>
-            <a:ext cx="9071640" cy="946440"/>
+            <a:ext cx="9071280" cy="946080"/>
           </a:xfrm>
           <a:prstGeom prst="rect">
             <a:avLst/>
@@ -7461,6 +10850,9 @@
           </a:bodyPr>
           <a:p>
             <a:pPr algn="ctr">
+              <a:lnSpc>
+                <a:spcPct val="100000"/>
+              </a:lnSpc>
               <a:buNone/>
             </a:pPr>
             <a:r>
@@ -7477,7 +10869,7 @@
       </p:sp>
       <p:sp>
         <p:nvSpPr>
-          <p:cNvPr id="48" name="PlaceHolder 2"/>
+          <p:cNvPr id="89" name="PlaceHolder 2"/>
           <p:cNvSpPr>
             <a:spLocks noGrp="1"/>
           </p:cNvSpPr>
@@ -7488,7 +10880,7 @@
         <p:spPr>
           <a:xfrm>
             <a:off x="504000" y="1326600"/>
-            <a:ext cx="9071640" cy="3288240"/>
+            <a:ext cx="9071280" cy="3287880"/>
           </a:xfrm>
           <a:prstGeom prst="rect">
             <a:avLst/>
@@ -7504,6 +10896,9 @@
           </a:bodyPr>
           <a:p>
             <a:pPr marL="432000" indent="-324000">
+              <a:lnSpc>
+                <a:spcPct val="100000"/>
+              </a:lnSpc>
               <a:spcBef>
                 <a:spcPts val="1417"/>
               </a:spcBef>
@@ -7525,7 +10920,24 @@
             </a:endParaRPr>
           </a:p>
           <a:p>
+            <a:pPr>
+              <a:lnSpc>
+                <a:spcPct val="100000"/>
+              </a:lnSpc>
+              <a:spcBef>
+                <a:spcPts val="1417"/>
+              </a:spcBef>
+              <a:buNone/>
+            </a:pPr>
+            <a:endParaRPr b="0" lang="en-US" sz="3200" spc="-1" strike="noStrike">
+              <a:latin typeface="Arial"/>
+            </a:endParaRPr>
+          </a:p>
+          <a:p>
             <a:pPr marL="432000" indent="-324000">
+              <a:lnSpc>
+                <a:spcPct val="100000"/>
+              </a:lnSpc>
               <a:spcBef>
                 <a:spcPts val="1417"/>
               </a:spcBef>
@@ -7536,60 +10948,44 @@
               <a:buFont typeface="Wingdings" charset="2"/>
               <a:buChar char=""/>
             </a:pPr>
+            <a:r>
+              <a:rPr b="0" lang="en-US" sz="3200" spc="-1" strike="noStrike" u="sng">
+                <a:solidFill>
+                  <a:srgbClr val="0000ff"/>
+                </a:solidFill>
+                <a:uFillTx/>
+                <a:latin typeface="Arial"/>
+                <a:hlinkClick r:id="rId1"/>
+              </a:rPr>
+              <a:t>https://github.com/selvadurai/BacnetAPIServer</a:t>
+            </a:r>
             <a:endParaRPr b="0" lang="en-US" sz="3200" spc="-1" strike="noStrike">
               <a:latin typeface="Arial"/>
             </a:endParaRPr>
           </a:p>
           <a:p>
-            <a:pPr marL="432000" indent="-324000">
+            <a:pPr>
+              <a:lnSpc>
+                <a:spcPct val="100000"/>
+              </a:lnSpc>
               <a:spcBef>
                 <a:spcPts val="1417"/>
               </a:spcBef>
-              <a:buClr>
-                <a:srgbClr val="000000"/>
-              </a:buClr>
-              <a:buSzPct val="45000"/>
-              <a:buFont typeface="Wingdings" charset="2"/>
-              <a:buChar char=""/>
-            </a:pPr>
-            <a:r>
-              <a:rPr b="0" lang="en-US" sz="3200" spc="-1" strike="noStrike">
-                <a:latin typeface="Arial"/>
-                <a:hlinkClick r:id="rId1"/>
-              </a:rPr>
-              <a:t>https://github.com/selvadurai/BacnetAPIServer</a:t>
-            </a:r>
+              <a:buNone/>
+            </a:pPr>
             <a:endParaRPr b="0" lang="en-US" sz="3200" spc="-1" strike="noStrike">
               <a:latin typeface="Arial"/>
             </a:endParaRPr>
           </a:p>
           <a:p>
-            <a:pPr marL="432000" indent="-324000">
+            <a:pPr>
+              <a:lnSpc>
+                <a:spcPct val="100000"/>
+              </a:lnSpc>
               <a:spcBef>
                 <a:spcPts val="1417"/>
               </a:spcBef>
-              <a:buClr>
-                <a:srgbClr val="000000"/>
-              </a:buClr>
-              <a:buSzPct val="45000"/>
-              <a:buFont typeface="Wingdings" charset="2"/>
-              <a:buChar char=""/>
-            </a:pPr>
-            <a:endParaRPr b="0" lang="en-US" sz="3200" spc="-1" strike="noStrike">
-              <a:latin typeface="Arial"/>
-            </a:endParaRPr>
-          </a:p>
-          <a:p>
-            <a:pPr marL="432000" indent="-324000">
-              <a:spcBef>
-                <a:spcPts val="1417"/>
-              </a:spcBef>
-              <a:buClr>
-                <a:srgbClr val="000000"/>
-              </a:buClr>
-              <a:buSzPct val="45000"/>
-              <a:buFont typeface="Wingdings" charset="2"/>
-              <a:buChar char=""/>
+              <a:buNone/>
             </a:pPr>
             <a:endParaRPr b="0" lang="en-US" sz="3200" spc="-1" strike="noStrike">
               <a:latin typeface="Arial"/>
@@ -7629,7 +11025,7 @@
       </p:grpSpPr>
       <p:sp>
         <p:nvSpPr>
-          <p:cNvPr id="49" name="PlaceHolder 1"/>
+          <p:cNvPr id="90" name="PlaceHolder 1"/>
           <p:cNvSpPr>
             <a:spLocks noGrp="1"/>
           </p:cNvSpPr>
@@ -7640,7 +11036,7 @@
         <p:spPr>
           <a:xfrm>
             <a:off x="685800" y="1568160"/>
-            <a:ext cx="9071640" cy="946440"/>
+            <a:ext cx="9071280" cy="946080"/>
           </a:xfrm>
           <a:prstGeom prst="rect">
             <a:avLst/>
@@ -7656,6 +11052,9 @@
           </a:bodyPr>
           <a:p>
             <a:pPr algn="ctr">
+              <a:lnSpc>
+                <a:spcPct val="100000"/>
+              </a:lnSpc>
               <a:buNone/>
             </a:pPr>
             <a:r>
@@ -7702,7 +11101,7 @@
       </p:grpSpPr>
       <p:sp>
         <p:nvSpPr>
-          <p:cNvPr id="50" name="PlaceHolder 1"/>
+          <p:cNvPr id="91" name="PlaceHolder 1"/>
           <p:cNvSpPr>
             <a:spLocks noGrp="1"/>
           </p:cNvSpPr>
@@ -7713,7 +11112,7 @@
         <p:spPr>
           <a:xfrm>
             <a:off x="228600" y="228600"/>
-            <a:ext cx="9601200" cy="1143000"/>
+            <a:ext cx="9600840" cy="1142640"/>
           </a:xfrm>
           <a:prstGeom prst="rect">
             <a:avLst/>
@@ -7725,10 +11124,13 @@
         </p:spPr>
         <p:txBody>
           <a:bodyPr lIns="0" rIns="0" tIns="0" bIns="0" anchor="t">
-            <a:normAutofit fontScale="48000"/>
+            <a:normAutofit fontScale="45000"/>
           </a:bodyPr>
           <a:p>
             <a:pPr marL="432000" indent="-324000">
+              <a:lnSpc>
+                <a:spcPct val="100000"/>
+              </a:lnSpc>
               <a:spcBef>
                 <a:spcPts val="1417"/>
               </a:spcBef>
@@ -7763,6 +11165,9 @@
           </a:p>
           <a:p>
             <a:pPr marL="432000" indent="-324000">
+              <a:lnSpc>
+                <a:spcPct val="100000"/>
+              </a:lnSpc>
               <a:spcBef>
                 <a:spcPts val="1417"/>
               </a:spcBef>
@@ -7814,7 +11219,24 @@
             </a:endParaRPr>
           </a:p>
           <a:p>
+            <a:pPr>
+              <a:lnSpc>
+                <a:spcPct val="100000"/>
+              </a:lnSpc>
+              <a:spcBef>
+                <a:spcPts val="1417"/>
+              </a:spcBef>
+              <a:buNone/>
+            </a:pPr>
+            <a:endParaRPr b="0" lang="en-US" sz="3200" spc="-1" strike="noStrike">
+              <a:latin typeface="Arial"/>
+            </a:endParaRPr>
+          </a:p>
+          <a:p>
             <a:pPr marL="432000" indent="-324000">
+              <a:lnSpc>
+                <a:spcPct val="100000"/>
+              </a:lnSpc>
               <a:spcBef>
                 <a:spcPts val="1417"/>
               </a:spcBef>
@@ -7825,22 +11247,6 @@
               <a:buFont typeface="Wingdings" charset="2"/>
               <a:buChar char=""/>
             </a:pPr>
-            <a:endParaRPr b="0" lang="en-US" sz="3200" spc="-1" strike="noStrike">
-              <a:latin typeface="Arial"/>
-            </a:endParaRPr>
-          </a:p>
-          <a:p>
-            <a:pPr marL="432000" indent="-324000">
-              <a:spcBef>
-                <a:spcPts val="1417"/>
-              </a:spcBef>
-              <a:buClr>
-                <a:srgbClr val="000000"/>
-              </a:buClr>
-              <a:buSzPct val="45000"/>
-              <a:buFont typeface="Wingdings" charset="2"/>
-              <a:buChar char=""/>
-            </a:pPr>
             <a:r>
               <a:rPr b="0" lang="en-US" sz="3200" spc="-1" strike="noStrike">
                 <a:latin typeface="Arial"/>
@@ -7855,7 +11261,7 @@
       </p:sp>
       <p:pic>
         <p:nvPicPr>
-          <p:cNvPr id="51" name="" descr=""/>
+          <p:cNvPr id="92" name="" descr=""/>
           <p:cNvPicPr/>
           <p:nvPr/>
         </p:nvPicPr>
@@ -7866,7 +11272,7 @@
         <p:spPr>
           <a:xfrm>
             <a:off x="457200" y="914400"/>
-            <a:ext cx="8467200" cy="4181040"/>
+            <a:ext cx="8466840" cy="4180680"/>
           </a:xfrm>
           <a:prstGeom prst="rect">
             <a:avLst/>
@@ -7908,7 +11314,7 @@
       </p:grpSpPr>
       <p:pic>
         <p:nvPicPr>
-          <p:cNvPr id="52" name="" descr=""/>
+          <p:cNvPr id="93" name="" descr=""/>
           <p:cNvPicPr/>
           <p:nvPr/>
         </p:nvPicPr>
@@ -7919,7 +11325,7 @@
         <p:spPr>
           <a:xfrm>
             <a:off x="914400" y="685800"/>
-            <a:ext cx="7772400" cy="4800600"/>
+            <a:ext cx="7772040" cy="4800240"/>
           </a:xfrm>
           <a:prstGeom prst="rect">
             <a:avLst/>
@@ -7931,28 +11337,40 @@
       </p:pic>
       <p:sp>
         <p:nvSpPr>
-          <p:cNvPr id="53" name=""/>
-          <p:cNvSpPr txBox="1"/>
+          <p:cNvPr id="94" name=""/>
+          <p:cNvSpPr/>
           <p:nvPr/>
         </p:nvSpPr>
         <p:spPr>
           <a:xfrm>
             <a:off x="228600" y="110880"/>
-            <a:ext cx="3200400" cy="346320"/>
-          </a:xfrm>
-          <a:prstGeom prst="rect">
-            <a:avLst/>
-          </a:prstGeom>
-          <a:noFill/>
-          <a:ln w="0">
-            <a:noFill/>
-          </a:ln>
-        </p:spPr>
+            <a:ext cx="3200040" cy="345960"/>
+          </a:xfrm>
+          <a:prstGeom prst="rect">
+            <a:avLst/>
+          </a:prstGeom>
+          <a:noFill/>
+          <a:ln w="0">
+            <a:noFill/>
+          </a:ln>
+        </p:spPr>
+        <p:style>
+          <a:lnRef idx="0"/>
+          <a:fillRef idx="0"/>
+          <a:effectRef idx="0"/>
+          <a:fontRef idx="minor"/>
+        </p:style>
         <p:txBody>
           <a:bodyPr lIns="90000" rIns="90000" tIns="45000" bIns="45000" anchor="t">
             <a:noAutofit/>
           </a:bodyPr>
           <a:p>
+            <a:pPr>
+              <a:lnSpc>
+                <a:spcPct val="100000"/>
+              </a:lnSpc>
+              <a:buNone/>
+            </a:pPr>
             <a:r>
               <a:rPr b="0" lang="en-US" sz="1800" spc="-1" strike="noStrike">
                 <a:latin typeface="Arial"/>
@@ -7967,14 +11385,14 @@
       </p:sp>
       <p:sp>
         <p:nvSpPr>
-          <p:cNvPr id="54" name=""/>
+          <p:cNvPr id="95" name=""/>
           <p:cNvSpPr/>
           <p:nvPr/>
         </p:nvSpPr>
         <p:spPr>
           <a:xfrm>
             <a:off x="4343400" y="1371600"/>
-            <a:ext cx="228600" cy="457200"/>
+            <a:ext cx="228240" cy="456840"/>
           </a:xfrm>
           <a:custGeom>
             <a:avLst/>
@@ -8022,28 +11440,40 @@
       </p:sp>
       <p:sp>
         <p:nvSpPr>
-          <p:cNvPr id="55" name=""/>
-          <p:cNvSpPr txBox="1"/>
+          <p:cNvPr id="96" name=""/>
+          <p:cNvSpPr/>
           <p:nvPr/>
         </p:nvSpPr>
         <p:spPr>
           <a:xfrm>
             <a:off x="2743200" y="1828800"/>
-            <a:ext cx="2057400" cy="858240"/>
-          </a:xfrm>
-          <a:prstGeom prst="rect">
-            <a:avLst/>
-          </a:prstGeom>
-          <a:noFill/>
-          <a:ln w="0">
-            <a:noFill/>
-          </a:ln>
-        </p:spPr>
+            <a:ext cx="2057040" cy="857880"/>
+          </a:xfrm>
+          <a:prstGeom prst="rect">
+            <a:avLst/>
+          </a:prstGeom>
+          <a:noFill/>
+          <a:ln w="0">
+            <a:noFill/>
+          </a:ln>
+        </p:spPr>
+        <p:style>
+          <a:lnRef idx="0"/>
+          <a:fillRef idx="0"/>
+          <a:effectRef idx="0"/>
+          <a:fontRef idx="minor"/>
+        </p:style>
         <p:txBody>
           <a:bodyPr lIns="90000" rIns="90000" tIns="45000" bIns="45000" anchor="t">
             <a:noAutofit/>
           </a:bodyPr>
           <a:p>
+            <a:pPr>
+              <a:lnSpc>
+                <a:spcPct val="100000"/>
+              </a:lnSpc>
+              <a:buNone/>
+            </a:pPr>
             <a:r>
               <a:rPr b="0" lang="en-US" sz="1800" spc="-1" strike="noStrike">
                 <a:latin typeface="Arial"/>
@@ -8100,7 +11530,7 @@
       </p:grpSpPr>
       <p:sp>
         <p:nvSpPr>
-          <p:cNvPr id="56" name="PlaceHolder 1"/>
+          <p:cNvPr id="97" name="PlaceHolder 1"/>
           <p:cNvSpPr>
             <a:spLocks noGrp="1"/>
           </p:cNvSpPr>
@@ -8111,7 +11541,7 @@
         <p:spPr>
           <a:xfrm>
             <a:off x="46800" y="0"/>
-            <a:ext cx="1782000" cy="685800"/>
+            <a:ext cx="1781640" cy="685440"/>
           </a:xfrm>
           <a:prstGeom prst="rect">
             <a:avLst/>
@@ -8127,6 +11557,9 @@
           </a:bodyPr>
           <a:p>
             <a:pPr algn="ctr">
+              <a:lnSpc>
+                <a:spcPct val="100000"/>
+              </a:lnSpc>
               <a:buNone/>
             </a:pPr>
             <a:r>
@@ -8143,7 +11576,7 @@
       </p:sp>
       <p:pic>
         <p:nvPicPr>
-          <p:cNvPr id="57" name="" descr=""/>
+          <p:cNvPr id="98" name="" descr=""/>
           <p:cNvPicPr/>
           <p:nvPr/>
         </p:nvPicPr>
@@ -8154,7 +11587,7 @@
         <p:spPr>
           <a:xfrm>
             <a:off x="3429000" y="752760"/>
-            <a:ext cx="6378840" cy="3133440"/>
+            <a:ext cx="6378480" cy="3133080"/>
           </a:xfrm>
           <a:prstGeom prst="rect">
             <a:avLst/>
@@ -8166,28 +11599,40 @@
       </p:pic>
       <p:sp>
         <p:nvSpPr>
-          <p:cNvPr id="58" name=""/>
-          <p:cNvSpPr txBox="1"/>
+          <p:cNvPr id="99" name=""/>
+          <p:cNvSpPr/>
           <p:nvPr/>
         </p:nvSpPr>
         <p:spPr>
           <a:xfrm>
             <a:off x="0" y="714600"/>
-            <a:ext cx="2514600" cy="1114200"/>
-          </a:xfrm>
-          <a:prstGeom prst="rect">
-            <a:avLst/>
-          </a:prstGeom>
-          <a:noFill/>
-          <a:ln w="0">
-            <a:noFill/>
-          </a:ln>
-        </p:spPr>
+            <a:ext cx="2514240" cy="1113840"/>
+          </a:xfrm>
+          <a:prstGeom prst="rect">
+            <a:avLst/>
+          </a:prstGeom>
+          <a:noFill/>
+          <a:ln w="0">
+            <a:noFill/>
+          </a:ln>
+        </p:spPr>
+        <p:style>
+          <a:lnRef idx="0"/>
+          <a:fillRef idx="0"/>
+          <a:effectRef idx="0"/>
+          <a:fontRef idx="minor"/>
+        </p:style>
         <p:txBody>
           <a:bodyPr lIns="90000" rIns="90000" tIns="45000" bIns="45000" anchor="t">
             <a:noAutofit/>
           </a:bodyPr>
           <a:p>
+            <a:pPr>
+              <a:lnSpc>
+                <a:spcPct val="100000"/>
+              </a:lnSpc>
+              <a:buNone/>
+            </a:pPr>
             <a:r>
               <a:rPr b="0" lang="en-US" sz="1800" spc="-1" strike="noStrike">
                 <a:latin typeface="Arial"/>
@@ -8202,28 +11647,40 @@
       </p:sp>
       <p:sp>
         <p:nvSpPr>
-          <p:cNvPr id="59" name=""/>
-          <p:cNvSpPr txBox="1"/>
+          <p:cNvPr id="100" name=""/>
+          <p:cNvSpPr/>
           <p:nvPr/>
         </p:nvSpPr>
         <p:spPr>
           <a:xfrm>
             <a:off x="0" y="2057400"/>
-            <a:ext cx="3429000" cy="1370160"/>
-          </a:xfrm>
-          <a:prstGeom prst="rect">
-            <a:avLst/>
-          </a:prstGeom>
-          <a:noFill/>
-          <a:ln w="0">
-            <a:noFill/>
-          </a:ln>
-        </p:spPr>
+            <a:ext cx="3428640" cy="1369800"/>
+          </a:xfrm>
+          <a:prstGeom prst="rect">
+            <a:avLst/>
+          </a:prstGeom>
+          <a:noFill/>
+          <a:ln w="0">
+            <a:noFill/>
+          </a:ln>
+        </p:spPr>
+        <p:style>
+          <a:lnRef idx="0"/>
+          <a:fillRef idx="0"/>
+          <a:effectRef idx="0"/>
+          <a:fontRef idx="minor"/>
+        </p:style>
         <p:txBody>
           <a:bodyPr lIns="90000" rIns="90000" tIns="45000" bIns="45000" anchor="t">
             <a:noAutofit/>
           </a:bodyPr>
           <a:p>
+            <a:pPr>
+              <a:lnSpc>
+                <a:spcPct val="100000"/>
+              </a:lnSpc>
+              <a:buNone/>
+            </a:pPr>
             <a:r>
               <a:rPr b="0" lang="en-US" sz="1800" spc="-1" strike="noStrike">
                 <a:latin typeface="Arial"/>
@@ -8238,28 +11695,40 @@
       </p:sp>
       <p:sp>
         <p:nvSpPr>
-          <p:cNvPr id="60" name=""/>
-          <p:cNvSpPr txBox="1"/>
+          <p:cNvPr id="101" name=""/>
+          <p:cNvSpPr/>
           <p:nvPr/>
         </p:nvSpPr>
         <p:spPr>
           <a:xfrm>
             <a:off x="0" y="3200400"/>
-            <a:ext cx="3200400" cy="1114200"/>
-          </a:xfrm>
-          <a:prstGeom prst="rect">
-            <a:avLst/>
-          </a:prstGeom>
-          <a:noFill/>
-          <a:ln w="0">
-            <a:noFill/>
-          </a:ln>
-        </p:spPr>
+            <a:ext cx="3200040" cy="1113840"/>
+          </a:xfrm>
+          <a:prstGeom prst="rect">
+            <a:avLst/>
+          </a:prstGeom>
+          <a:noFill/>
+          <a:ln w="0">
+            <a:noFill/>
+          </a:ln>
+        </p:spPr>
+        <p:style>
+          <a:lnRef idx="0"/>
+          <a:fillRef idx="0"/>
+          <a:effectRef idx="0"/>
+          <a:fontRef idx="minor"/>
+        </p:style>
         <p:txBody>
           <a:bodyPr lIns="90000" rIns="90000" tIns="45000" bIns="45000" anchor="t">
             <a:noAutofit/>
           </a:bodyPr>
           <a:p>
+            <a:pPr>
+              <a:lnSpc>
+                <a:spcPct val="100000"/>
+              </a:lnSpc>
+              <a:buNone/>
+            </a:pPr>
             <a:r>
               <a:rPr b="0" lang="en-US" sz="1800" spc="-1" strike="noStrike">
                 <a:latin typeface="Arial"/>
@@ -8277,6 +11746,12 @@
             </a:endParaRPr>
           </a:p>
           <a:p>
+            <a:pPr>
+              <a:lnSpc>
+                <a:spcPct val="100000"/>
+              </a:lnSpc>
+              <a:buNone/>
+            </a:pPr>
             <a:r>
               <a:rPr b="0" lang="en-US" sz="1800" spc="-1" strike="noStrike">
                 <a:latin typeface="Arial"/>
@@ -8294,6 +11769,12 @@
             </a:endParaRPr>
           </a:p>
           <a:p>
+            <a:pPr>
+              <a:lnSpc>
+                <a:spcPct val="100000"/>
+              </a:lnSpc>
+              <a:buNone/>
+            </a:pPr>
             <a:r>
               <a:rPr b="0" lang="en-US" sz="1800" spc="-1" strike="noStrike">
                 <a:latin typeface="Arial"/>
@@ -8314,28 +11795,40 @@
       </p:sp>
       <p:sp>
         <p:nvSpPr>
-          <p:cNvPr id="61" name=""/>
-          <p:cNvSpPr txBox="1"/>
+          <p:cNvPr id="102" name=""/>
+          <p:cNvSpPr/>
           <p:nvPr/>
         </p:nvSpPr>
         <p:spPr>
           <a:xfrm>
             <a:off x="0" y="4426920"/>
-            <a:ext cx="4800600" cy="602280"/>
-          </a:xfrm>
-          <a:prstGeom prst="rect">
-            <a:avLst/>
-          </a:prstGeom>
-          <a:noFill/>
-          <a:ln w="0">
-            <a:noFill/>
-          </a:ln>
-        </p:spPr>
+            <a:ext cx="4800240" cy="601920"/>
+          </a:xfrm>
+          <a:prstGeom prst="rect">
+            <a:avLst/>
+          </a:prstGeom>
+          <a:noFill/>
+          <a:ln w="0">
+            <a:noFill/>
+          </a:ln>
+        </p:spPr>
+        <p:style>
+          <a:lnRef idx="0"/>
+          <a:fillRef idx="0"/>
+          <a:effectRef idx="0"/>
+          <a:fontRef idx="minor"/>
+        </p:style>
         <p:txBody>
           <a:bodyPr lIns="90000" rIns="90000" tIns="45000" bIns="45000" anchor="t">
             <a:noAutofit/>
           </a:bodyPr>
           <a:p>
+            <a:pPr>
+              <a:lnSpc>
+                <a:spcPct val="100000"/>
+              </a:lnSpc>
+              <a:buNone/>
+            </a:pPr>
             <a:r>
               <a:rPr b="0" lang="en-US" sz="1800" spc="-1" strike="noStrike">
                 <a:latin typeface="Arial"/>
@@ -8392,7 +11885,7 @@
       </p:grpSpPr>
       <p:pic>
         <p:nvPicPr>
-          <p:cNvPr id="62" name="" descr=""/>
+          <p:cNvPr id="103" name="" descr=""/>
           <p:cNvPicPr/>
           <p:nvPr/>
         </p:nvPicPr>
@@ -8403,7 +11896,7 @@
         <p:spPr>
           <a:xfrm>
             <a:off x="2286000" y="685800"/>
-            <a:ext cx="7772400" cy="4800600"/>
+            <a:ext cx="7772040" cy="4800240"/>
           </a:xfrm>
           <a:prstGeom prst="rect">
             <a:avLst/>
@@ -8415,14 +11908,14 @@
       </p:pic>
       <p:sp>
         <p:nvSpPr>
-          <p:cNvPr id="63" name=""/>
+          <p:cNvPr id="104" name=""/>
           <p:cNvSpPr/>
           <p:nvPr/>
         </p:nvSpPr>
         <p:spPr>
           <a:xfrm>
             <a:off x="4800600" y="1371600"/>
-            <a:ext cx="228600" cy="457200"/>
+            <a:ext cx="228240" cy="456840"/>
           </a:xfrm>
           <a:custGeom>
             <a:avLst/>
@@ -8470,14 +11963,14 @@
       </p:sp>
       <p:sp>
         <p:nvSpPr>
-          <p:cNvPr id="64" name=""/>
-          <p:cNvSpPr txBox="1"/>
+          <p:cNvPr id="105" name=""/>
+          <p:cNvSpPr/>
           <p:nvPr/>
         </p:nvSpPr>
         <p:spPr>
           <a:xfrm>
             <a:off x="3411720" y="1952640"/>
-            <a:ext cx="2760480" cy="561960"/>
+            <a:ext cx="2760120" cy="561600"/>
           </a:xfrm>
           <a:prstGeom prst="rect">
             <a:avLst/>
@@ -8489,11 +11982,23 @@
             </a:solidFill>
           </a:ln>
         </p:spPr>
+        <p:style>
+          <a:lnRef idx="0"/>
+          <a:fillRef idx="0"/>
+          <a:effectRef idx="0"/>
+          <a:fontRef idx="minor"/>
+        </p:style>
         <p:txBody>
           <a:bodyPr lIns="90000" rIns="90000" tIns="45000" bIns="45000" anchor="t">
             <a:noAutofit/>
           </a:bodyPr>
           <a:p>
+            <a:pPr>
+              <a:lnSpc>
+                <a:spcPct val="100000"/>
+              </a:lnSpc>
+              <a:buNone/>
+            </a:pPr>
             <a:r>
               <a:rPr b="0" lang="en-US" sz="1400" spc="-1" strike="noStrike">
                 <a:latin typeface="Arial"/>
@@ -8550,7 +12055,7 @@
       </p:grpSpPr>
       <p:sp>
         <p:nvSpPr>
-          <p:cNvPr id="65" name="PlaceHolder 1"/>
+          <p:cNvPr id="106" name="PlaceHolder 1"/>
           <p:cNvSpPr>
             <a:spLocks noGrp="1"/>
           </p:cNvSpPr>
@@ -8561,7 +12066,7 @@
         <p:spPr>
           <a:xfrm>
             <a:off x="-685800" y="-32040"/>
-            <a:ext cx="4068000" cy="946440"/>
+            <a:ext cx="4067640" cy="946080"/>
           </a:xfrm>
           <a:prstGeom prst="rect">
             <a:avLst/>
@@ -8577,6 +12082,9 @@
           </a:bodyPr>
           <a:p>
             <a:pPr algn="ctr">
+              <a:lnSpc>
+                <a:spcPct val="100000"/>
+              </a:lnSpc>
               <a:buNone/>
             </a:pPr>
             <a:r>
@@ -8593,7 +12101,7 @@
       </p:sp>
       <p:pic>
         <p:nvPicPr>
-          <p:cNvPr id="66" name="" descr=""/>
+          <p:cNvPr id="107" name="" descr=""/>
           <p:cNvPicPr/>
           <p:nvPr/>
         </p:nvPicPr>
@@ -8604,7 +12112,7 @@
         <p:spPr>
           <a:xfrm>
             <a:off x="3886200" y="685800"/>
-            <a:ext cx="6095520" cy="4800600"/>
+            <a:ext cx="6095160" cy="4800240"/>
           </a:xfrm>
           <a:prstGeom prst="rect">
             <a:avLst/>
@@ -8616,28 +12124,40 @@
       </p:pic>
       <p:sp>
         <p:nvSpPr>
-          <p:cNvPr id="67" name=""/>
-          <p:cNvSpPr txBox="1"/>
+          <p:cNvPr id="108" name=""/>
+          <p:cNvSpPr/>
           <p:nvPr/>
         </p:nvSpPr>
         <p:spPr>
           <a:xfrm>
             <a:off x="0" y="685800"/>
-            <a:ext cx="3886200" cy="2394000"/>
-          </a:xfrm>
-          <a:prstGeom prst="rect">
-            <a:avLst/>
-          </a:prstGeom>
-          <a:noFill/>
-          <a:ln w="0">
-            <a:noFill/>
-          </a:ln>
-        </p:spPr>
+            <a:ext cx="3885840" cy="2393640"/>
+          </a:xfrm>
+          <a:prstGeom prst="rect">
+            <a:avLst/>
+          </a:prstGeom>
+          <a:noFill/>
+          <a:ln w="0">
+            <a:noFill/>
+          </a:ln>
+        </p:spPr>
+        <p:style>
+          <a:lnRef idx="0"/>
+          <a:fillRef idx="0"/>
+          <a:effectRef idx="0"/>
+          <a:fontRef idx="minor"/>
+        </p:style>
         <p:txBody>
           <a:bodyPr lIns="90000" rIns="90000" tIns="45000" bIns="45000" anchor="t">
             <a:noAutofit/>
           </a:bodyPr>
           <a:p>
+            <a:pPr>
+              <a:lnSpc>
+                <a:spcPct val="100000"/>
+              </a:lnSpc>
+              <a:buNone/>
+            </a:pPr>
             <a:r>
               <a:rPr b="0" lang="en-US" sz="1800" spc="-1" strike="noStrike">
                 <a:latin typeface="Arial"/>
@@ -8649,6 +12169,12 @@
             </a:endParaRPr>
           </a:p>
           <a:p>
+            <a:pPr>
+              <a:lnSpc>
+                <a:spcPct val="100000"/>
+              </a:lnSpc>
+              <a:buNone/>
+            </a:pPr>
             <a:r>
               <a:rPr b="0" lang="en-US" sz="1800" spc="-1" strike="noStrike">
                 <a:latin typeface="Arial"/>
@@ -8660,11 +12186,23 @@
             </a:endParaRPr>
           </a:p>
           <a:p>
+            <a:pPr>
+              <a:lnSpc>
+                <a:spcPct val="100000"/>
+              </a:lnSpc>
+              <a:buNone/>
+            </a:pPr>
             <a:endParaRPr b="0" lang="en-US" sz="1800" spc="-1" strike="noStrike">
               <a:latin typeface="Arial"/>
             </a:endParaRPr>
           </a:p>
           <a:p>
+            <a:pPr>
+              <a:lnSpc>
+                <a:spcPct val="100000"/>
+              </a:lnSpc>
+              <a:buNone/>
+            </a:pPr>
             <a:r>
               <a:rPr b="0" lang="en-US" sz="1800" spc="-1" strike="noStrike">
                 <a:latin typeface="Arial"/>
@@ -8676,6 +12214,12 @@
             </a:endParaRPr>
           </a:p>
           <a:p>
+            <a:pPr>
+              <a:lnSpc>
+                <a:spcPct val="100000"/>
+              </a:lnSpc>
+              <a:buNone/>
+            </a:pPr>
             <a:r>
               <a:rPr b="0" lang="en-US" sz="1800" spc="-1" strike="noStrike">
                 <a:latin typeface="Arial"/>
@@ -8687,6 +12231,12 @@
             </a:endParaRPr>
           </a:p>
           <a:p>
+            <a:pPr>
+              <a:lnSpc>
+                <a:spcPct val="100000"/>
+              </a:lnSpc>
+              <a:buNone/>
+            </a:pPr>
             <a:r>
               <a:rPr b="0" lang="en-US" sz="1800" spc="-1" strike="noStrike">
                 <a:latin typeface="Arial"/>
@@ -8698,6 +12248,12 @@
             </a:endParaRPr>
           </a:p>
           <a:p>
+            <a:pPr>
+              <a:lnSpc>
+                <a:spcPct val="100000"/>
+              </a:lnSpc>
+              <a:buNone/>
+            </a:pPr>
             <a:r>
               <a:rPr b="0" lang="en-US" sz="1800" spc="-1" strike="noStrike">
                 <a:latin typeface="Arial"/>
@@ -8709,6 +12265,12 @@
             </a:endParaRPr>
           </a:p>
           <a:p>
+            <a:pPr>
+              <a:lnSpc>
+                <a:spcPct val="100000"/>
+              </a:lnSpc>
+              <a:buNone/>
+            </a:pPr>
             <a:r>
               <a:rPr b="0" lang="en-US" sz="1800" spc="-1" strike="noStrike">
                 <a:latin typeface="Arial"/>
@@ -8720,6 +12282,12 @@
             </a:endParaRPr>
           </a:p>
           <a:p>
+            <a:pPr>
+              <a:lnSpc>
+                <a:spcPct val="100000"/>
+              </a:lnSpc>
+              <a:buNone/>
+            </a:pPr>
             <a:r>
               <a:rPr b="0" lang="en-US" sz="1800" spc="-1" strike="noStrike">
                 <a:latin typeface="Arial"/>
@@ -8969,4 +12537,230 @@
     </a:fmtScheme>
   </a:themeElements>
 </a:theme>
+</file>
+
+<file path=ppt/theme/theme2.xml><?xml version="1.0" encoding="utf-8"?>
+<a:theme xmlns:a="http://schemas.openxmlformats.org/drawingml/2006/main" name="Office Theme">
+  <a:themeElements>
+    <a:clrScheme name="Office">
+      <a:dk1>
+        <a:sysClr val="windowText" lastClr="000000"/>
+      </a:dk1>
+      <a:lt1>
+        <a:sysClr val="window" lastClr="FFFFFF"/>
+      </a:lt1>
+      <a:dk2>
+        <a:srgbClr val="1f497d"/>
+      </a:dk2>
+      <a:lt2>
+        <a:srgbClr val="eeece1"/>
+      </a:lt2>
+      <a:accent1>
+        <a:srgbClr val="4f81bd"/>
+      </a:accent1>
+      <a:accent2>
+        <a:srgbClr val="c0504d"/>
+      </a:accent2>
+      <a:accent3>
+        <a:srgbClr val="9bbb59"/>
+      </a:accent3>
+      <a:accent4>
+        <a:srgbClr val="8064a2"/>
+      </a:accent4>
+      <a:accent5>
+        <a:srgbClr val="4bacc6"/>
+      </a:accent5>
+      <a:accent6>
+        <a:srgbClr val="f79646"/>
+      </a:accent6>
+      <a:hlink>
+        <a:srgbClr val="0000ff"/>
+      </a:hlink>
+      <a:folHlink>
+        <a:srgbClr val="800080"/>
+      </a:folHlink>
+    </a:clrScheme>
+    <a:fontScheme name="Office">
+      <a:majorFont>
+        <a:latin typeface="Arial"/>
+        <a:ea typeface="DejaVu Sans"/>
+        <a:cs typeface="DejaVu Sans"/>
+      </a:majorFont>
+      <a:minorFont>
+        <a:latin typeface="Arial"/>
+        <a:ea typeface="DejaVu Sans"/>
+        <a:cs typeface="DejaVu Sans"/>
+      </a:minorFont>
+    </a:fontScheme>
+    <a:fmtScheme name="Office">
+      <a:fillStyleLst>
+        <a:solidFill>
+          <a:schemeClr val="phClr"/>
+        </a:solidFill>
+        <a:gradFill rotWithShape="1">
+          <a:gsLst>
+            <a:gs pos="0">
+              <a:schemeClr val="phClr">
+                <a:tint val="50000"/>
+                <a:satMod val="300000"/>
+              </a:schemeClr>
+            </a:gs>
+            <a:gs pos="35000">
+              <a:schemeClr val="phClr">
+                <a:tint val="37000"/>
+                <a:satMod val="300000"/>
+              </a:schemeClr>
+            </a:gs>
+            <a:gs pos="100000">
+              <a:schemeClr val="phClr">
+                <a:tint val="15000"/>
+                <a:satMod val="350000"/>
+              </a:schemeClr>
+            </a:gs>
+          </a:gsLst>
+          <a:lin ang="16200000" scaled="1"/>
+        </a:gradFill>
+        <a:gradFill rotWithShape="1">
+          <a:gsLst>
+            <a:gs pos="0">
+              <a:schemeClr val="phClr">
+                <a:shade val="51000"/>
+                <a:satMod val="130000"/>
+              </a:schemeClr>
+            </a:gs>
+            <a:gs pos="80000">
+              <a:schemeClr val="phClr">
+                <a:shade val="93000"/>
+                <a:satMod val="130000"/>
+              </a:schemeClr>
+            </a:gs>
+            <a:gs pos="100000">
+              <a:schemeClr val="phClr">
+                <a:shade val="94000"/>
+                <a:satMod val="135000"/>
+              </a:schemeClr>
+            </a:gs>
+          </a:gsLst>
+          <a:lin ang="16200000" scaled="0"/>
+        </a:gradFill>
+      </a:fillStyleLst>
+      <a:lnStyleLst>
+        <a:ln w="9525" cap="flat" cmpd="sng" algn="ctr">
+          <a:solidFill>
+            <a:schemeClr val="phClr">
+              <a:shade val="95000"/>
+              <a:satMod val="105000"/>
+            </a:schemeClr>
+          </a:solidFill>
+          <a:prstDash val="solid"/>
+          <a:miter/>
+        </a:ln>
+        <a:ln w="25400" cap="flat" cmpd="sng" algn="ctr">
+          <a:solidFill>
+            <a:schemeClr val="phClr"/>
+          </a:solidFill>
+          <a:prstDash val="solid"/>
+          <a:miter/>
+        </a:ln>
+        <a:ln w="38100" cap="flat" cmpd="sng" algn="ctr">
+          <a:solidFill>
+            <a:schemeClr val="phClr"/>
+          </a:solidFill>
+          <a:prstDash val="solid"/>
+          <a:miter/>
+        </a:ln>
+      </a:lnStyleLst>
+      <a:effectStyleLst>
+        <a:effectStyle>
+          <a:effectLst>
+            <a:outerShdw blurRad="40000" dist="20000" dir="5400000" rotWithShape="0">
+              <a:srgbClr val="000000">
+                <a:alpha val="38000"/>
+              </a:srgbClr>
+            </a:outerShdw>
+          </a:effectLst>
+        </a:effectStyle>
+        <a:effectStyle>
+          <a:effectLst>
+            <a:outerShdw blurRad="40000" dist="23000" dir="5400000" rotWithShape="0">
+              <a:srgbClr val="000000">
+                <a:alpha val="35000"/>
+              </a:srgbClr>
+            </a:outerShdw>
+          </a:effectLst>
+        </a:effectStyle>
+        <a:effectStyle>
+          <a:effectLst>
+            <a:outerShdw blurRad="40000" dist="23000" dir="5400000" rotWithShape="0">
+              <a:srgbClr val="000000">
+                <a:alpha val="35000"/>
+              </a:srgbClr>
+            </a:outerShdw>
+          </a:effectLst>
+          <a:scene3d>
+            <a:camera prst="orthographicFront">
+              <a:rot lat="0" lon="0" rev="0"/>
+            </a:camera>
+            <a:lightRig rig="threePt" dir="t">
+              <a:rot lat="0" lon="0" rev="1200000"/>
+            </a:lightRig>
+          </a:scene3d>
+          <a:sp3d>
+            <a:bevelT w="63500" h="25400"/>
+          </a:sp3d>
+        </a:effectStyle>
+      </a:effectStyleLst>
+      <a:bgFillStyleLst>
+        <a:solidFill>
+          <a:schemeClr val="phClr"/>
+        </a:solidFill>
+        <a:gradFill rotWithShape="1">
+          <a:gsLst>
+            <a:gs pos="0">
+              <a:schemeClr val="phClr">
+                <a:tint val="40000"/>
+                <a:satMod val="350000"/>
+              </a:schemeClr>
+            </a:gs>
+            <a:gs pos="40000">
+              <a:schemeClr val="phClr">
+                <a:tint val="45000"/>
+                <a:shade val="99000"/>
+                <a:satMod val="350000"/>
+              </a:schemeClr>
+            </a:gs>
+            <a:gs pos="100000">
+              <a:schemeClr val="phClr">
+                <a:shade val="20000"/>
+                <a:satMod val="255000"/>
+              </a:schemeClr>
+            </a:gs>
+          </a:gsLst>
+          <a:path path="circle">
+            <a:fillToRect l="50000" t="-80000" r="50000" b="180000"/>
+          </a:path>
+        </a:gradFill>
+        <a:gradFill rotWithShape="1">
+          <a:gsLst>
+            <a:gs pos="0">
+              <a:schemeClr val="phClr">
+                <a:tint val="80000"/>
+                <a:satMod val="300000"/>
+              </a:schemeClr>
+            </a:gs>
+            <a:gs pos="100000">
+              <a:schemeClr val="phClr">
+                <a:shade val="30000"/>
+                <a:satMod val="200000"/>
+              </a:schemeClr>
+            </a:gs>
+          </a:gsLst>
+          <a:path path="circle">
+            <a:fillToRect l="50000" t="50000" r="50000" b="50000"/>
+          </a:path>
+        </a:gradFill>
+      </a:bgFillStyleLst>
+    </a:fmtScheme>
+  </a:themeElements>
+</a:theme>
 </file>